--- a/Accelerometer Activity Recognition.pptx
+++ b/Accelerometer Activity Recognition.pptx
@@ -65,7 +65,7 @@
       </p:grpSpPr>
       <p:sp>
         <p:nvSpPr>
-          <p:cNvPr id="48" name="PlaceHolder 1"/>
+          <p:cNvPr id="45" name="PlaceHolder 1"/>
           <p:cNvSpPr>
             <a:spLocks noGrp="1"/>
           </p:cNvSpPr>
@@ -76,7 +76,7 @@
         <p:spPr>
           <a:xfrm>
             <a:off x="677160" y="609480"/>
-            <a:ext cx="8596440" cy="1320480"/>
+            <a:ext cx="8595360" cy="1319400"/>
           </a:xfrm>
           <a:prstGeom prst="rect">
             <a:avLst/>
@@ -85,18 +85,16 @@
         <p:txBody>
           <a:bodyPr lIns="0" rIns="0" tIns="0" bIns="0" anchor="ctr"/>
           <a:p>
-            <a:endParaRPr b="0" lang="en-US" sz="1800" spc="-1" strike="noStrike">
-              <a:solidFill>
-                <a:srgbClr val="000000"/>
-              </a:solidFill>
-              <a:latin typeface="Trebuchet MS"/>
-            </a:endParaRPr>
-          </a:p>
-        </p:txBody>
-      </p:sp>
-      <p:sp>
-        <p:nvSpPr>
-          <p:cNvPr id="49" name="PlaceHolder 2"/>
+            <a:pPr algn="ctr"/>
+            <a:endParaRPr b="0" lang="en-US" sz="4400" spc="-1" strike="noStrike">
+              <a:latin typeface="Arial"/>
+            </a:endParaRPr>
+          </a:p>
+        </p:txBody>
+      </p:sp>
+      <p:sp>
+        <p:nvSpPr>
+          <p:cNvPr id="46" name="PlaceHolder 2"/>
           <p:cNvSpPr>
             <a:spLocks noGrp="1"/>
           </p:cNvSpPr>
@@ -118,18 +116,15 @@
             <a:normAutofit/>
           </a:bodyPr>
           <a:p>
-            <a:endParaRPr b="0" lang="en-US" sz="1800" spc="-1" strike="noStrike">
-              <a:solidFill>
-                <a:srgbClr val="404040"/>
-              </a:solidFill>
-              <a:latin typeface="Trebuchet MS"/>
-            </a:endParaRPr>
-          </a:p>
-        </p:txBody>
-      </p:sp>
-      <p:sp>
-        <p:nvSpPr>
-          <p:cNvPr id="50" name="PlaceHolder 3"/>
+            <a:endParaRPr b="0" lang="en-US" sz="3200" spc="-1" strike="noStrike">
+              <a:latin typeface="Arial"/>
+            </a:endParaRPr>
+          </a:p>
+        </p:txBody>
+      </p:sp>
+      <p:sp>
+        <p:nvSpPr>
+          <p:cNvPr id="47" name="PlaceHolder 3"/>
           <p:cNvSpPr>
             <a:spLocks noGrp="1"/>
           </p:cNvSpPr>
@@ -151,11 +146,8 @@
             <a:normAutofit/>
           </a:bodyPr>
           <a:p>
-            <a:endParaRPr b="0" lang="en-US" sz="1800" spc="-1" strike="noStrike">
-              <a:solidFill>
-                <a:srgbClr val="404040"/>
-              </a:solidFill>
-              <a:latin typeface="Trebuchet MS"/>
+            <a:endParaRPr b="0" lang="en-US" sz="3200" spc="-1" strike="noStrike">
+              <a:latin typeface="Arial"/>
             </a:endParaRPr>
           </a:p>
         </p:txBody>
@@ -184,7 +176,7 @@
       </p:grpSpPr>
       <p:sp>
         <p:nvSpPr>
-          <p:cNvPr id="51" name="PlaceHolder 1"/>
+          <p:cNvPr id="48" name="PlaceHolder 1"/>
           <p:cNvSpPr>
             <a:spLocks noGrp="1"/>
           </p:cNvSpPr>
@@ -195,7 +187,7 @@
         <p:spPr>
           <a:xfrm>
             <a:off x="677160" y="609480"/>
-            <a:ext cx="8596440" cy="1320480"/>
+            <a:ext cx="8595360" cy="1319400"/>
           </a:xfrm>
           <a:prstGeom prst="rect">
             <a:avLst/>
@@ -204,18 +196,16 @@
         <p:txBody>
           <a:bodyPr lIns="0" rIns="0" tIns="0" bIns="0" anchor="ctr"/>
           <a:p>
-            <a:endParaRPr b="0" lang="en-US" sz="1800" spc="-1" strike="noStrike">
-              <a:solidFill>
-                <a:srgbClr val="000000"/>
-              </a:solidFill>
-              <a:latin typeface="Trebuchet MS"/>
-            </a:endParaRPr>
-          </a:p>
-        </p:txBody>
-      </p:sp>
-      <p:sp>
-        <p:nvSpPr>
-          <p:cNvPr id="52" name="PlaceHolder 2"/>
+            <a:pPr algn="ctr"/>
+            <a:endParaRPr b="0" lang="en-US" sz="4400" spc="-1" strike="noStrike">
+              <a:latin typeface="Arial"/>
+            </a:endParaRPr>
+          </a:p>
+        </p:txBody>
+      </p:sp>
+      <p:sp>
+        <p:nvSpPr>
+          <p:cNvPr id="49" name="PlaceHolder 2"/>
           <p:cNvSpPr>
             <a:spLocks noGrp="1"/>
           </p:cNvSpPr>
@@ -237,18 +227,15 @@
             <a:normAutofit/>
           </a:bodyPr>
           <a:p>
-            <a:endParaRPr b="0" lang="en-US" sz="1800" spc="-1" strike="noStrike">
-              <a:solidFill>
-                <a:srgbClr val="404040"/>
-              </a:solidFill>
-              <a:latin typeface="Trebuchet MS"/>
-            </a:endParaRPr>
-          </a:p>
-        </p:txBody>
-      </p:sp>
-      <p:sp>
-        <p:nvSpPr>
-          <p:cNvPr id="53" name="PlaceHolder 3"/>
+            <a:endParaRPr b="0" lang="en-US" sz="3200" spc="-1" strike="noStrike">
+              <a:latin typeface="Arial"/>
+            </a:endParaRPr>
+          </a:p>
+        </p:txBody>
+      </p:sp>
+      <p:sp>
+        <p:nvSpPr>
+          <p:cNvPr id="50" name="PlaceHolder 3"/>
           <p:cNvSpPr>
             <a:spLocks noGrp="1"/>
           </p:cNvSpPr>
@@ -270,18 +257,15 @@
             <a:normAutofit/>
           </a:bodyPr>
           <a:p>
-            <a:endParaRPr b="0" lang="en-US" sz="1800" spc="-1" strike="noStrike">
-              <a:solidFill>
-                <a:srgbClr val="404040"/>
-              </a:solidFill>
-              <a:latin typeface="Trebuchet MS"/>
-            </a:endParaRPr>
-          </a:p>
-        </p:txBody>
-      </p:sp>
-      <p:sp>
-        <p:nvSpPr>
-          <p:cNvPr id="54" name="PlaceHolder 4"/>
+            <a:endParaRPr b="0" lang="en-US" sz="3200" spc="-1" strike="noStrike">
+              <a:latin typeface="Arial"/>
+            </a:endParaRPr>
+          </a:p>
+        </p:txBody>
+      </p:sp>
+      <p:sp>
+        <p:nvSpPr>
+          <p:cNvPr id="51" name="PlaceHolder 4"/>
           <p:cNvSpPr>
             <a:spLocks noGrp="1"/>
           </p:cNvSpPr>
@@ -303,18 +287,15 @@
             <a:normAutofit/>
           </a:bodyPr>
           <a:p>
-            <a:endParaRPr b="0" lang="en-US" sz="1800" spc="-1" strike="noStrike">
-              <a:solidFill>
-                <a:srgbClr val="404040"/>
-              </a:solidFill>
-              <a:latin typeface="Trebuchet MS"/>
-            </a:endParaRPr>
-          </a:p>
-        </p:txBody>
-      </p:sp>
-      <p:sp>
-        <p:nvSpPr>
-          <p:cNvPr id="55" name="PlaceHolder 5"/>
+            <a:endParaRPr b="0" lang="en-US" sz="3200" spc="-1" strike="noStrike">
+              <a:latin typeface="Arial"/>
+            </a:endParaRPr>
+          </a:p>
+        </p:txBody>
+      </p:sp>
+      <p:sp>
+        <p:nvSpPr>
+          <p:cNvPr id="52" name="PlaceHolder 5"/>
           <p:cNvSpPr>
             <a:spLocks noGrp="1"/>
           </p:cNvSpPr>
@@ -336,11 +317,8 @@
             <a:normAutofit/>
           </a:bodyPr>
           <a:p>
-            <a:endParaRPr b="0" lang="en-US" sz="1800" spc="-1" strike="noStrike">
-              <a:solidFill>
-                <a:srgbClr val="404040"/>
-              </a:solidFill>
-              <a:latin typeface="Trebuchet MS"/>
+            <a:endParaRPr b="0" lang="en-US" sz="3200" spc="-1" strike="noStrike">
+              <a:latin typeface="Arial"/>
             </a:endParaRPr>
           </a:p>
         </p:txBody>
@@ -369,7 +347,7 @@
       </p:grpSpPr>
       <p:sp>
         <p:nvSpPr>
-          <p:cNvPr id="56" name="PlaceHolder 1"/>
+          <p:cNvPr id="53" name="PlaceHolder 1"/>
           <p:cNvSpPr>
             <a:spLocks noGrp="1"/>
           </p:cNvSpPr>
@@ -380,7 +358,7 @@
         <p:spPr>
           <a:xfrm>
             <a:off x="677160" y="609480"/>
-            <a:ext cx="8596440" cy="1320480"/>
+            <a:ext cx="8595360" cy="1319400"/>
           </a:xfrm>
           <a:prstGeom prst="rect">
             <a:avLst/>
@@ -389,18 +367,16 @@
         <p:txBody>
           <a:bodyPr lIns="0" rIns="0" tIns="0" bIns="0" anchor="ctr"/>
           <a:p>
-            <a:endParaRPr b="0" lang="en-US" sz="1800" spc="-1" strike="noStrike">
-              <a:solidFill>
-                <a:srgbClr val="000000"/>
-              </a:solidFill>
-              <a:latin typeface="Trebuchet MS"/>
-            </a:endParaRPr>
-          </a:p>
-        </p:txBody>
-      </p:sp>
-      <p:sp>
-        <p:nvSpPr>
-          <p:cNvPr id="57" name="PlaceHolder 2"/>
+            <a:pPr algn="ctr"/>
+            <a:endParaRPr b="0" lang="en-US" sz="4400" spc="-1" strike="noStrike">
+              <a:latin typeface="Arial"/>
+            </a:endParaRPr>
+          </a:p>
+        </p:txBody>
+      </p:sp>
+      <p:sp>
+        <p:nvSpPr>
+          <p:cNvPr id="54" name="PlaceHolder 2"/>
           <p:cNvSpPr>
             <a:spLocks noGrp="1"/>
           </p:cNvSpPr>
@@ -422,18 +398,15 @@
             <a:normAutofit/>
           </a:bodyPr>
           <a:p>
-            <a:endParaRPr b="0" lang="en-US" sz="1800" spc="-1" strike="noStrike">
-              <a:solidFill>
-                <a:srgbClr val="404040"/>
-              </a:solidFill>
-              <a:latin typeface="Trebuchet MS"/>
-            </a:endParaRPr>
-          </a:p>
-        </p:txBody>
-      </p:sp>
-      <p:sp>
-        <p:nvSpPr>
-          <p:cNvPr id="58" name="PlaceHolder 3"/>
+            <a:endParaRPr b="0" lang="en-US" sz="3200" spc="-1" strike="noStrike">
+              <a:latin typeface="Arial"/>
+            </a:endParaRPr>
+          </a:p>
+        </p:txBody>
+      </p:sp>
+      <p:sp>
+        <p:nvSpPr>
+          <p:cNvPr id="55" name="PlaceHolder 3"/>
           <p:cNvSpPr>
             <a:spLocks noGrp="1"/>
           </p:cNvSpPr>
@@ -455,18 +428,15 @@
             <a:normAutofit/>
           </a:bodyPr>
           <a:p>
-            <a:endParaRPr b="0" lang="en-US" sz="1800" spc="-1" strike="noStrike">
-              <a:solidFill>
-                <a:srgbClr val="404040"/>
-              </a:solidFill>
-              <a:latin typeface="Trebuchet MS"/>
-            </a:endParaRPr>
-          </a:p>
-        </p:txBody>
-      </p:sp>
-      <p:sp>
-        <p:nvSpPr>
-          <p:cNvPr id="59" name="PlaceHolder 4"/>
+            <a:endParaRPr b="0" lang="en-US" sz="3200" spc="-1" strike="noStrike">
+              <a:latin typeface="Arial"/>
+            </a:endParaRPr>
+          </a:p>
+        </p:txBody>
+      </p:sp>
+      <p:sp>
+        <p:nvSpPr>
+          <p:cNvPr id="56" name="PlaceHolder 4"/>
           <p:cNvSpPr>
             <a:spLocks noGrp="1"/>
           </p:cNvSpPr>
@@ -488,18 +458,15 @@
             <a:normAutofit/>
           </a:bodyPr>
           <a:p>
-            <a:endParaRPr b="0" lang="en-US" sz="1800" spc="-1" strike="noStrike">
-              <a:solidFill>
-                <a:srgbClr val="404040"/>
-              </a:solidFill>
-              <a:latin typeface="Trebuchet MS"/>
-            </a:endParaRPr>
-          </a:p>
-        </p:txBody>
-      </p:sp>
-      <p:sp>
-        <p:nvSpPr>
-          <p:cNvPr id="60" name="PlaceHolder 5"/>
+            <a:endParaRPr b="0" lang="en-US" sz="3200" spc="-1" strike="noStrike">
+              <a:latin typeface="Arial"/>
+            </a:endParaRPr>
+          </a:p>
+        </p:txBody>
+      </p:sp>
+      <p:sp>
+        <p:nvSpPr>
+          <p:cNvPr id="57" name="PlaceHolder 5"/>
           <p:cNvSpPr>
             <a:spLocks noGrp="1"/>
           </p:cNvSpPr>
@@ -521,18 +488,15 @@
             <a:normAutofit/>
           </a:bodyPr>
           <a:p>
-            <a:endParaRPr b="0" lang="en-US" sz="1800" spc="-1" strike="noStrike">
-              <a:solidFill>
-                <a:srgbClr val="404040"/>
-              </a:solidFill>
-              <a:latin typeface="Trebuchet MS"/>
-            </a:endParaRPr>
-          </a:p>
-        </p:txBody>
-      </p:sp>
-      <p:sp>
-        <p:nvSpPr>
-          <p:cNvPr id="61" name="PlaceHolder 6"/>
+            <a:endParaRPr b="0" lang="en-US" sz="3200" spc="-1" strike="noStrike">
+              <a:latin typeface="Arial"/>
+            </a:endParaRPr>
+          </a:p>
+        </p:txBody>
+      </p:sp>
+      <p:sp>
+        <p:nvSpPr>
+          <p:cNvPr id="58" name="PlaceHolder 6"/>
           <p:cNvSpPr>
             <a:spLocks noGrp="1"/>
           </p:cNvSpPr>
@@ -554,18 +518,15 @@
             <a:normAutofit/>
           </a:bodyPr>
           <a:p>
-            <a:endParaRPr b="0" lang="en-US" sz="1800" spc="-1" strike="noStrike">
-              <a:solidFill>
-                <a:srgbClr val="404040"/>
-              </a:solidFill>
-              <a:latin typeface="Trebuchet MS"/>
-            </a:endParaRPr>
-          </a:p>
-        </p:txBody>
-      </p:sp>
-      <p:sp>
-        <p:nvSpPr>
-          <p:cNvPr id="62" name="PlaceHolder 7"/>
+            <a:endParaRPr b="0" lang="en-US" sz="3200" spc="-1" strike="noStrike">
+              <a:latin typeface="Arial"/>
+            </a:endParaRPr>
+          </a:p>
+        </p:txBody>
+      </p:sp>
+      <p:sp>
+        <p:nvSpPr>
+          <p:cNvPr id="59" name="PlaceHolder 7"/>
           <p:cNvSpPr>
             <a:spLocks noGrp="1"/>
           </p:cNvSpPr>
@@ -587,11 +548,8 @@
             <a:normAutofit/>
           </a:bodyPr>
           <a:p>
-            <a:endParaRPr b="0" lang="en-US" sz="1800" spc="-1" strike="noStrike">
-              <a:solidFill>
-                <a:srgbClr val="404040"/>
-              </a:solidFill>
-              <a:latin typeface="Trebuchet MS"/>
+            <a:endParaRPr b="0" lang="en-US" sz="3200" spc="-1" strike="noStrike">
+              <a:latin typeface="Arial"/>
             </a:endParaRPr>
           </a:p>
         </p:txBody>
@@ -642,7 +600,7 @@
       </p:grpSpPr>
       <p:sp>
         <p:nvSpPr>
-          <p:cNvPr id="79" name="PlaceHolder 1"/>
+          <p:cNvPr id="73" name="PlaceHolder 1"/>
           <p:cNvSpPr>
             <a:spLocks noGrp="1"/>
           </p:cNvSpPr>
@@ -653,7 +611,7 @@
         <p:spPr>
           <a:xfrm>
             <a:off x="677160" y="609480"/>
-            <a:ext cx="8596440" cy="1320480"/>
+            <a:ext cx="8595360" cy="1319400"/>
           </a:xfrm>
           <a:prstGeom prst="rect">
             <a:avLst/>
@@ -662,18 +620,16 @@
         <p:txBody>
           <a:bodyPr lIns="0" rIns="0" tIns="0" bIns="0" anchor="ctr"/>
           <a:p>
-            <a:endParaRPr b="0" lang="en-US" sz="1800" spc="-1" strike="noStrike">
-              <a:solidFill>
-                <a:srgbClr val="000000"/>
-              </a:solidFill>
-              <a:latin typeface="Trebuchet MS"/>
-            </a:endParaRPr>
-          </a:p>
-        </p:txBody>
-      </p:sp>
-      <p:sp>
-        <p:nvSpPr>
-          <p:cNvPr id="80" name="PlaceHolder 2"/>
+            <a:pPr algn="ctr"/>
+            <a:endParaRPr b="0" lang="en-US" sz="4400" spc="-1" strike="noStrike">
+              <a:latin typeface="Arial"/>
+            </a:endParaRPr>
+          </a:p>
+        </p:txBody>
+      </p:sp>
+      <p:sp>
+        <p:nvSpPr>
+          <p:cNvPr id="74" name="PlaceHolder 2"/>
           <p:cNvSpPr>
             <a:spLocks noGrp="1"/>
           </p:cNvSpPr>
@@ -724,7 +680,7 @@
       </p:grpSpPr>
       <p:sp>
         <p:nvSpPr>
-          <p:cNvPr id="81" name="PlaceHolder 1"/>
+          <p:cNvPr id="75" name="PlaceHolder 1"/>
           <p:cNvSpPr>
             <a:spLocks noGrp="1"/>
           </p:cNvSpPr>
@@ -735,7 +691,7 @@
         <p:spPr>
           <a:xfrm>
             <a:off x="677160" y="609480"/>
-            <a:ext cx="8596440" cy="1320480"/>
+            <a:ext cx="8595360" cy="1319400"/>
           </a:xfrm>
           <a:prstGeom prst="rect">
             <a:avLst/>
@@ -744,18 +700,16 @@
         <p:txBody>
           <a:bodyPr lIns="0" rIns="0" tIns="0" bIns="0" anchor="ctr"/>
           <a:p>
-            <a:endParaRPr b="0" lang="en-US" sz="1800" spc="-1" strike="noStrike">
-              <a:solidFill>
-                <a:srgbClr val="000000"/>
-              </a:solidFill>
-              <a:latin typeface="Trebuchet MS"/>
-            </a:endParaRPr>
-          </a:p>
-        </p:txBody>
-      </p:sp>
-      <p:sp>
-        <p:nvSpPr>
-          <p:cNvPr id="82" name="PlaceHolder 2"/>
+            <a:pPr algn="ctr"/>
+            <a:endParaRPr b="0" lang="en-US" sz="4400" spc="-1" strike="noStrike">
+              <a:latin typeface="Arial"/>
+            </a:endParaRPr>
+          </a:p>
+        </p:txBody>
+      </p:sp>
+      <p:sp>
+        <p:nvSpPr>
+          <p:cNvPr id="76" name="PlaceHolder 2"/>
           <p:cNvSpPr>
             <a:spLocks noGrp="1"/>
           </p:cNvSpPr>
@@ -777,11 +731,8 @@
             <a:normAutofit/>
           </a:bodyPr>
           <a:p>
-            <a:endParaRPr b="0" lang="en-US" sz="1800" spc="-1" strike="noStrike">
-              <a:solidFill>
-                <a:srgbClr val="404040"/>
-              </a:solidFill>
-              <a:latin typeface="Trebuchet MS"/>
+            <a:endParaRPr b="0" lang="en-US" sz="3200" spc="-1" strike="noStrike">
+              <a:latin typeface="Arial"/>
             </a:endParaRPr>
           </a:p>
         </p:txBody>
@@ -810,7 +761,7 @@
       </p:grpSpPr>
       <p:sp>
         <p:nvSpPr>
-          <p:cNvPr id="83" name="PlaceHolder 1"/>
+          <p:cNvPr id="77" name="PlaceHolder 1"/>
           <p:cNvSpPr>
             <a:spLocks noGrp="1"/>
           </p:cNvSpPr>
@@ -821,7 +772,7 @@
         <p:spPr>
           <a:xfrm>
             <a:off x="677160" y="609480"/>
-            <a:ext cx="8596440" cy="1320480"/>
+            <a:ext cx="8595360" cy="1319400"/>
           </a:xfrm>
           <a:prstGeom prst="rect">
             <a:avLst/>
@@ -830,18 +781,16 @@
         <p:txBody>
           <a:bodyPr lIns="0" rIns="0" tIns="0" bIns="0" anchor="ctr"/>
           <a:p>
-            <a:endParaRPr b="0" lang="en-US" sz="1800" spc="-1" strike="noStrike">
-              <a:solidFill>
-                <a:srgbClr val="000000"/>
-              </a:solidFill>
-              <a:latin typeface="Trebuchet MS"/>
-            </a:endParaRPr>
-          </a:p>
-        </p:txBody>
-      </p:sp>
-      <p:sp>
-        <p:nvSpPr>
-          <p:cNvPr id="84" name="PlaceHolder 2"/>
+            <a:pPr algn="ctr"/>
+            <a:endParaRPr b="0" lang="en-US" sz="4400" spc="-1" strike="noStrike">
+              <a:latin typeface="Arial"/>
+            </a:endParaRPr>
+          </a:p>
+        </p:txBody>
+      </p:sp>
+      <p:sp>
+        <p:nvSpPr>
+          <p:cNvPr id="78" name="PlaceHolder 2"/>
           <p:cNvSpPr>
             <a:spLocks noGrp="1"/>
           </p:cNvSpPr>
@@ -863,18 +812,15 @@
             <a:normAutofit/>
           </a:bodyPr>
           <a:p>
-            <a:endParaRPr b="0" lang="en-US" sz="1800" spc="-1" strike="noStrike">
-              <a:solidFill>
-                <a:srgbClr val="404040"/>
-              </a:solidFill>
-              <a:latin typeface="Trebuchet MS"/>
-            </a:endParaRPr>
-          </a:p>
-        </p:txBody>
-      </p:sp>
-      <p:sp>
-        <p:nvSpPr>
-          <p:cNvPr id="85" name="PlaceHolder 3"/>
+            <a:endParaRPr b="0" lang="en-US" sz="3200" spc="-1" strike="noStrike">
+              <a:latin typeface="Arial"/>
+            </a:endParaRPr>
+          </a:p>
+        </p:txBody>
+      </p:sp>
+      <p:sp>
+        <p:nvSpPr>
+          <p:cNvPr id="79" name="PlaceHolder 3"/>
           <p:cNvSpPr>
             <a:spLocks noGrp="1"/>
           </p:cNvSpPr>
@@ -896,11 +842,8 @@
             <a:normAutofit/>
           </a:bodyPr>
           <a:p>
-            <a:endParaRPr b="0" lang="en-US" sz="1800" spc="-1" strike="noStrike">
-              <a:solidFill>
-                <a:srgbClr val="404040"/>
-              </a:solidFill>
-              <a:latin typeface="Trebuchet MS"/>
+            <a:endParaRPr b="0" lang="en-US" sz="3200" spc="-1" strike="noStrike">
+              <a:latin typeface="Arial"/>
             </a:endParaRPr>
           </a:p>
         </p:txBody>
@@ -929,7 +872,7 @@
       </p:grpSpPr>
       <p:sp>
         <p:nvSpPr>
-          <p:cNvPr id="86" name="PlaceHolder 1"/>
+          <p:cNvPr id="80" name="PlaceHolder 1"/>
           <p:cNvSpPr>
             <a:spLocks noGrp="1"/>
           </p:cNvSpPr>
@@ -940,7 +883,7 @@
         <p:spPr>
           <a:xfrm>
             <a:off x="677160" y="609480"/>
-            <a:ext cx="8596440" cy="1320480"/>
+            <a:ext cx="8595360" cy="1319400"/>
           </a:xfrm>
           <a:prstGeom prst="rect">
             <a:avLst/>
@@ -949,11 +892,9 @@
         <p:txBody>
           <a:bodyPr lIns="0" rIns="0" tIns="0" bIns="0" anchor="ctr"/>
           <a:p>
-            <a:endParaRPr b="0" lang="en-US" sz="1800" spc="-1" strike="noStrike">
-              <a:solidFill>
-                <a:srgbClr val="000000"/>
-              </a:solidFill>
-              <a:latin typeface="Trebuchet MS"/>
+            <a:pPr algn="ctr"/>
+            <a:endParaRPr b="0" lang="en-US" sz="4400" spc="-1" strike="noStrike">
+              <a:latin typeface="Arial"/>
             </a:endParaRPr>
           </a:p>
         </p:txBody>
@@ -982,7 +923,7 @@
       </p:grpSpPr>
       <p:sp>
         <p:nvSpPr>
-          <p:cNvPr id="87" name="PlaceHolder 1"/>
+          <p:cNvPr id="81" name="PlaceHolder 1"/>
           <p:cNvSpPr>
             <a:spLocks noGrp="1"/>
           </p:cNvSpPr>
@@ -993,7 +934,7 @@
         <p:spPr>
           <a:xfrm>
             <a:off x="677160" y="609480"/>
-            <a:ext cx="8596440" cy="6122160"/>
+            <a:ext cx="8595360" cy="6117120"/>
           </a:xfrm>
           <a:prstGeom prst="rect">
             <a:avLst/>
@@ -1033,7 +974,7 @@
       </p:grpSpPr>
       <p:sp>
         <p:nvSpPr>
-          <p:cNvPr id="88" name="PlaceHolder 1"/>
+          <p:cNvPr id="82" name="PlaceHolder 1"/>
           <p:cNvSpPr>
             <a:spLocks noGrp="1"/>
           </p:cNvSpPr>
@@ -1044,7 +985,7 @@
         <p:spPr>
           <a:xfrm>
             <a:off x="677160" y="609480"/>
-            <a:ext cx="8596440" cy="1320480"/>
+            <a:ext cx="8595360" cy="1319400"/>
           </a:xfrm>
           <a:prstGeom prst="rect">
             <a:avLst/>
@@ -1053,18 +994,16 @@
         <p:txBody>
           <a:bodyPr lIns="0" rIns="0" tIns="0" bIns="0" anchor="ctr"/>
           <a:p>
-            <a:endParaRPr b="0" lang="en-US" sz="1800" spc="-1" strike="noStrike">
-              <a:solidFill>
-                <a:srgbClr val="000000"/>
-              </a:solidFill>
-              <a:latin typeface="Trebuchet MS"/>
-            </a:endParaRPr>
-          </a:p>
-        </p:txBody>
-      </p:sp>
-      <p:sp>
-        <p:nvSpPr>
-          <p:cNvPr id="89" name="PlaceHolder 2"/>
+            <a:pPr algn="ctr"/>
+            <a:endParaRPr b="0" lang="en-US" sz="4400" spc="-1" strike="noStrike">
+              <a:latin typeface="Arial"/>
+            </a:endParaRPr>
+          </a:p>
+        </p:txBody>
+      </p:sp>
+      <p:sp>
+        <p:nvSpPr>
+          <p:cNvPr id="83" name="PlaceHolder 2"/>
           <p:cNvSpPr>
             <a:spLocks noGrp="1"/>
           </p:cNvSpPr>
@@ -1086,18 +1025,15 @@
             <a:normAutofit/>
           </a:bodyPr>
           <a:p>
-            <a:endParaRPr b="0" lang="en-US" sz="1800" spc="-1" strike="noStrike">
-              <a:solidFill>
-                <a:srgbClr val="404040"/>
-              </a:solidFill>
-              <a:latin typeface="Trebuchet MS"/>
-            </a:endParaRPr>
-          </a:p>
-        </p:txBody>
-      </p:sp>
-      <p:sp>
-        <p:nvSpPr>
-          <p:cNvPr id="90" name="PlaceHolder 3"/>
+            <a:endParaRPr b="0" lang="en-US" sz="3200" spc="-1" strike="noStrike">
+              <a:latin typeface="Arial"/>
+            </a:endParaRPr>
+          </a:p>
+        </p:txBody>
+      </p:sp>
+      <p:sp>
+        <p:nvSpPr>
+          <p:cNvPr id="84" name="PlaceHolder 3"/>
           <p:cNvSpPr>
             <a:spLocks noGrp="1"/>
           </p:cNvSpPr>
@@ -1119,18 +1055,15 @@
             <a:normAutofit/>
           </a:bodyPr>
           <a:p>
-            <a:endParaRPr b="0" lang="en-US" sz="1800" spc="-1" strike="noStrike">
-              <a:solidFill>
-                <a:srgbClr val="404040"/>
-              </a:solidFill>
-              <a:latin typeface="Trebuchet MS"/>
-            </a:endParaRPr>
-          </a:p>
-        </p:txBody>
-      </p:sp>
-      <p:sp>
-        <p:nvSpPr>
-          <p:cNvPr id="91" name="PlaceHolder 4"/>
+            <a:endParaRPr b="0" lang="en-US" sz="3200" spc="-1" strike="noStrike">
+              <a:latin typeface="Arial"/>
+            </a:endParaRPr>
+          </a:p>
+        </p:txBody>
+      </p:sp>
+      <p:sp>
+        <p:nvSpPr>
+          <p:cNvPr id="85" name="PlaceHolder 4"/>
           <p:cNvSpPr>
             <a:spLocks noGrp="1"/>
           </p:cNvSpPr>
@@ -1152,11 +1085,8 @@
             <a:normAutofit/>
           </a:bodyPr>
           <a:p>
-            <a:endParaRPr b="0" lang="en-US" sz="1800" spc="-1" strike="noStrike">
-              <a:solidFill>
-                <a:srgbClr val="404040"/>
-              </a:solidFill>
-              <a:latin typeface="Trebuchet MS"/>
+            <a:endParaRPr b="0" lang="en-US" sz="3200" spc="-1" strike="noStrike">
+              <a:latin typeface="Arial"/>
             </a:endParaRPr>
           </a:p>
         </p:txBody>
@@ -1185,7 +1115,7 @@
       </p:grpSpPr>
       <p:sp>
         <p:nvSpPr>
-          <p:cNvPr id="27" name="PlaceHolder 1"/>
+          <p:cNvPr id="24" name="PlaceHolder 1"/>
           <p:cNvSpPr>
             <a:spLocks noGrp="1"/>
           </p:cNvSpPr>
@@ -1196,7 +1126,7 @@
         <p:spPr>
           <a:xfrm>
             <a:off x="677160" y="609480"/>
-            <a:ext cx="8596440" cy="1320480"/>
+            <a:ext cx="8595360" cy="1319400"/>
           </a:xfrm>
           <a:prstGeom prst="rect">
             <a:avLst/>
@@ -1205,18 +1135,16 @@
         <p:txBody>
           <a:bodyPr lIns="0" rIns="0" tIns="0" bIns="0" anchor="ctr"/>
           <a:p>
-            <a:endParaRPr b="0" lang="en-US" sz="1800" spc="-1" strike="noStrike">
-              <a:solidFill>
-                <a:srgbClr val="000000"/>
-              </a:solidFill>
-              <a:latin typeface="Trebuchet MS"/>
-            </a:endParaRPr>
-          </a:p>
-        </p:txBody>
-      </p:sp>
-      <p:sp>
-        <p:nvSpPr>
-          <p:cNvPr id="28" name="PlaceHolder 2"/>
+            <a:pPr algn="ctr"/>
+            <a:endParaRPr b="0" lang="en-US" sz="4400" spc="-1" strike="noStrike">
+              <a:latin typeface="Arial"/>
+            </a:endParaRPr>
+          </a:p>
+        </p:txBody>
+      </p:sp>
+      <p:sp>
+        <p:nvSpPr>
+          <p:cNvPr id="25" name="PlaceHolder 2"/>
           <p:cNvSpPr>
             <a:spLocks noGrp="1"/>
           </p:cNvSpPr>
@@ -1267,7 +1195,7 @@
       </p:grpSpPr>
       <p:sp>
         <p:nvSpPr>
-          <p:cNvPr id="92" name="PlaceHolder 1"/>
+          <p:cNvPr id="86" name="PlaceHolder 1"/>
           <p:cNvSpPr>
             <a:spLocks noGrp="1"/>
           </p:cNvSpPr>
@@ -1278,7 +1206,7 @@
         <p:spPr>
           <a:xfrm>
             <a:off x="677160" y="609480"/>
-            <a:ext cx="8596440" cy="1320480"/>
+            <a:ext cx="8595360" cy="1319400"/>
           </a:xfrm>
           <a:prstGeom prst="rect">
             <a:avLst/>
@@ -1287,18 +1215,16 @@
         <p:txBody>
           <a:bodyPr lIns="0" rIns="0" tIns="0" bIns="0" anchor="ctr"/>
           <a:p>
-            <a:endParaRPr b="0" lang="en-US" sz="1800" spc="-1" strike="noStrike">
-              <a:solidFill>
-                <a:srgbClr val="000000"/>
-              </a:solidFill>
-              <a:latin typeface="Trebuchet MS"/>
-            </a:endParaRPr>
-          </a:p>
-        </p:txBody>
-      </p:sp>
-      <p:sp>
-        <p:nvSpPr>
-          <p:cNvPr id="93" name="PlaceHolder 2"/>
+            <a:pPr algn="ctr"/>
+            <a:endParaRPr b="0" lang="en-US" sz="4400" spc="-1" strike="noStrike">
+              <a:latin typeface="Arial"/>
+            </a:endParaRPr>
+          </a:p>
+        </p:txBody>
+      </p:sp>
+      <p:sp>
+        <p:nvSpPr>
+          <p:cNvPr id="87" name="PlaceHolder 2"/>
           <p:cNvSpPr>
             <a:spLocks noGrp="1"/>
           </p:cNvSpPr>
@@ -1320,18 +1246,15 @@
             <a:normAutofit/>
           </a:bodyPr>
           <a:p>
-            <a:endParaRPr b="0" lang="en-US" sz="1800" spc="-1" strike="noStrike">
-              <a:solidFill>
-                <a:srgbClr val="404040"/>
-              </a:solidFill>
-              <a:latin typeface="Trebuchet MS"/>
-            </a:endParaRPr>
-          </a:p>
-        </p:txBody>
-      </p:sp>
-      <p:sp>
-        <p:nvSpPr>
-          <p:cNvPr id="94" name="PlaceHolder 3"/>
+            <a:endParaRPr b="0" lang="en-US" sz="3200" spc="-1" strike="noStrike">
+              <a:latin typeface="Arial"/>
+            </a:endParaRPr>
+          </a:p>
+        </p:txBody>
+      </p:sp>
+      <p:sp>
+        <p:nvSpPr>
+          <p:cNvPr id="88" name="PlaceHolder 3"/>
           <p:cNvSpPr>
             <a:spLocks noGrp="1"/>
           </p:cNvSpPr>
@@ -1353,18 +1276,15 @@
             <a:normAutofit/>
           </a:bodyPr>
           <a:p>
-            <a:endParaRPr b="0" lang="en-US" sz="1800" spc="-1" strike="noStrike">
-              <a:solidFill>
-                <a:srgbClr val="404040"/>
-              </a:solidFill>
-              <a:latin typeface="Trebuchet MS"/>
-            </a:endParaRPr>
-          </a:p>
-        </p:txBody>
-      </p:sp>
-      <p:sp>
-        <p:nvSpPr>
-          <p:cNvPr id="95" name="PlaceHolder 4"/>
+            <a:endParaRPr b="0" lang="en-US" sz="3200" spc="-1" strike="noStrike">
+              <a:latin typeface="Arial"/>
+            </a:endParaRPr>
+          </a:p>
+        </p:txBody>
+      </p:sp>
+      <p:sp>
+        <p:nvSpPr>
+          <p:cNvPr id="89" name="PlaceHolder 4"/>
           <p:cNvSpPr>
             <a:spLocks noGrp="1"/>
           </p:cNvSpPr>
@@ -1386,11 +1306,8 @@
             <a:normAutofit/>
           </a:bodyPr>
           <a:p>
-            <a:endParaRPr b="0" lang="en-US" sz="1800" spc="-1" strike="noStrike">
-              <a:solidFill>
-                <a:srgbClr val="404040"/>
-              </a:solidFill>
-              <a:latin typeface="Trebuchet MS"/>
+            <a:endParaRPr b="0" lang="en-US" sz="3200" spc="-1" strike="noStrike">
+              <a:latin typeface="Arial"/>
             </a:endParaRPr>
           </a:p>
         </p:txBody>
@@ -1419,7 +1336,7 @@
       </p:grpSpPr>
       <p:sp>
         <p:nvSpPr>
-          <p:cNvPr id="96" name="PlaceHolder 1"/>
+          <p:cNvPr id="90" name="PlaceHolder 1"/>
           <p:cNvSpPr>
             <a:spLocks noGrp="1"/>
           </p:cNvSpPr>
@@ -1430,7 +1347,7 @@
         <p:spPr>
           <a:xfrm>
             <a:off x="677160" y="609480"/>
-            <a:ext cx="8596440" cy="1320480"/>
+            <a:ext cx="8595360" cy="1319400"/>
           </a:xfrm>
           <a:prstGeom prst="rect">
             <a:avLst/>
@@ -1439,18 +1356,16 @@
         <p:txBody>
           <a:bodyPr lIns="0" rIns="0" tIns="0" bIns="0" anchor="ctr"/>
           <a:p>
-            <a:endParaRPr b="0" lang="en-US" sz="1800" spc="-1" strike="noStrike">
-              <a:solidFill>
-                <a:srgbClr val="000000"/>
-              </a:solidFill>
-              <a:latin typeface="Trebuchet MS"/>
-            </a:endParaRPr>
-          </a:p>
-        </p:txBody>
-      </p:sp>
-      <p:sp>
-        <p:nvSpPr>
-          <p:cNvPr id="97" name="PlaceHolder 2"/>
+            <a:pPr algn="ctr"/>
+            <a:endParaRPr b="0" lang="en-US" sz="4400" spc="-1" strike="noStrike">
+              <a:latin typeface="Arial"/>
+            </a:endParaRPr>
+          </a:p>
+        </p:txBody>
+      </p:sp>
+      <p:sp>
+        <p:nvSpPr>
+          <p:cNvPr id="91" name="PlaceHolder 2"/>
           <p:cNvSpPr>
             <a:spLocks noGrp="1"/>
           </p:cNvSpPr>
@@ -1472,18 +1387,15 @@
             <a:normAutofit/>
           </a:bodyPr>
           <a:p>
-            <a:endParaRPr b="0" lang="en-US" sz="1800" spc="-1" strike="noStrike">
-              <a:solidFill>
-                <a:srgbClr val="404040"/>
-              </a:solidFill>
-              <a:latin typeface="Trebuchet MS"/>
-            </a:endParaRPr>
-          </a:p>
-        </p:txBody>
-      </p:sp>
-      <p:sp>
-        <p:nvSpPr>
-          <p:cNvPr id="98" name="PlaceHolder 3"/>
+            <a:endParaRPr b="0" lang="en-US" sz="3200" spc="-1" strike="noStrike">
+              <a:latin typeface="Arial"/>
+            </a:endParaRPr>
+          </a:p>
+        </p:txBody>
+      </p:sp>
+      <p:sp>
+        <p:nvSpPr>
+          <p:cNvPr id="92" name="PlaceHolder 3"/>
           <p:cNvSpPr>
             <a:spLocks noGrp="1"/>
           </p:cNvSpPr>
@@ -1505,18 +1417,15 @@
             <a:normAutofit/>
           </a:bodyPr>
           <a:p>
-            <a:endParaRPr b="0" lang="en-US" sz="1800" spc="-1" strike="noStrike">
-              <a:solidFill>
-                <a:srgbClr val="404040"/>
-              </a:solidFill>
-              <a:latin typeface="Trebuchet MS"/>
-            </a:endParaRPr>
-          </a:p>
-        </p:txBody>
-      </p:sp>
-      <p:sp>
-        <p:nvSpPr>
-          <p:cNvPr id="99" name="PlaceHolder 4"/>
+            <a:endParaRPr b="0" lang="en-US" sz="3200" spc="-1" strike="noStrike">
+              <a:latin typeface="Arial"/>
+            </a:endParaRPr>
+          </a:p>
+        </p:txBody>
+      </p:sp>
+      <p:sp>
+        <p:nvSpPr>
+          <p:cNvPr id="93" name="PlaceHolder 4"/>
           <p:cNvSpPr>
             <a:spLocks noGrp="1"/>
           </p:cNvSpPr>
@@ -1538,11 +1447,8 @@
             <a:normAutofit/>
           </a:bodyPr>
           <a:p>
-            <a:endParaRPr b="0" lang="en-US" sz="1800" spc="-1" strike="noStrike">
-              <a:solidFill>
-                <a:srgbClr val="404040"/>
-              </a:solidFill>
-              <a:latin typeface="Trebuchet MS"/>
+            <a:endParaRPr b="0" lang="en-US" sz="3200" spc="-1" strike="noStrike">
+              <a:latin typeface="Arial"/>
             </a:endParaRPr>
           </a:p>
         </p:txBody>
@@ -1571,7 +1477,7 @@
       </p:grpSpPr>
       <p:sp>
         <p:nvSpPr>
-          <p:cNvPr id="100" name="PlaceHolder 1"/>
+          <p:cNvPr id="94" name="PlaceHolder 1"/>
           <p:cNvSpPr>
             <a:spLocks noGrp="1"/>
           </p:cNvSpPr>
@@ -1582,7 +1488,7 @@
         <p:spPr>
           <a:xfrm>
             <a:off x="677160" y="609480"/>
-            <a:ext cx="8596440" cy="1320480"/>
+            <a:ext cx="8595360" cy="1319400"/>
           </a:xfrm>
           <a:prstGeom prst="rect">
             <a:avLst/>
@@ -1591,18 +1497,16 @@
         <p:txBody>
           <a:bodyPr lIns="0" rIns="0" tIns="0" bIns="0" anchor="ctr"/>
           <a:p>
-            <a:endParaRPr b="0" lang="en-US" sz="1800" spc="-1" strike="noStrike">
-              <a:solidFill>
-                <a:srgbClr val="000000"/>
-              </a:solidFill>
-              <a:latin typeface="Trebuchet MS"/>
-            </a:endParaRPr>
-          </a:p>
-        </p:txBody>
-      </p:sp>
-      <p:sp>
-        <p:nvSpPr>
-          <p:cNvPr id="101" name="PlaceHolder 2"/>
+            <a:pPr algn="ctr"/>
+            <a:endParaRPr b="0" lang="en-US" sz="4400" spc="-1" strike="noStrike">
+              <a:latin typeface="Arial"/>
+            </a:endParaRPr>
+          </a:p>
+        </p:txBody>
+      </p:sp>
+      <p:sp>
+        <p:nvSpPr>
+          <p:cNvPr id="95" name="PlaceHolder 2"/>
           <p:cNvSpPr>
             <a:spLocks noGrp="1"/>
           </p:cNvSpPr>
@@ -1624,18 +1528,15 @@
             <a:normAutofit/>
           </a:bodyPr>
           <a:p>
-            <a:endParaRPr b="0" lang="en-US" sz="1800" spc="-1" strike="noStrike">
-              <a:solidFill>
-                <a:srgbClr val="404040"/>
-              </a:solidFill>
-              <a:latin typeface="Trebuchet MS"/>
-            </a:endParaRPr>
-          </a:p>
-        </p:txBody>
-      </p:sp>
-      <p:sp>
-        <p:nvSpPr>
-          <p:cNvPr id="102" name="PlaceHolder 3"/>
+            <a:endParaRPr b="0" lang="en-US" sz="3200" spc="-1" strike="noStrike">
+              <a:latin typeface="Arial"/>
+            </a:endParaRPr>
+          </a:p>
+        </p:txBody>
+      </p:sp>
+      <p:sp>
+        <p:nvSpPr>
+          <p:cNvPr id="96" name="PlaceHolder 3"/>
           <p:cNvSpPr>
             <a:spLocks noGrp="1"/>
           </p:cNvSpPr>
@@ -1657,11 +1558,8 @@
             <a:normAutofit/>
           </a:bodyPr>
           <a:p>
-            <a:endParaRPr b="0" lang="en-US" sz="1800" spc="-1" strike="noStrike">
-              <a:solidFill>
-                <a:srgbClr val="404040"/>
-              </a:solidFill>
-              <a:latin typeface="Trebuchet MS"/>
+            <a:endParaRPr b="0" lang="en-US" sz="3200" spc="-1" strike="noStrike">
+              <a:latin typeface="Arial"/>
             </a:endParaRPr>
           </a:p>
         </p:txBody>
@@ -1690,7 +1588,7 @@
       </p:grpSpPr>
       <p:sp>
         <p:nvSpPr>
-          <p:cNvPr id="103" name="PlaceHolder 1"/>
+          <p:cNvPr id="97" name="PlaceHolder 1"/>
           <p:cNvSpPr>
             <a:spLocks noGrp="1"/>
           </p:cNvSpPr>
@@ -1701,7 +1599,7 @@
         <p:spPr>
           <a:xfrm>
             <a:off x="677160" y="609480"/>
-            <a:ext cx="8596440" cy="1320480"/>
+            <a:ext cx="8595360" cy="1319400"/>
           </a:xfrm>
           <a:prstGeom prst="rect">
             <a:avLst/>
@@ -1710,18 +1608,16 @@
         <p:txBody>
           <a:bodyPr lIns="0" rIns="0" tIns="0" bIns="0" anchor="ctr"/>
           <a:p>
-            <a:endParaRPr b="0" lang="en-US" sz="1800" spc="-1" strike="noStrike">
-              <a:solidFill>
-                <a:srgbClr val="000000"/>
-              </a:solidFill>
-              <a:latin typeface="Trebuchet MS"/>
-            </a:endParaRPr>
-          </a:p>
-        </p:txBody>
-      </p:sp>
-      <p:sp>
-        <p:nvSpPr>
-          <p:cNvPr id="104" name="PlaceHolder 2"/>
+            <a:pPr algn="ctr"/>
+            <a:endParaRPr b="0" lang="en-US" sz="4400" spc="-1" strike="noStrike">
+              <a:latin typeface="Arial"/>
+            </a:endParaRPr>
+          </a:p>
+        </p:txBody>
+      </p:sp>
+      <p:sp>
+        <p:nvSpPr>
+          <p:cNvPr id="98" name="PlaceHolder 2"/>
           <p:cNvSpPr>
             <a:spLocks noGrp="1"/>
           </p:cNvSpPr>
@@ -1743,18 +1639,15 @@
             <a:normAutofit/>
           </a:bodyPr>
           <a:p>
-            <a:endParaRPr b="0" lang="en-US" sz="1800" spc="-1" strike="noStrike">
-              <a:solidFill>
-                <a:srgbClr val="404040"/>
-              </a:solidFill>
-              <a:latin typeface="Trebuchet MS"/>
-            </a:endParaRPr>
-          </a:p>
-        </p:txBody>
-      </p:sp>
-      <p:sp>
-        <p:nvSpPr>
-          <p:cNvPr id="105" name="PlaceHolder 3"/>
+            <a:endParaRPr b="0" lang="en-US" sz="3200" spc="-1" strike="noStrike">
+              <a:latin typeface="Arial"/>
+            </a:endParaRPr>
+          </a:p>
+        </p:txBody>
+      </p:sp>
+      <p:sp>
+        <p:nvSpPr>
+          <p:cNvPr id="99" name="PlaceHolder 3"/>
           <p:cNvSpPr>
             <a:spLocks noGrp="1"/>
           </p:cNvSpPr>
@@ -1776,18 +1669,15 @@
             <a:normAutofit/>
           </a:bodyPr>
           <a:p>
-            <a:endParaRPr b="0" lang="en-US" sz="1800" spc="-1" strike="noStrike">
-              <a:solidFill>
-                <a:srgbClr val="404040"/>
-              </a:solidFill>
-              <a:latin typeface="Trebuchet MS"/>
-            </a:endParaRPr>
-          </a:p>
-        </p:txBody>
-      </p:sp>
-      <p:sp>
-        <p:nvSpPr>
-          <p:cNvPr id="106" name="PlaceHolder 4"/>
+            <a:endParaRPr b="0" lang="en-US" sz="3200" spc="-1" strike="noStrike">
+              <a:latin typeface="Arial"/>
+            </a:endParaRPr>
+          </a:p>
+        </p:txBody>
+      </p:sp>
+      <p:sp>
+        <p:nvSpPr>
+          <p:cNvPr id="100" name="PlaceHolder 4"/>
           <p:cNvSpPr>
             <a:spLocks noGrp="1"/>
           </p:cNvSpPr>
@@ -1809,18 +1699,15 @@
             <a:normAutofit/>
           </a:bodyPr>
           <a:p>
-            <a:endParaRPr b="0" lang="en-US" sz="1800" spc="-1" strike="noStrike">
-              <a:solidFill>
-                <a:srgbClr val="404040"/>
-              </a:solidFill>
-              <a:latin typeface="Trebuchet MS"/>
-            </a:endParaRPr>
-          </a:p>
-        </p:txBody>
-      </p:sp>
-      <p:sp>
-        <p:nvSpPr>
-          <p:cNvPr id="107" name="PlaceHolder 5"/>
+            <a:endParaRPr b="0" lang="en-US" sz="3200" spc="-1" strike="noStrike">
+              <a:latin typeface="Arial"/>
+            </a:endParaRPr>
+          </a:p>
+        </p:txBody>
+      </p:sp>
+      <p:sp>
+        <p:nvSpPr>
+          <p:cNvPr id="101" name="PlaceHolder 5"/>
           <p:cNvSpPr>
             <a:spLocks noGrp="1"/>
           </p:cNvSpPr>
@@ -1842,11 +1729,8 @@
             <a:normAutofit/>
           </a:bodyPr>
           <a:p>
-            <a:endParaRPr b="0" lang="en-US" sz="1800" spc="-1" strike="noStrike">
-              <a:solidFill>
-                <a:srgbClr val="404040"/>
-              </a:solidFill>
-              <a:latin typeface="Trebuchet MS"/>
+            <a:endParaRPr b="0" lang="en-US" sz="3200" spc="-1" strike="noStrike">
+              <a:latin typeface="Arial"/>
             </a:endParaRPr>
           </a:p>
         </p:txBody>
@@ -1875,7 +1759,7 @@
       </p:grpSpPr>
       <p:sp>
         <p:nvSpPr>
-          <p:cNvPr id="108" name="PlaceHolder 1"/>
+          <p:cNvPr id="102" name="PlaceHolder 1"/>
           <p:cNvSpPr>
             <a:spLocks noGrp="1"/>
           </p:cNvSpPr>
@@ -1886,7 +1770,7 @@
         <p:spPr>
           <a:xfrm>
             <a:off x="677160" y="609480"/>
-            <a:ext cx="8596440" cy="1320480"/>
+            <a:ext cx="8595360" cy="1319400"/>
           </a:xfrm>
           <a:prstGeom prst="rect">
             <a:avLst/>
@@ -1895,18 +1779,16 @@
         <p:txBody>
           <a:bodyPr lIns="0" rIns="0" tIns="0" bIns="0" anchor="ctr"/>
           <a:p>
-            <a:endParaRPr b="0" lang="en-US" sz="1800" spc="-1" strike="noStrike">
-              <a:solidFill>
-                <a:srgbClr val="000000"/>
-              </a:solidFill>
-              <a:latin typeface="Trebuchet MS"/>
-            </a:endParaRPr>
-          </a:p>
-        </p:txBody>
-      </p:sp>
-      <p:sp>
-        <p:nvSpPr>
-          <p:cNvPr id="109" name="PlaceHolder 2"/>
+            <a:pPr algn="ctr"/>
+            <a:endParaRPr b="0" lang="en-US" sz="4400" spc="-1" strike="noStrike">
+              <a:latin typeface="Arial"/>
+            </a:endParaRPr>
+          </a:p>
+        </p:txBody>
+      </p:sp>
+      <p:sp>
+        <p:nvSpPr>
+          <p:cNvPr id="103" name="PlaceHolder 2"/>
           <p:cNvSpPr>
             <a:spLocks noGrp="1"/>
           </p:cNvSpPr>
@@ -1928,18 +1810,15 @@
             <a:normAutofit/>
           </a:bodyPr>
           <a:p>
-            <a:endParaRPr b="0" lang="en-US" sz="1800" spc="-1" strike="noStrike">
-              <a:solidFill>
-                <a:srgbClr val="404040"/>
-              </a:solidFill>
-              <a:latin typeface="Trebuchet MS"/>
-            </a:endParaRPr>
-          </a:p>
-        </p:txBody>
-      </p:sp>
-      <p:sp>
-        <p:nvSpPr>
-          <p:cNvPr id="110" name="PlaceHolder 3"/>
+            <a:endParaRPr b="0" lang="en-US" sz="3200" spc="-1" strike="noStrike">
+              <a:latin typeface="Arial"/>
+            </a:endParaRPr>
+          </a:p>
+        </p:txBody>
+      </p:sp>
+      <p:sp>
+        <p:nvSpPr>
+          <p:cNvPr id="104" name="PlaceHolder 3"/>
           <p:cNvSpPr>
             <a:spLocks noGrp="1"/>
           </p:cNvSpPr>
@@ -1961,18 +1840,15 @@
             <a:normAutofit/>
           </a:bodyPr>
           <a:p>
-            <a:endParaRPr b="0" lang="en-US" sz="1800" spc="-1" strike="noStrike">
-              <a:solidFill>
-                <a:srgbClr val="404040"/>
-              </a:solidFill>
-              <a:latin typeface="Trebuchet MS"/>
-            </a:endParaRPr>
-          </a:p>
-        </p:txBody>
-      </p:sp>
-      <p:sp>
-        <p:nvSpPr>
-          <p:cNvPr id="111" name="PlaceHolder 4"/>
+            <a:endParaRPr b="0" lang="en-US" sz="3200" spc="-1" strike="noStrike">
+              <a:latin typeface="Arial"/>
+            </a:endParaRPr>
+          </a:p>
+        </p:txBody>
+      </p:sp>
+      <p:sp>
+        <p:nvSpPr>
+          <p:cNvPr id="105" name="PlaceHolder 4"/>
           <p:cNvSpPr>
             <a:spLocks noGrp="1"/>
           </p:cNvSpPr>
@@ -1994,18 +1870,15 @@
             <a:normAutofit/>
           </a:bodyPr>
           <a:p>
-            <a:endParaRPr b="0" lang="en-US" sz="1800" spc="-1" strike="noStrike">
-              <a:solidFill>
-                <a:srgbClr val="404040"/>
-              </a:solidFill>
-              <a:latin typeface="Trebuchet MS"/>
-            </a:endParaRPr>
-          </a:p>
-        </p:txBody>
-      </p:sp>
-      <p:sp>
-        <p:nvSpPr>
-          <p:cNvPr id="112" name="PlaceHolder 5"/>
+            <a:endParaRPr b="0" lang="en-US" sz="3200" spc="-1" strike="noStrike">
+              <a:latin typeface="Arial"/>
+            </a:endParaRPr>
+          </a:p>
+        </p:txBody>
+      </p:sp>
+      <p:sp>
+        <p:nvSpPr>
+          <p:cNvPr id="106" name="PlaceHolder 5"/>
           <p:cNvSpPr>
             <a:spLocks noGrp="1"/>
           </p:cNvSpPr>
@@ -2027,18 +1900,15 @@
             <a:normAutofit/>
           </a:bodyPr>
           <a:p>
-            <a:endParaRPr b="0" lang="en-US" sz="1800" spc="-1" strike="noStrike">
-              <a:solidFill>
-                <a:srgbClr val="404040"/>
-              </a:solidFill>
-              <a:latin typeface="Trebuchet MS"/>
-            </a:endParaRPr>
-          </a:p>
-        </p:txBody>
-      </p:sp>
-      <p:sp>
-        <p:nvSpPr>
-          <p:cNvPr id="113" name="PlaceHolder 6"/>
+            <a:endParaRPr b="0" lang="en-US" sz="3200" spc="-1" strike="noStrike">
+              <a:latin typeface="Arial"/>
+            </a:endParaRPr>
+          </a:p>
+        </p:txBody>
+      </p:sp>
+      <p:sp>
+        <p:nvSpPr>
+          <p:cNvPr id="107" name="PlaceHolder 6"/>
           <p:cNvSpPr>
             <a:spLocks noGrp="1"/>
           </p:cNvSpPr>
@@ -2060,18 +1930,15 @@
             <a:normAutofit/>
           </a:bodyPr>
           <a:p>
-            <a:endParaRPr b="0" lang="en-US" sz="1800" spc="-1" strike="noStrike">
-              <a:solidFill>
-                <a:srgbClr val="404040"/>
-              </a:solidFill>
-              <a:latin typeface="Trebuchet MS"/>
-            </a:endParaRPr>
-          </a:p>
-        </p:txBody>
-      </p:sp>
-      <p:sp>
-        <p:nvSpPr>
-          <p:cNvPr id="114" name="PlaceHolder 7"/>
+            <a:endParaRPr b="0" lang="en-US" sz="3200" spc="-1" strike="noStrike">
+              <a:latin typeface="Arial"/>
+            </a:endParaRPr>
+          </a:p>
+        </p:txBody>
+      </p:sp>
+      <p:sp>
+        <p:nvSpPr>
+          <p:cNvPr id="108" name="PlaceHolder 7"/>
           <p:cNvSpPr>
             <a:spLocks noGrp="1"/>
           </p:cNvSpPr>
@@ -2093,11 +1960,8 @@
             <a:normAutofit/>
           </a:bodyPr>
           <a:p>
-            <a:endParaRPr b="0" lang="en-US" sz="1800" spc="-1" strike="noStrike">
-              <a:solidFill>
-                <a:srgbClr val="404040"/>
-              </a:solidFill>
-              <a:latin typeface="Trebuchet MS"/>
+            <a:endParaRPr b="0" lang="en-US" sz="3200" spc="-1" strike="noStrike">
+              <a:latin typeface="Arial"/>
             </a:endParaRPr>
           </a:p>
         </p:txBody>
@@ -2126,7 +1990,7 @@
       </p:grpSpPr>
       <p:sp>
         <p:nvSpPr>
-          <p:cNvPr id="29" name="PlaceHolder 1"/>
+          <p:cNvPr id="26" name="PlaceHolder 1"/>
           <p:cNvSpPr>
             <a:spLocks noGrp="1"/>
           </p:cNvSpPr>
@@ -2137,7 +2001,7 @@
         <p:spPr>
           <a:xfrm>
             <a:off x="677160" y="609480"/>
-            <a:ext cx="8596440" cy="1320480"/>
+            <a:ext cx="8595360" cy="1319400"/>
           </a:xfrm>
           <a:prstGeom prst="rect">
             <a:avLst/>
@@ -2146,18 +2010,16 @@
         <p:txBody>
           <a:bodyPr lIns="0" rIns="0" tIns="0" bIns="0" anchor="ctr"/>
           <a:p>
-            <a:endParaRPr b="0" lang="en-US" sz="1800" spc="-1" strike="noStrike">
-              <a:solidFill>
-                <a:srgbClr val="000000"/>
-              </a:solidFill>
-              <a:latin typeface="Trebuchet MS"/>
-            </a:endParaRPr>
-          </a:p>
-        </p:txBody>
-      </p:sp>
-      <p:sp>
-        <p:nvSpPr>
-          <p:cNvPr id="30" name="PlaceHolder 2"/>
+            <a:pPr algn="ctr"/>
+            <a:endParaRPr b="0" lang="en-US" sz="4400" spc="-1" strike="noStrike">
+              <a:latin typeface="Arial"/>
+            </a:endParaRPr>
+          </a:p>
+        </p:txBody>
+      </p:sp>
+      <p:sp>
+        <p:nvSpPr>
+          <p:cNvPr id="27" name="PlaceHolder 2"/>
           <p:cNvSpPr>
             <a:spLocks noGrp="1"/>
           </p:cNvSpPr>
@@ -2179,11 +2041,8 @@
             <a:normAutofit/>
           </a:bodyPr>
           <a:p>
-            <a:endParaRPr b="0" lang="en-US" sz="1800" spc="-1" strike="noStrike">
-              <a:solidFill>
-                <a:srgbClr val="404040"/>
-              </a:solidFill>
-              <a:latin typeface="Trebuchet MS"/>
+            <a:endParaRPr b="0" lang="en-US" sz="3200" spc="-1" strike="noStrike">
+              <a:latin typeface="Arial"/>
             </a:endParaRPr>
           </a:p>
         </p:txBody>
@@ -2212,7 +2071,7 @@
       </p:grpSpPr>
       <p:sp>
         <p:nvSpPr>
-          <p:cNvPr id="31" name="PlaceHolder 1"/>
+          <p:cNvPr id="28" name="PlaceHolder 1"/>
           <p:cNvSpPr>
             <a:spLocks noGrp="1"/>
           </p:cNvSpPr>
@@ -2223,7 +2082,7 @@
         <p:spPr>
           <a:xfrm>
             <a:off x="677160" y="609480"/>
-            <a:ext cx="8596440" cy="1320480"/>
+            <a:ext cx="8595360" cy="1319400"/>
           </a:xfrm>
           <a:prstGeom prst="rect">
             <a:avLst/>
@@ -2232,18 +2091,16 @@
         <p:txBody>
           <a:bodyPr lIns="0" rIns="0" tIns="0" bIns="0" anchor="ctr"/>
           <a:p>
-            <a:endParaRPr b="0" lang="en-US" sz="1800" spc="-1" strike="noStrike">
-              <a:solidFill>
-                <a:srgbClr val="000000"/>
-              </a:solidFill>
-              <a:latin typeface="Trebuchet MS"/>
-            </a:endParaRPr>
-          </a:p>
-        </p:txBody>
-      </p:sp>
-      <p:sp>
-        <p:nvSpPr>
-          <p:cNvPr id="32" name="PlaceHolder 2"/>
+            <a:pPr algn="ctr"/>
+            <a:endParaRPr b="0" lang="en-US" sz="4400" spc="-1" strike="noStrike">
+              <a:latin typeface="Arial"/>
+            </a:endParaRPr>
+          </a:p>
+        </p:txBody>
+      </p:sp>
+      <p:sp>
+        <p:nvSpPr>
+          <p:cNvPr id="29" name="PlaceHolder 2"/>
           <p:cNvSpPr>
             <a:spLocks noGrp="1"/>
           </p:cNvSpPr>
@@ -2265,18 +2122,15 @@
             <a:normAutofit/>
           </a:bodyPr>
           <a:p>
-            <a:endParaRPr b="0" lang="en-US" sz="1800" spc="-1" strike="noStrike">
-              <a:solidFill>
-                <a:srgbClr val="404040"/>
-              </a:solidFill>
-              <a:latin typeface="Trebuchet MS"/>
-            </a:endParaRPr>
-          </a:p>
-        </p:txBody>
-      </p:sp>
-      <p:sp>
-        <p:nvSpPr>
-          <p:cNvPr id="33" name="PlaceHolder 3"/>
+            <a:endParaRPr b="0" lang="en-US" sz="3200" spc="-1" strike="noStrike">
+              <a:latin typeface="Arial"/>
+            </a:endParaRPr>
+          </a:p>
+        </p:txBody>
+      </p:sp>
+      <p:sp>
+        <p:nvSpPr>
+          <p:cNvPr id="30" name="PlaceHolder 3"/>
           <p:cNvSpPr>
             <a:spLocks noGrp="1"/>
           </p:cNvSpPr>
@@ -2298,11 +2152,8 @@
             <a:normAutofit/>
           </a:bodyPr>
           <a:p>
-            <a:endParaRPr b="0" lang="en-US" sz="1800" spc="-1" strike="noStrike">
-              <a:solidFill>
-                <a:srgbClr val="404040"/>
-              </a:solidFill>
-              <a:latin typeface="Trebuchet MS"/>
+            <a:endParaRPr b="0" lang="en-US" sz="3200" spc="-1" strike="noStrike">
+              <a:latin typeface="Arial"/>
             </a:endParaRPr>
           </a:p>
         </p:txBody>
@@ -2331,7 +2182,7 @@
       </p:grpSpPr>
       <p:sp>
         <p:nvSpPr>
-          <p:cNvPr id="34" name="PlaceHolder 1"/>
+          <p:cNvPr id="31" name="PlaceHolder 1"/>
           <p:cNvSpPr>
             <a:spLocks noGrp="1"/>
           </p:cNvSpPr>
@@ -2342,7 +2193,7 @@
         <p:spPr>
           <a:xfrm>
             <a:off x="677160" y="609480"/>
-            <a:ext cx="8596440" cy="1320480"/>
+            <a:ext cx="8595360" cy="1319400"/>
           </a:xfrm>
           <a:prstGeom prst="rect">
             <a:avLst/>
@@ -2351,11 +2202,9 @@
         <p:txBody>
           <a:bodyPr lIns="0" rIns="0" tIns="0" bIns="0" anchor="ctr"/>
           <a:p>
-            <a:endParaRPr b="0" lang="en-US" sz="1800" spc="-1" strike="noStrike">
-              <a:solidFill>
-                <a:srgbClr val="000000"/>
-              </a:solidFill>
-              <a:latin typeface="Trebuchet MS"/>
+            <a:pPr algn="ctr"/>
+            <a:endParaRPr b="0" lang="en-US" sz="4400" spc="-1" strike="noStrike">
+              <a:latin typeface="Arial"/>
             </a:endParaRPr>
           </a:p>
         </p:txBody>
@@ -2384,7 +2233,7 @@
       </p:grpSpPr>
       <p:sp>
         <p:nvSpPr>
-          <p:cNvPr id="35" name="PlaceHolder 1"/>
+          <p:cNvPr id="32" name="PlaceHolder 1"/>
           <p:cNvSpPr>
             <a:spLocks noGrp="1"/>
           </p:cNvSpPr>
@@ -2395,7 +2244,7 @@
         <p:spPr>
           <a:xfrm>
             <a:off x="677160" y="609480"/>
-            <a:ext cx="8596440" cy="6122160"/>
+            <a:ext cx="8595360" cy="6117120"/>
           </a:xfrm>
           <a:prstGeom prst="rect">
             <a:avLst/>
@@ -2435,7 +2284,7 @@
       </p:grpSpPr>
       <p:sp>
         <p:nvSpPr>
-          <p:cNvPr id="36" name="PlaceHolder 1"/>
+          <p:cNvPr id="33" name="PlaceHolder 1"/>
           <p:cNvSpPr>
             <a:spLocks noGrp="1"/>
           </p:cNvSpPr>
@@ -2446,7 +2295,7 @@
         <p:spPr>
           <a:xfrm>
             <a:off x="677160" y="609480"/>
-            <a:ext cx="8596440" cy="1320480"/>
+            <a:ext cx="8595360" cy="1319400"/>
           </a:xfrm>
           <a:prstGeom prst="rect">
             <a:avLst/>
@@ -2455,18 +2304,16 @@
         <p:txBody>
           <a:bodyPr lIns="0" rIns="0" tIns="0" bIns="0" anchor="ctr"/>
           <a:p>
-            <a:endParaRPr b="0" lang="en-US" sz="1800" spc="-1" strike="noStrike">
-              <a:solidFill>
-                <a:srgbClr val="000000"/>
-              </a:solidFill>
-              <a:latin typeface="Trebuchet MS"/>
-            </a:endParaRPr>
-          </a:p>
-        </p:txBody>
-      </p:sp>
-      <p:sp>
-        <p:nvSpPr>
-          <p:cNvPr id="37" name="PlaceHolder 2"/>
+            <a:pPr algn="ctr"/>
+            <a:endParaRPr b="0" lang="en-US" sz="4400" spc="-1" strike="noStrike">
+              <a:latin typeface="Arial"/>
+            </a:endParaRPr>
+          </a:p>
+        </p:txBody>
+      </p:sp>
+      <p:sp>
+        <p:nvSpPr>
+          <p:cNvPr id="34" name="PlaceHolder 2"/>
           <p:cNvSpPr>
             <a:spLocks noGrp="1"/>
           </p:cNvSpPr>
@@ -2488,18 +2335,15 @@
             <a:normAutofit/>
           </a:bodyPr>
           <a:p>
-            <a:endParaRPr b="0" lang="en-US" sz="1800" spc="-1" strike="noStrike">
-              <a:solidFill>
-                <a:srgbClr val="404040"/>
-              </a:solidFill>
-              <a:latin typeface="Trebuchet MS"/>
-            </a:endParaRPr>
-          </a:p>
-        </p:txBody>
-      </p:sp>
-      <p:sp>
-        <p:nvSpPr>
-          <p:cNvPr id="38" name="PlaceHolder 3"/>
+            <a:endParaRPr b="0" lang="en-US" sz="3200" spc="-1" strike="noStrike">
+              <a:latin typeface="Arial"/>
+            </a:endParaRPr>
+          </a:p>
+        </p:txBody>
+      </p:sp>
+      <p:sp>
+        <p:nvSpPr>
+          <p:cNvPr id="35" name="PlaceHolder 3"/>
           <p:cNvSpPr>
             <a:spLocks noGrp="1"/>
           </p:cNvSpPr>
@@ -2521,18 +2365,15 @@
             <a:normAutofit/>
           </a:bodyPr>
           <a:p>
-            <a:endParaRPr b="0" lang="en-US" sz="1800" spc="-1" strike="noStrike">
-              <a:solidFill>
-                <a:srgbClr val="404040"/>
-              </a:solidFill>
-              <a:latin typeface="Trebuchet MS"/>
-            </a:endParaRPr>
-          </a:p>
-        </p:txBody>
-      </p:sp>
-      <p:sp>
-        <p:nvSpPr>
-          <p:cNvPr id="39" name="PlaceHolder 4"/>
+            <a:endParaRPr b="0" lang="en-US" sz="3200" spc="-1" strike="noStrike">
+              <a:latin typeface="Arial"/>
+            </a:endParaRPr>
+          </a:p>
+        </p:txBody>
+      </p:sp>
+      <p:sp>
+        <p:nvSpPr>
+          <p:cNvPr id="36" name="PlaceHolder 4"/>
           <p:cNvSpPr>
             <a:spLocks noGrp="1"/>
           </p:cNvSpPr>
@@ -2554,11 +2395,8 @@
             <a:normAutofit/>
           </a:bodyPr>
           <a:p>
-            <a:endParaRPr b="0" lang="en-US" sz="1800" spc="-1" strike="noStrike">
-              <a:solidFill>
-                <a:srgbClr val="404040"/>
-              </a:solidFill>
-              <a:latin typeface="Trebuchet MS"/>
+            <a:endParaRPr b="0" lang="en-US" sz="3200" spc="-1" strike="noStrike">
+              <a:latin typeface="Arial"/>
             </a:endParaRPr>
           </a:p>
         </p:txBody>
@@ -2587,7 +2425,7 @@
       </p:grpSpPr>
       <p:sp>
         <p:nvSpPr>
-          <p:cNvPr id="40" name="PlaceHolder 1"/>
+          <p:cNvPr id="37" name="PlaceHolder 1"/>
           <p:cNvSpPr>
             <a:spLocks noGrp="1"/>
           </p:cNvSpPr>
@@ -2598,7 +2436,7 @@
         <p:spPr>
           <a:xfrm>
             <a:off x="677160" y="609480"/>
-            <a:ext cx="8596440" cy="1320480"/>
+            <a:ext cx="8595360" cy="1319400"/>
           </a:xfrm>
           <a:prstGeom prst="rect">
             <a:avLst/>
@@ -2607,18 +2445,16 @@
         <p:txBody>
           <a:bodyPr lIns="0" rIns="0" tIns="0" bIns="0" anchor="ctr"/>
           <a:p>
-            <a:endParaRPr b="0" lang="en-US" sz="1800" spc="-1" strike="noStrike">
-              <a:solidFill>
-                <a:srgbClr val="000000"/>
-              </a:solidFill>
-              <a:latin typeface="Trebuchet MS"/>
-            </a:endParaRPr>
-          </a:p>
-        </p:txBody>
-      </p:sp>
-      <p:sp>
-        <p:nvSpPr>
-          <p:cNvPr id="41" name="PlaceHolder 2"/>
+            <a:pPr algn="ctr"/>
+            <a:endParaRPr b="0" lang="en-US" sz="4400" spc="-1" strike="noStrike">
+              <a:latin typeface="Arial"/>
+            </a:endParaRPr>
+          </a:p>
+        </p:txBody>
+      </p:sp>
+      <p:sp>
+        <p:nvSpPr>
+          <p:cNvPr id="38" name="PlaceHolder 2"/>
           <p:cNvSpPr>
             <a:spLocks noGrp="1"/>
           </p:cNvSpPr>
@@ -2640,18 +2476,15 @@
             <a:normAutofit/>
           </a:bodyPr>
           <a:p>
-            <a:endParaRPr b="0" lang="en-US" sz="1800" spc="-1" strike="noStrike">
-              <a:solidFill>
-                <a:srgbClr val="404040"/>
-              </a:solidFill>
-              <a:latin typeface="Trebuchet MS"/>
-            </a:endParaRPr>
-          </a:p>
-        </p:txBody>
-      </p:sp>
-      <p:sp>
-        <p:nvSpPr>
-          <p:cNvPr id="42" name="PlaceHolder 3"/>
+            <a:endParaRPr b="0" lang="en-US" sz="3200" spc="-1" strike="noStrike">
+              <a:latin typeface="Arial"/>
+            </a:endParaRPr>
+          </a:p>
+        </p:txBody>
+      </p:sp>
+      <p:sp>
+        <p:nvSpPr>
+          <p:cNvPr id="39" name="PlaceHolder 3"/>
           <p:cNvSpPr>
             <a:spLocks noGrp="1"/>
           </p:cNvSpPr>
@@ -2673,18 +2506,15 @@
             <a:normAutofit/>
           </a:bodyPr>
           <a:p>
-            <a:endParaRPr b="0" lang="en-US" sz="1800" spc="-1" strike="noStrike">
-              <a:solidFill>
-                <a:srgbClr val="404040"/>
-              </a:solidFill>
-              <a:latin typeface="Trebuchet MS"/>
-            </a:endParaRPr>
-          </a:p>
-        </p:txBody>
-      </p:sp>
-      <p:sp>
-        <p:nvSpPr>
-          <p:cNvPr id="43" name="PlaceHolder 4"/>
+            <a:endParaRPr b="0" lang="en-US" sz="3200" spc="-1" strike="noStrike">
+              <a:latin typeface="Arial"/>
+            </a:endParaRPr>
+          </a:p>
+        </p:txBody>
+      </p:sp>
+      <p:sp>
+        <p:nvSpPr>
+          <p:cNvPr id="40" name="PlaceHolder 4"/>
           <p:cNvSpPr>
             <a:spLocks noGrp="1"/>
           </p:cNvSpPr>
@@ -2706,11 +2536,8 @@
             <a:normAutofit/>
           </a:bodyPr>
           <a:p>
-            <a:endParaRPr b="0" lang="en-US" sz="1800" spc="-1" strike="noStrike">
-              <a:solidFill>
-                <a:srgbClr val="404040"/>
-              </a:solidFill>
-              <a:latin typeface="Trebuchet MS"/>
+            <a:endParaRPr b="0" lang="en-US" sz="3200" spc="-1" strike="noStrike">
+              <a:latin typeface="Arial"/>
             </a:endParaRPr>
           </a:p>
         </p:txBody>
@@ -2739,7 +2566,7 @@
       </p:grpSpPr>
       <p:sp>
         <p:nvSpPr>
-          <p:cNvPr id="44" name="PlaceHolder 1"/>
+          <p:cNvPr id="41" name="PlaceHolder 1"/>
           <p:cNvSpPr>
             <a:spLocks noGrp="1"/>
           </p:cNvSpPr>
@@ -2750,7 +2577,7 @@
         <p:spPr>
           <a:xfrm>
             <a:off x="677160" y="609480"/>
-            <a:ext cx="8596440" cy="1320480"/>
+            <a:ext cx="8595360" cy="1319400"/>
           </a:xfrm>
           <a:prstGeom prst="rect">
             <a:avLst/>
@@ -2759,18 +2586,16 @@
         <p:txBody>
           <a:bodyPr lIns="0" rIns="0" tIns="0" bIns="0" anchor="ctr"/>
           <a:p>
-            <a:endParaRPr b="0" lang="en-US" sz="1800" spc="-1" strike="noStrike">
-              <a:solidFill>
-                <a:srgbClr val="000000"/>
-              </a:solidFill>
-              <a:latin typeface="Trebuchet MS"/>
-            </a:endParaRPr>
-          </a:p>
-        </p:txBody>
-      </p:sp>
-      <p:sp>
-        <p:nvSpPr>
-          <p:cNvPr id="45" name="PlaceHolder 2"/>
+            <a:pPr algn="ctr"/>
+            <a:endParaRPr b="0" lang="en-US" sz="4400" spc="-1" strike="noStrike">
+              <a:latin typeface="Arial"/>
+            </a:endParaRPr>
+          </a:p>
+        </p:txBody>
+      </p:sp>
+      <p:sp>
+        <p:nvSpPr>
+          <p:cNvPr id="42" name="PlaceHolder 2"/>
           <p:cNvSpPr>
             <a:spLocks noGrp="1"/>
           </p:cNvSpPr>
@@ -2792,18 +2617,15 @@
             <a:normAutofit/>
           </a:bodyPr>
           <a:p>
-            <a:endParaRPr b="0" lang="en-US" sz="1800" spc="-1" strike="noStrike">
-              <a:solidFill>
-                <a:srgbClr val="404040"/>
-              </a:solidFill>
-              <a:latin typeface="Trebuchet MS"/>
-            </a:endParaRPr>
-          </a:p>
-        </p:txBody>
-      </p:sp>
-      <p:sp>
-        <p:nvSpPr>
-          <p:cNvPr id="46" name="PlaceHolder 3"/>
+            <a:endParaRPr b="0" lang="en-US" sz="3200" spc="-1" strike="noStrike">
+              <a:latin typeface="Arial"/>
+            </a:endParaRPr>
+          </a:p>
+        </p:txBody>
+      </p:sp>
+      <p:sp>
+        <p:nvSpPr>
+          <p:cNvPr id="43" name="PlaceHolder 3"/>
           <p:cNvSpPr>
             <a:spLocks noGrp="1"/>
           </p:cNvSpPr>
@@ -2825,18 +2647,15 @@
             <a:normAutofit/>
           </a:bodyPr>
           <a:p>
-            <a:endParaRPr b="0" lang="en-US" sz="1800" spc="-1" strike="noStrike">
-              <a:solidFill>
-                <a:srgbClr val="404040"/>
-              </a:solidFill>
-              <a:latin typeface="Trebuchet MS"/>
-            </a:endParaRPr>
-          </a:p>
-        </p:txBody>
-      </p:sp>
-      <p:sp>
-        <p:nvSpPr>
-          <p:cNvPr id="47" name="PlaceHolder 4"/>
+            <a:endParaRPr b="0" lang="en-US" sz="3200" spc="-1" strike="noStrike">
+              <a:latin typeface="Arial"/>
+            </a:endParaRPr>
+          </a:p>
+        </p:txBody>
+      </p:sp>
+      <p:sp>
+        <p:nvSpPr>
+          <p:cNvPr id="44" name="PlaceHolder 4"/>
           <p:cNvSpPr>
             <a:spLocks noGrp="1"/>
           </p:cNvSpPr>
@@ -2858,11 +2677,8 @@
             <a:normAutofit/>
           </a:bodyPr>
           <a:p>
-            <a:endParaRPr b="0" lang="en-US" sz="1800" spc="-1" strike="noStrike">
-              <a:solidFill>
-                <a:srgbClr val="404040"/>
-              </a:solidFill>
-              <a:latin typeface="Trebuchet MS"/>
+            <a:endParaRPr b="0" lang="en-US" sz="3200" spc="-1" strike="noStrike">
+              <a:latin typeface="Arial"/>
             </a:endParaRPr>
           </a:p>
         </p:txBody>
@@ -2905,9 +2721,9 @@
         <p:grpSpPr>
           <a:xfrm>
             <a:off x="0" y="-8640"/>
-            <a:ext cx="12191760" cy="6866640"/>
+            <a:ext cx="12190680" cy="6866640"/>
             <a:chOff x="0" y="-8640"/>
-            <a:chExt cx="12191760" cy="6866640"/>
+            <a:chExt cx="12190680" cy="6866640"/>
           </a:xfrm>
         </p:grpSpPr>
         <p:sp>
@@ -2991,7 +2807,7 @@
           <p:spPr>
             <a:xfrm>
               <a:off x="9181440" y="-8640"/>
-              <a:ext cx="3007080" cy="6866280"/>
+              <a:ext cx="3006000" cy="6865200"/>
             </a:xfrm>
             <a:custGeom>
               <a:avLst/>
@@ -3057,7 +2873,7 @@
           <p:spPr>
             <a:xfrm>
               <a:off x="9603360" y="-8640"/>
-              <a:ext cx="2588040" cy="6866280"/>
+              <a:ext cx="2586960" cy="6865200"/>
             </a:xfrm>
             <a:custGeom>
               <a:avLst/>
@@ -3123,7 +2939,7 @@
           <p:spPr>
             <a:xfrm>
               <a:off x="8932320" y="3048120"/>
-              <a:ext cx="3259440" cy="3809520"/>
+              <a:ext cx="3258360" cy="3808440"/>
             </a:xfrm>
             <a:prstGeom prst="triangle">
               <a:avLst>
@@ -3168,7 +2984,7 @@
           <p:spPr>
             <a:xfrm>
               <a:off x="9334440" y="-8640"/>
-              <a:ext cx="2854080" cy="6866280"/>
+              <a:ext cx="2853000" cy="6865200"/>
             </a:xfrm>
             <a:custGeom>
               <a:avLst/>
@@ -3235,7 +3051,7 @@
           <p:spPr>
             <a:xfrm>
               <a:off x="10898640" y="-8640"/>
-              <a:ext cx="1289880" cy="6866280"/>
+              <a:ext cx="1288800" cy="6865200"/>
             </a:xfrm>
             <a:custGeom>
               <a:avLst/>
@@ -3303,7 +3119,7 @@
           <p:spPr>
             <a:xfrm>
               <a:off x="10938960" y="-8640"/>
-              <a:ext cx="1249560" cy="6866280"/>
+              <a:ext cx="1248480" cy="6865200"/>
             </a:xfrm>
             <a:custGeom>
               <a:avLst/>
@@ -3369,7 +3185,7 @@
           <p:spPr>
             <a:xfrm>
               <a:off x="10371600" y="3589920"/>
-              <a:ext cx="1816920" cy="3267720"/>
+              <a:ext cx="1815840" cy="3266640"/>
             </a:xfrm>
             <a:prstGeom prst="triangle">
               <a:avLst>
@@ -3414,7 +3230,7 @@
           <p:spPr>
             <a:xfrm>
               <a:off x="0" y="4013280"/>
-              <a:ext cx="448200" cy="2844360"/>
+              <a:ext cx="447120" cy="2843280"/>
             </a:xfrm>
             <a:prstGeom prst="triangle">
               <a:avLst>
@@ -3459,10 +3275,10 @@
         </p:nvGrpSpPr>
         <p:grpSpPr>
           <a:xfrm>
-            <a:off x="360" y="-8640"/>
-            <a:ext cx="12191400" cy="6866640"/>
-            <a:chOff x="360" y="-8640"/>
-            <a:chExt cx="12191400" cy="6866640"/>
+            <a:off x="1440" y="-8640"/>
+            <a:ext cx="12189240" cy="6866640"/>
+            <a:chOff x="1440" y="-8640"/>
+            <a:chExt cx="12189240" cy="6866640"/>
           </a:xfrm>
         </p:grpSpPr>
         <p:sp>
@@ -3546,7 +3362,7 @@
           <p:spPr>
             <a:xfrm>
               <a:off x="9181440" y="-8640"/>
-              <a:ext cx="3007080" cy="6866280"/>
+              <a:ext cx="3006000" cy="6865200"/>
             </a:xfrm>
             <a:custGeom>
               <a:avLst/>
@@ -3612,7 +3428,7 @@
           <p:spPr>
             <a:xfrm>
               <a:off x="9603360" y="-8640"/>
-              <a:ext cx="2588040" cy="6866280"/>
+              <a:ext cx="2586960" cy="6865200"/>
             </a:xfrm>
             <a:custGeom>
               <a:avLst/>
@@ -3678,7 +3494,7 @@
           <p:spPr>
             <a:xfrm>
               <a:off x="8932320" y="3048120"/>
-              <a:ext cx="3259440" cy="3809520"/>
+              <a:ext cx="3258360" cy="3808440"/>
             </a:xfrm>
             <a:prstGeom prst="triangle">
               <a:avLst>
@@ -3723,7 +3539,7 @@
           <p:spPr>
             <a:xfrm>
               <a:off x="9334440" y="-8640"/>
-              <a:ext cx="2854080" cy="6866280"/>
+              <a:ext cx="2853000" cy="6865200"/>
             </a:xfrm>
             <a:custGeom>
               <a:avLst/>
@@ -3790,7 +3606,7 @@
           <p:spPr>
             <a:xfrm>
               <a:off x="10898640" y="-8640"/>
-              <a:ext cx="1289880" cy="6866280"/>
+              <a:ext cx="1288800" cy="6865200"/>
             </a:xfrm>
             <a:custGeom>
               <a:avLst/>
@@ -3858,7 +3674,7 @@
           <p:spPr>
             <a:xfrm>
               <a:off x="10938960" y="-8640"/>
-              <a:ext cx="1249560" cy="6866280"/>
+              <a:ext cx="1248480" cy="6865200"/>
             </a:xfrm>
             <a:custGeom>
               <a:avLst/>
@@ -3924,7 +3740,7 @@
           <p:spPr>
             <a:xfrm>
               <a:off x="10371600" y="3589920"/>
-              <a:ext cx="1816920" cy="3267720"/>
+              <a:ext cx="1815840" cy="3266640"/>
             </a:xfrm>
             <a:prstGeom prst="triangle">
               <a:avLst>
@@ -3968,8 +3784,8 @@
           </p:nvSpPr>
           <p:spPr>
             <a:xfrm rot="10800000">
-              <a:off x="360" y="360"/>
-              <a:ext cx="842400" cy="5665680"/>
+              <a:off x="1440" y="1440"/>
+              <a:ext cx="841320" cy="5664600"/>
             </a:xfrm>
             <a:prstGeom prst="triangle">
               <a:avLst>
@@ -4018,35 +3834,25 @@
         </p:nvSpPr>
         <p:spPr>
           <a:xfrm>
-            <a:off x="1506960" y="2404440"/>
-            <a:ext cx="7766640" cy="1645920"/>
-          </a:xfrm>
-          <a:prstGeom prst="rect">
-            <a:avLst/>
-          </a:prstGeom>
-        </p:spPr>
-        <p:txBody>
-          <a:bodyPr anchor="b"/>
-          <a:p>
-            <a:pPr algn="r">
-              <a:lnSpc>
-                <a:spcPct val="100000"/>
-              </a:lnSpc>
-            </a:pPr>
+            <a:off x="609480" y="273600"/>
+            <a:ext cx="10972440" cy="1144800"/>
+          </a:xfrm>
+          <a:prstGeom prst="rect">
+            <a:avLst/>
+          </a:prstGeom>
+        </p:spPr>
+        <p:txBody>
+          <a:bodyPr lIns="0" rIns="0" tIns="0" bIns="0" anchor="ctr"/>
+          <a:p>
+            <a:pPr algn="ctr"/>
             <a:r>
-              <a:rPr b="0" lang="en-US" sz="5400" spc="-1" strike="noStrike">
-                <a:solidFill>
-                  <a:srgbClr val="3494ba"/>
-                </a:solidFill>
-                <a:latin typeface="Trebuchet MS"/>
+              <a:rPr b="0" lang="en-US" sz="4400" spc="-1" strike="noStrike">
+                <a:latin typeface="Arial"/>
               </a:rPr>
-              <a:t>Fare clic per modificare lo stile del titolo dello schema</a:t>
+              <a:t>Click to edit the title text format</a:t>
             </a:r>
-            <a:endParaRPr b="0" lang="en-US" sz="5400" spc="-1" strike="noStrike">
-              <a:solidFill>
-                <a:srgbClr val="000000"/>
-              </a:solidFill>
-              <a:latin typeface="Trebuchet MS"/>
+            <a:endParaRPr b="0" lang="en-US" sz="4400" spc="-1" strike="noStrike">
+              <a:latin typeface="Arial"/>
             </a:endParaRPr>
           </a:p>
         </p:txBody>
@@ -4054,118 +3860,6 @@
       <p:sp>
         <p:nvSpPr>
           <p:cNvPr id="23" name="PlaceHolder 24"/>
-          <p:cNvSpPr>
-            <a:spLocks noGrp="1"/>
-          </p:cNvSpPr>
-          <p:nvPr>
-            <p:ph type="dt"/>
-          </p:nvPr>
-        </p:nvSpPr>
-        <p:spPr>
-          <a:xfrm>
-            <a:off x="7205040" y="6041520"/>
-            <a:ext cx="911520" cy="364680"/>
-          </a:xfrm>
-          <a:prstGeom prst="rect">
-            <a:avLst/>
-          </a:prstGeom>
-        </p:spPr>
-        <p:txBody>
-          <a:bodyPr anchor="ctr"/>
-          <a:p>
-            <a:pPr algn="r">
-              <a:lnSpc>
-                <a:spcPct val="100000"/>
-              </a:lnSpc>
-            </a:pPr>
-            <a:fld id="{10C8C1F4-757A-4DD8-A6D4-DEB70D92129F}" type="datetime">
-              <a:rPr b="0" lang="en-US" sz="900" spc="-1" strike="noStrike">
-                <a:solidFill>
-                  <a:srgbClr val="8b8b8b"/>
-                </a:solidFill>
-                <a:latin typeface="Trebuchet MS"/>
-              </a:rPr>
-              <a:t>5/24/20</a:t>
-            </a:fld>
-            <a:endParaRPr b="0" lang="en-US" sz="900" spc="-1" strike="noStrike">
-              <a:latin typeface="Times New Roman"/>
-            </a:endParaRPr>
-          </a:p>
-        </p:txBody>
-      </p:sp>
-      <p:sp>
-        <p:nvSpPr>
-          <p:cNvPr id="24" name="PlaceHolder 25"/>
-          <p:cNvSpPr>
-            <a:spLocks noGrp="1"/>
-          </p:cNvSpPr>
-          <p:nvPr>
-            <p:ph type="ftr"/>
-          </p:nvPr>
-        </p:nvSpPr>
-        <p:spPr>
-          <a:xfrm>
-            <a:off x="677160" y="6041520"/>
-            <a:ext cx="6297120" cy="364680"/>
-          </a:xfrm>
-          <a:prstGeom prst="rect">
-            <a:avLst/>
-          </a:prstGeom>
-        </p:spPr>
-        <p:txBody>
-          <a:bodyPr anchor="ctr"/>
-          <a:p>
-            <a:endParaRPr b="0" lang="en-US" sz="2400" spc="-1" strike="noStrike">
-              <a:latin typeface="Times New Roman"/>
-            </a:endParaRPr>
-          </a:p>
-        </p:txBody>
-      </p:sp>
-      <p:sp>
-        <p:nvSpPr>
-          <p:cNvPr id="25" name="PlaceHolder 26"/>
-          <p:cNvSpPr>
-            <a:spLocks noGrp="1"/>
-          </p:cNvSpPr>
-          <p:nvPr>
-            <p:ph type="sldNum"/>
-          </p:nvPr>
-        </p:nvSpPr>
-        <p:spPr>
-          <a:xfrm>
-            <a:off x="8590680" y="6041520"/>
-            <a:ext cx="682920" cy="364680"/>
-          </a:xfrm>
-          <a:prstGeom prst="rect">
-            <a:avLst/>
-          </a:prstGeom>
-        </p:spPr>
-        <p:txBody>
-          <a:bodyPr anchor="ctr"/>
-          <a:p>
-            <a:pPr algn="r">
-              <a:lnSpc>
-                <a:spcPct val="100000"/>
-              </a:lnSpc>
-            </a:pPr>
-            <a:fld id="{BA50764B-7DD8-409C-B195-524D8467A478}" type="slidenum">
-              <a:rPr b="0" lang="en-US" sz="900" spc="-1" strike="noStrike">
-                <a:solidFill>
-                  <a:srgbClr val="3494ba"/>
-                </a:solidFill>
-                <a:latin typeface="Trebuchet MS"/>
-              </a:rPr>
-              <a:t>&lt;number&gt;</a:t>
-            </a:fld>
-            <a:endParaRPr b="0" lang="en-US" sz="900" spc="-1" strike="noStrike">
-              <a:latin typeface="Times New Roman"/>
-            </a:endParaRPr>
-          </a:p>
-        </p:txBody>
-      </p:sp>
-      <p:sp>
-        <p:nvSpPr>
-          <p:cNvPr id="26" name="PlaceHolder 27"/>
           <p:cNvSpPr>
             <a:spLocks noGrp="1"/>
           </p:cNvSpPr>
@@ -4199,19 +3893,13 @@
               <a:buChar char=""/>
             </a:pPr>
             <a:r>
-              <a:rPr b="0" lang="en-US" sz="1800" spc="-1" strike="noStrike">
-                <a:solidFill>
-                  <a:srgbClr val="404040"/>
-                </a:solidFill>
-                <a:latin typeface="Trebuchet MS"/>
+              <a:rPr b="0" lang="en-US" sz="3200" spc="-1" strike="noStrike">
+                <a:latin typeface="Arial"/>
               </a:rPr>
               <a:t>Click to edit the outline text format</a:t>
             </a:r>
-            <a:endParaRPr b="0" lang="en-US" sz="1800" spc="-1" strike="noStrike">
-              <a:solidFill>
-                <a:srgbClr val="404040"/>
-              </a:solidFill>
-              <a:latin typeface="Trebuchet MS"/>
+            <a:endParaRPr b="0" lang="en-US" sz="3200" spc="-1" strike="noStrike">
+              <a:latin typeface="Arial"/>
             </a:endParaRPr>
           </a:p>
           <a:p>
@@ -4227,19 +3915,13 @@
               <a:buChar char=""/>
             </a:pPr>
             <a:r>
-              <a:rPr b="0" lang="en-US" sz="1400" spc="-1" strike="noStrike">
-                <a:solidFill>
-                  <a:srgbClr val="404040"/>
-                </a:solidFill>
-                <a:latin typeface="Trebuchet MS"/>
+              <a:rPr b="0" lang="en-US" sz="2800" spc="-1" strike="noStrike">
+                <a:latin typeface="Arial"/>
               </a:rPr>
               <a:t>Second Outline Level</a:t>
             </a:r>
-            <a:endParaRPr b="0" lang="en-US" sz="1400" spc="-1" strike="noStrike">
-              <a:solidFill>
-                <a:srgbClr val="404040"/>
-              </a:solidFill>
-              <a:latin typeface="Trebuchet MS"/>
+            <a:endParaRPr b="0" lang="en-US" sz="2800" spc="-1" strike="noStrike">
+              <a:latin typeface="Arial"/>
             </a:endParaRPr>
           </a:p>
           <a:p>
@@ -4255,19 +3937,13 @@
               <a:buChar char=""/>
             </a:pPr>
             <a:r>
-              <a:rPr b="0" lang="en-US" sz="1200" spc="-1" strike="noStrike">
-                <a:solidFill>
-                  <a:srgbClr val="404040"/>
-                </a:solidFill>
-                <a:latin typeface="Trebuchet MS"/>
+              <a:rPr b="0" lang="en-US" sz="2400" spc="-1" strike="noStrike">
+                <a:latin typeface="Arial"/>
               </a:rPr>
               <a:t>Third Outline Level</a:t>
             </a:r>
-            <a:endParaRPr b="0" lang="en-US" sz="1200" spc="-1" strike="noStrike">
-              <a:solidFill>
-                <a:srgbClr val="404040"/>
-              </a:solidFill>
-              <a:latin typeface="Trebuchet MS"/>
+            <a:endParaRPr b="0" lang="en-US" sz="2400" spc="-1" strike="noStrike">
+              <a:latin typeface="Arial"/>
             </a:endParaRPr>
           </a:p>
           <a:p>
@@ -4283,19 +3959,13 @@
               <a:buChar char=""/>
             </a:pPr>
             <a:r>
-              <a:rPr b="0" lang="en-US" sz="1200" spc="-1" strike="noStrike">
-                <a:solidFill>
-                  <a:srgbClr val="404040"/>
-                </a:solidFill>
-                <a:latin typeface="Trebuchet MS"/>
+              <a:rPr b="0" lang="en-US" sz="2000" spc="-1" strike="noStrike">
+                <a:latin typeface="Arial"/>
               </a:rPr>
               <a:t>Fourth Outline Level</a:t>
             </a:r>
-            <a:endParaRPr b="0" lang="en-US" sz="1200" spc="-1" strike="noStrike">
-              <a:solidFill>
-                <a:srgbClr val="404040"/>
-              </a:solidFill>
-              <a:latin typeface="Trebuchet MS"/>
+            <a:endParaRPr b="0" lang="en-US" sz="2000" spc="-1" strike="noStrike">
+              <a:latin typeface="Arial"/>
             </a:endParaRPr>
           </a:p>
           <a:p>
@@ -4312,18 +3982,12 @@
             </a:pPr>
             <a:r>
               <a:rPr b="0" lang="en-US" sz="2000" spc="-1" strike="noStrike">
-                <a:solidFill>
-                  <a:srgbClr val="404040"/>
-                </a:solidFill>
-                <a:latin typeface="Trebuchet MS"/>
+                <a:latin typeface="Arial"/>
               </a:rPr>
               <a:t>Fifth Outline Level</a:t>
             </a:r>
             <a:endParaRPr b="0" lang="en-US" sz="2000" spc="-1" strike="noStrike">
-              <a:solidFill>
-                <a:srgbClr val="404040"/>
-              </a:solidFill>
-              <a:latin typeface="Trebuchet MS"/>
+              <a:latin typeface="Arial"/>
             </a:endParaRPr>
           </a:p>
           <a:p>
@@ -4340,18 +4004,12 @@
             </a:pPr>
             <a:r>
               <a:rPr b="0" lang="en-US" sz="2000" spc="-1" strike="noStrike">
-                <a:solidFill>
-                  <a:srgbClr val="404040"/>
-                </a:solidFill>
-                <a:latin typeface="Trebuchet MS"/>
+                <a:latin typeface="Arial"/>
               </a:rPr>
               <a:t>Sixth Outline Level</a:t>
             </a:r>
             <a:endParaRPr b="0" lang="en-US" sz="2000" spc="-1" strike="noStrike">
-              <a:solidFill>
-                <a:srgbClr val="404040"/>
-              </a:solidFill>
-              <a:latin typeface="Trebuchet MS"/>
+              <a:latin typeface="Arial"/>
             </a:endParaRPr>
           </a:p>
           <a:p>
@@ -4368,18 +4026,12 @@
             </a:pPr>
             <a:r>
               <a:rPr b="0" lang="en-US" sz="2000" spc="-1" strike="noStrike">
-                <a:solidFill>
-                  <a:srgbClr val="404040"/>
-                </a:solidFill>
-                <a:latin typeface="Trebuchet MS"/>
+                <a:latin typeface="Arial"/>
               </a:rPr>
               <a:t>Seventh Outline Level</a:t>
             </a:r>
             <a:endParaRPr b="0" lang="en-US" sz="2000" spc="-1" strike="noStrike">
-              <a:solidFill>
-                <a:srgbClr val="404040"/>
-              </a:solidFill>
-              <a:latin typeface="Trebuchet MS"/>
+              <a:latin typeface="Arial"/>
             </a:endParaRPr>
           </a:p>
         </p:txBody>
@@ -4430,21 +4082,21 @@
       </p:grpSpPr>
       <p:grpSp>
         <p:nvGrpSpPr>
-          <p:cNvPr id="63" name="Group 1"/>
+          <p:cNvPr id="60" name="Group 1"/>
           <p:cNvGrpSpPr/>
           <p:nvPr/>
         </p:nvGrpSpPr>
         <p:grpSpPr>
           <a:xfrm>
             <a:off x="0" y="-8640"/>
-            <a:ext cx="12191760" cy="6866640"/>
+            <a:ext cx="12190680" cy="6866640"/>
             <a:chOff x="0" y="-8640"/>
-            <a:chExt cx="12191760" cy="6866640"/>
+            <a:chExt cx="12190680" cy="6866640"/>
           </a:xfrm>
         </p:grpSpPr>
         <p:sp>
           <p:nvSpPr>
-            <p:cNvPr id="64" name="Line 2"/>
+            <p:cNvPr id="61" name="Line 2"/>
             <p:cNvSpPr/>
             <p:nvPr/>
           </p:nvSpPr>
@@ -4480,7 +4132,7 @@
         </p:sp>
         <p:sp>
           <p:nvSpPr>
-            <p:cNvPr id="65" name="Line 3"/>
+            <p:cNvPr id="62" name="Line 3"/>
             <p:cNvSpPr/>
             <p:nvPr/>
           </p:nvSpPr>
@@ -4516,14 +4168,14 @@
         </p:sp>
         <p:sp>
           <p:nvSpPr>
-            <p:cNvPr id="66" name="CustomShape 4"/>
+            <p:cNvPr id="63" name="CustomShape 4"/>
             <p:cNvSpPr/>
             <p:nvPr/>
           </p:nvSpPr>
           <p:spPr>
             <a:xfrm>
               <a:off x="9181440" y="-8640"/>
-              <a:ext cx="3007080" cy="6866280"/>
+              <a:ext cx="3006000" cy="6865200"/>
             </a:xfrm>
             <a:custGeom>
               <a:avLst/>
@@ -4582,14 +4234,14 @@
         </p:sp>
         <p:sp>
           <p:nvSpPr>
-            <p:cNvPr id="67" name="CustomShape 5"/>
+            <p:cNvPr id="64" name="CustomShape 5"/>
             <p:cNvSpPr/>
             <p:nvPr/>
           </p:nvSpPr>
           <p:spPr>
             <a:xfrm>
               <a:off x="9603360" y="-8640"/>
-              <a:ext cx="2588040" cy="6866280"/>
+              <a:ext cx="2586960" cy="6865200"/>
             </a:xfrm>
             <a:custGeom>
               <a:avLst/>
@@ -4648,14 +4300,14 @@
         </p:sp>
         <p:sp>
           <p:nvSpPr>
-            <p:cNvPr id="68" name="CustomShape 6"/>
+            <p:cNvPr id="65" name="CustomShape 6"/>
             <p:cNvSpPr/>
             <p:nvPr/>
           </p:nvSpPr>
           <p:spPr>
             <a:xfrm>
               <a:off x="8932320" y="3048120"/>
-              <a:ext cx="3259440" cy="3809520"/>
+              <a:ext cx="3258360" cy="3808440"/>
             </a:xfrm>
             <a:prstGeom prst="triangle">
               <a:avLst>
@@ -4693,14 +4345,14 @@
         </p:sp>
         <p:sp>
           <p:nvSpPr>
-            <p:cNvPr id="69" name="CustomShape 7"/>
+            <p:cNvPr id="66" name="CustomShape 7"/>
             <p:cNvSpPr/>
             <p:nvPr/>
           </p:nvSpPr>
           <p:spPr>
             <a:xfrm>
               <a:off x="9334440" y="-8640"/>
-              <a:ext cx="2854080" cy="6866280"/>
+              <a:ext cx="2853000" cy="6865200"/>
             </a:xfrm>
             <a:custGeom>
               <a:avLst/>
@@ -4760,14 +4412,14 @@
         </p:sp>
         <p:sp>
           <p:nvSpPr>
-            <p:cNvPr id="70" name="CustomShape 8"/>
+            <p:cNvPr id="67" name="CustomShape 8"/>
             <p:cNvSpPr/>
             <p:nvPr/>
           </p:nvSpPr>
           <p:spPr>
             <a:xfrm>
               <a:off x="10898640" y="-8640"/>
-              <a:ext cx="1289880" cy="6866280"/>
+              <a:ext cx="1288800" cy="6865200"/>
             </a:xfrm>
             <a:custGeom>
               <a:avLst/>
@@ -4828,14 +4480,14 @@
         </p:sp>
         <p:sp>
           <p:nvSpPr>
-            <p:cNvPr id="71" name="CustomShape 9"/>
+            <p:cNvPr id="68" name="CustomShape 9"/>
             <p:cNvSpPr/>
             <p:nvPr/>
           </p:nvSpPr>
           <p:spPr>
             <a:xfrm>
               <a:off x="10938960" y="-8640"/>
-              <a:ext cx="1249560" cy="6866280"/>
+              <a:ext cx="1248480" cy="6865200"/>
             </a:xfrm>
             <a:custGeom>
               <a:avLst/>
@@ -4894,14 +4546,14 @@
         </p:sp>
         <p:sp>
           <p:nvSpPr>
-            <p:cNvPr id="72" name="CustomShape 10"/>
+            <p:cNvPr id="69" name="CustomShape 10"/>
             <p:cNvSpPr/>
             <p:nvPr/>
           </p:nvSpPr>
           <p:spPr>
             <a:xfrm>
               <a:off x="10371600" y="3589920"/>
-              <a:ext cx="1816920" cy="3267720"/>
+              <a:ext cx="1815840" cy="3266640"/>
             </a:xfrm>
             <a:prstGeom prst="triangle">
               <a:avLst>
@@ -4939,14 +4591,14 @@
         </p:sp>
         <p:sp>
           <p:nvSpPr>
-            <p:cNvPr id="73" name="CustomShape 11"/>
+            <p:cNvPr id="70" name="CustomShape 11"/>
             <p:cNvSpPr/>
             <p:nvPr/>
           </p:nvSpPr>
           <p:spPr>
             <a:xfrm>
               <a:off x="0" y="4013280"/>
-              <a:ext cx="448200" cy="2844360"/>
+              <a:ext cx="447120" cy="2843280"/>
             </a:xfrm>
             <a:prstGeom prst="triangle">
               <a:avLst>
@@ -4985,7 +4637,7 @@
       </p:grpSp>
       <p:sp>
         <p:nvSpPr>
-          <p:cNvPr id="74" name="PlaceHolder 12"/>
+          <p:cNvPr id="71" name="PlaceHolder 12"/>
           <p:cNvSpPr>
             <a:spLocks noGrp="1"/>
           </p:cNvSpPr>
@@ -4996,216 +4648,30 @@
         <p:spPr>
           <a:xfrm>
             <a:off x="677160" y="609480"/>
-            <a:ext cx="8596440" cy="1320480"/>
-          </a:xfrm>
-          <a:prstGeom prst="rect">
-            <a:avLst/>
-          </a:prstGeom>
-        </p:spPr>
-        <p:txBody>
-          <a:bodyPr/>
-          <a:p>
-            <a:pPr>
-              <a:lnSpc>
-                <a:spcPct val="100000"/>
-              </a:lnSpc>
-            </a:pPr>
+            <a:ext cx="8595360" cy="1319400"/>
+          </a:xfrm>
+          <a:prstGeom prst="rect">
+            <a:avLst/>
+          </a:prstGeom>
+        </p:spPr>
+        <p:txBody>
+          <a:bodyPr lIns="0" rIns="0" tIns="0" bIns="0" anchor="ctr"/>
+          <a:p>
             <a:r>
-              <a:rPr b="0" lang="en-US" sz="3600" spc="-1" strike="noStrike">
-                <a:solidFill>
-                  <a:srgbClr val="3494ba"/>
-                </a:solidFill>
-                <a:latin typeface="Trebuchet MS"/>
+              <a:rPr b="0" lang="en-US" sz="1800" spc="-1" strike="noStrike">
+                <a:latin typeface="Arial"/>
               </a:rPr>
-              <a:t>Fare clic </a:t>
+              <a:t>Click to edit the title text format</a:t>
             </a:r>
-            <a:r>
-              <a:rPr b="0" lang="en-US" sz="3600" spc="-1" strike="noStrike">
-                <a:solidFill>
-                  <a:srgbClr val="3494ba"/>
-                </a:solidFill>
-                <a:latin typeface="Trebuchet MS"/>
-              </a:rPr>
-              <a:t>per </a:t>
-            </a:r>
-            <a:r>
-              <a:rPr b="0" lang="en-US" sz="3600" spc="-1" strike="noStrike">
-                <a:solidFill>
-                  <a:srgbClr val="3494ba"/>
-                </a:solidFill>
-                <a:latin typeface="Trebuchet MS"/>
-              </a:rPr>
-              <a:t>modifica</a:t>
-            </a:r>
-            <a:r>
-              <a:rPr b="0" lang="en-US" sz="3600" spc="-1" strike="noStrike">
-                <a:solidFill>
-                  <a:srgbClr val="3494ba"/>
-                </a:solidFill>
-                <a:latin typeface="Trebuchet MS"/>
-              </a:rPr>
-              <a:t>re lo </a:t>
-            </a:r>
-            <a:r>
-              <a:rPr b="0" lang="en-US" sz="3600" spc="-1" strike="noStrike">
-                <a:solidFill>
-                  <a:srgbClr val="3494ba"/>
-                </a:solidFill>
-                <a:latin typeface="Trebuchet MS"/>
-              </a:rPr>
-              <a:t>stile del </a:t>
-            </a:r>
-            <a:r>
-              <a:rPr b="0" lang="en-US" sz="3600" spc="-1" strike="noStrike">
-                <a:solidFill>
-                  <a:srgbClr val="3494ba"/>
-                </a:solidFill>
-                <a:latin typeface="Trebuchet MS"/>
-              </a:rPr>
-              <a:t>titolo </a:t>
-            </a:r>
-            <a:r>
-              <a:rPr b="0" lang="en-US" sz="3600" spc="-1" strike="noStrike">
-                <a:solidFill>
-                  <a:srgbClr val="3494ba"/>
-                </a:solidFill>
-                <a:latin typeface="Trebuchet MS"/>
-              </a:rPr>
-              <a:t>dello </a:t>
-            </a:r>
-            <a:r>
-              <a:rPr b="0" lang="en-US" sz="3600" spc="-1" strike="noStrike">
-                <a:solidFill>
-                  <a:srgbClr val="3494ba"/>
-                </a:solidFill>
-                <a:latin typeface="Trebuchet MS"/>
-              </a:rPr>
-              <a:t>schema</a:t>
-            </a:r>
-            <a:endParaRPr b="0" lang="en-US" sz="3600" spc="-1" strike="noStrike">
-              <a:solidFill>
-                <a:srgbClr val="000000"/>
-              </a:solidFill>
-              <a:latin typeface="Trebuchet MS"/>
-            </a:endParaRPr>
-          </a:p>
-        </p:txBody>
-      </p:sp>
-      <p:sp>
-        <p:nvSpPr>
-          <p:cNvPr id="75" name="PlaceHolder 13"/>
-          <p:cNvSpPr>
-            <a:spLocks noGrp="1"/>
-          </p:cNvSpPr>
-          <p:nvPr>
-            <p:ph type="dt"/>
-          </p:nvPr>
-        </p:nvSpPr>
-        <p:spPr>
-          <a:xfrm>
-            <a:off x="7205040" y="6041520"/>
-            <a:ext cx="911520" cy="364680"/>
-          </a:xfrm>
-          <a:prstGeom prst="rect">
-            <a:avLst/>
-          </a:prstGeom>
-        </p:spPr>
-        <p:txBody>
-          <a:bodyPr anchor="ctr"/>
-          <a:p>
-            <a:pPr algn="r">
-              <a:lnSpc>
-                <a:spcPct val="100000"/>
-              </a:lnSpc>
-            </a:pPr>
-            <a:fld id="{41D3B9E8-001F-4E9D-B30D-ED958F41BA05}" type="datetime">
-              <a:rPr b="0" lang="en-US" sz="900" spc="-1" strike="noStrike">
-                <a:solidFill>
-                  <a:srgbClr val="8b8b8b"/>
-                </a:solidFill>
-                <a:latin typeface="Trebuchet MS"/>
-              </a:rPr>
-              <a:t>5/24/20</a:t>
-            </a:fld>
-            <a:endParaRPr b="0" lang="en-US" sz="900" spc="-1" strike="noStrike">
-              <a:latin typeface="Times New Roman"/>
-            </a:endParaRPr>
-          </a:p>
-        </p:txBody>
-      </p:sp>
-      <p:sp>
-        <p:nvSpPr>
-          <p:cNvPr id="76" name="PlaceHolder 14"/>
-          <p:cNvSpPr>
-            <a:spLocks noGrp="1"/>
-          </p:cNvSpPr>
-          <p:nvPr>
-            <p:ph type="ftr"/>
-          </p:nvPr>
-        </p:nvSpPr>
-        <p:spPr>
-          <a:xfrm>
-            <a:off x="677160" y="6041520"/>
-            <a:ext cx="6297120" cy="364680"/>
-          </a:xfrm>
-          <a:prstGeom prst="rect">
-            <a:avLst/>
-          </a:prstGeom>
-        </p:spPr>
-        <p:txBody>
-          <a:bodyPr anchor="ctr"/>
-          <a:p>
-            <a:endParaRPr b="0" lang="en-US" sz="2400" spc="-1" strike="noStrike">
-              <a:latin typeface="Times New Roman"/>
-            </a:endParaRPr>
-          </a:p>
-        </p:txBody>
-      </p:sp>
-      <p:sp>
-        <p:nvSpPr>
-          <p:cNvPr id="77" name="PlaceHolder 15"/>
-          <p:cNvSpPr>
-            <a:spLocks noGrp="1"/>
-          </p:cNvSpPr>
-          <p:nvPr>
-            <p:ph type="sldNum"/>
-          </p:nvPr>
-        </p:nvSpPr>
-        <p:spPr>
-          <a:xfrm>
-            <a:off x="8590680" y="6041520"/>
-            <a:ext cx="682920" cy="364680"/>
-          </a:xfrm>
-          <a:prstGeom prst="rect">
-            <a:avLst/>
-          </a:prstGeom>
-        </p:spPr>
-        <p:txBody>
-          <a:bodyPr anchor="ctr"/>
-          <a:p>
-            <a:pPr algn="r">
-              <a:lnSpc>
-                <a:spcPct val="100000"/>
-              </a:lnSpc>
-            </a:pPr>
-            <a:fld id="{C800157A-0D5B-42DE-9D54-2C4249DF8C0E}" type="slidenum">
-              <a:rPr b="0" lang="en-US" sz="900" spc="-1" strike="noStrike">
-                <a:solidFill>
-                  <a:srgbClr val="3494ba"/>
-                </a:solidFill>
-                <a:latin typeface="Trebuchet MS"/>
-              </a:rPr>
-              <a:t>1</a:t>
-            </a:fld>
-            <a:endParaRPr b="0" lang="en-US" sz="900" spc="-1" strike="noStrike">
-              <a:latin typeface="Times New Roman"/>
-            </a:endParaRPr>
-          </a:p>
-        </p:txBody>
-      </p:sp>
-      <p:sp>
-        <p:nvSpPr>
-          <p:cNvPr id="78" name="PlaceHolder 16"/>
+            <a:endParaRPr b="0" lang="en-US" sz="1800" spc="-1" strike="noStrike">
+              <a:latin typeface="Arial"/>
+            </a:endParaRPr>
+          </a:p>
+        </p:txBody>
+      </p:sp>
+      <p:sp>
+        <p:nvSpPr>
+          <p:cNvPr id="72" name="PlaceHolder 13"/>
           <p:cNvSpPr>
             <a:spLocks noGrp="1"/>
           </p:cNvSpPr>
@@ -5239,19 +4705,13 @@
               <a:buChar char=""/>
             </a:pPr>
             <a:r>
-              <a:rPr b="0" lang="en-US" sz="1800" spc="-1" strike="noStrike">
-                <a:solidFill>
-                  <a:srgbClr val="404040"/>
-                </a:solidFill>
-                <a:latin typeface="Trebuchet MS"/>
+              <a:rPr b="0" lang="en-US" sz="3200" spc="-1" strike="noStrike">
+                <a:latin typeface="Arial"/>
               </a:rPr>
               <a:t>Click to edit the outline text format</a:t>
             </a:r>
-            <a:endParaRPr b="0" lang="en-US" sz="1800" spc="-1" strike="noStrike">
-              <a:solidFill>
-                <a:srgbClr val="404040"/>
-              </a:solidFill>
-              <a:latin typeface="Trebuchet MS"/>
+            <a:endParaRPr b="0" lang="en-US" sz="3200" spc="-1" strike="noStrike">
+              <a:latin typeface="Arial"/>
             </a:endParaRPr>
           </a:p>
           <a:p>
@@ -5267,19 +4727,13 @@
               <a:buChar char=""/>
             </a:pPr>
             <a:r>
-              <a:rPr b="0" lang="en-US" sz="1400" spc="-1" strike="noStrike">
-                <a:solidFill>
-                  <a:srgbClr val="404040"/>
-                </a:solidFill>
-                <a:latin typeface="Trebuchet MS"/>
+              <a:rPr b="0" lang="en-US" sz="2800" spc="-1" strike="noStrike">
+                <a:latin typeface="Arial"/>
               </a:rPr>
               <a:t>Second Outline Level</a:t>
             </a:r>
-            <a:endParaRPr b="0" lang="en-US" sz="1400" spc="-1" strike="noStrike">
-              <a:solidFill>
-                <a:srgbClr val="404040"/>
-              </a:solidFill>
-              <a:latin typeface="Trebuchet MS"/>
+            <a:endParaRPr b="0" lang="en-US" sz="2800" spc="-1" strike="noStrike">
+              <a:latin typeface="Arial"/>
             </a:endParaRPr>
           </a:p>
           <a:p>
@@ -5295,19 +4749,13 @@
               <a:buChar char=""/>
             </a:pPr>
             <a:r>
-              <a:rPr b="0" lang="en-US" sz="1200" spc="-1" strike="noStrike">
-                <a:solidFill>
-                  <a:srgbClr val="404040"/>
-                </a:solidFill>
-                <a:latin typeface="Trebuchet MS"/>
+              <a:rPr b="0" lang="en-US" sz="2400" spc="-1" strike="noStrike">
+                <a:latin typeface="Arial"/>
               </a:rPr>
               <a:t>Third Outline Level</a:t>
             </a:r>
-            <a:endParaRPr b="0" lang="en-US" sz="1200" spc="-1" strike="noStrike">
-              <a:solidFill>
-                <a:srgbClr val="404040"/>
-              </a:solidFill>
-              <a:latin typeface="Trebuchet MS"/>
+            <a:endParaRPr b="0" lang="en-US" sz="2400" spc="-1" strike="noStrike">
+              <a:latin typeface="Arial"/>
             </a:endParaRPr>
           </a:p>
           <a:p>
@@ -5323,19 +4771,13 @@
               <a:buChar char=""/>
             </a:pPr>
             <a:r>
-              <a:rPr b="0" lang="en-US" sz="1200" spc="-1" strike="noStrike">
-                <a:solidFill>
-                  <a:srgbClr val="404040"/>
-                </a:solidFill>
-                <a:latin typeface="Trebuchet MS"/>
+              <a:rPr b="0" lang="en-US" sz="2000" spc="-1" strike="noStrike">
+                <a:latin typeface="Arial"/>
               </a:rPr>
               <a:t>Fourth Outline Level</a:t>
             </a:r>
-            <a:endParaRPr b="0" lang="en-US" sz="1200" spc="-1" strike="noStrike">
-              <a:solidFill>
-                <a:srgbClr val="404040"/>
-              </a:solidFill>
-              <a:latin typeface="Trebuchet MS"/>
+            <a:endParaRPr b="0" lang="en-US" sz="2000" spc="-1" strike="noStrike">
+              <a:latin typeface="Arial"/>
             </a:endParaRPr>
           </a:p>
           <a:p>
@@ -5352,18 +4794,12 @@
             </a:pPr>
             <a:r>
               <a:rPr b="0" lang="en-US" sz="2000" spc="-1" strike="noStrike">
-                <a:solidFill>
-                  <a:srgbClr val="404040"/>
-                </a:solidFill>
-                <a:latin typeface="Trebuchet MS"/>
+                <a:latin typeface="Arial"/>
               </a:rPr>
               <a:t>Fifth Outline Level</a:t>
             </a:r>
             <a:endParaRPr b="0" lang="en-US" sz="2000" spc="-1" strike="noStrike">
-              <a:solidFill>
-                <a:srgbClr val="404040"/>
-              </a:solidFill>
-              <a:latin typeface="Trebuchet MS"/>
+              <a:latin typeface="Arial"/>
             </a:endParaRPr>
           </a:p>
           <a:p>
@@ -5380,18 +4816,12 @@
             </a:pPr>
             <a:r>
               <a:rPr b="0" lang="en-US" sz="2000" spc="-1" strike="noStrike">
-                <a:solidFill>
-                  <a:srgbClr val="404040"/>
-                </a:solidFill>
-                <a:latin typeface="Trebuchet MS"/>
+                <a:latin typeface="Arial"/>
               </a:rPr>
               <a:t>Sixth Outline Level</a:t>
             </a:r>
             <a:endParaRPr b="0" lang="en-US" sz="2000" spc="-1" strike="noStrike">
-              <a:solidFill>
-                <a:srgbClr val="404040"/>
-              </a:solidFill>
-              <a:latin typeface="Trebuchet MS"/>
+              <a:latin typeface="Arial"/>
             </a:endParaRPr>
           </a:p>
           <a:p>
@@ -5408,18 +4838,12 @@
             </a:pPr>
             <a:r>
               <a:rPr b="0" lang="en-US" sz="2000" spc="-1" strike="noStrike">
-                <a:solidFill>
-                  <a:srgbClr val="404040"/>
-                </a:solidFill>
-                <a:latin typeface="Trebuchet MS"/>
+                <a:latin typeface="Arial"/>
               </a:rPr>
               <a:t>Seventh Outline Level</a:t>
             </a:r>
             <a:endParaRPr b="0" lang="en-US" sz="2000" spc="-1" strike="noStrike">
-              <a:solidFill>
-                <a:srgbClr val="404040"/>
-              </a:solidFill>
-              <a:latin typeface="Trebuchet MS"/>
+              <a:latin typeface="Arial"/>
             </a:endParaRPr>
           </a:p>
         </p:txBody>
@@ -5463,14 +4887,14 @@
       </p:grpSpPr>
       <p:sp>
         <p:nvSpPr>
-          <p:cNvPr id="115" name="TextShape 1"/>
-          <p:cNvSpPr txBox="1"/>
+          <p:cNvPr id="109" name="CustomShape 1"/>
+          <p:cNvSpPr/>
           <p:nvPr/>
         </p:nvSpPr>
         <p:spPr>
           <a:xfrm>
             <a:off x="1506960" y="2404440"/>
-            <a:ext cx="7766640" cy="1645920"/>
+            <a:ext cx="7765560" cy="1644840"/>
           </a:xfrm>
           <a:prstGeom prst="rect">
             <a:avLst/>
@@ -5480,8 +4904,14 @@
             <a:noFill/>
           </a:ln>
         </p:spPr>
-        <p:txBody>
-          <a:bodyPr anchor="b"/>
+        <p:style>
+          <a:lnRef idx="0"/>
+          <a:fillRef idx="0"/>
+          <a:effectRef idx="0"/>
+          <a:fontRef idx="minor"/>
+        </p:style>
+        <p:txBody>
+          <a:bodyPr lIns="90000" rIns="90000" tIns="45000" bIns="45000" anchor="b"/>
           <a:p>
             <a:pPr algn="r">
               <a:lnSpc>
@@ -5494,46 +4924,26 @@
                   <a:srgbClr val="3494ba"/>
                 </a:solidFill>
                 <a:latin typeface="Trebuchet MS"/>
+                <a:ea typeface="DejaVu Sans"/>
               </a:rPr>
-              <a:t>Acceleromet</a:t>
-            </a:r>
-            <a:r>
-              <a:rPr b="0" lang="en-US" sz="5400" spc="-1" strike="noStrike">
-                <a:solidFill>
-                  <a:srgbClr val="3494ba"/>
-                </a:solidFill>
-                <a:latin typeface="Trebuchet MS"/>
-              </a:rPr>
-              <a:t>er Activity </a:t>
-            </a:r>
-            <a:r>
-              <a:rPr b="0" lang="en-US" sz="5400" spc="-1" strike="noStrike">
-                <a:solidFill>
-                  <a:srgbClr val="3494ba"/>
-                </a:solidFill>
-                <a:latin typeface="Trebuchet MS"/>
-              </a:rPr>
-              <a:t>Recognition</a:t>
+              <a:t>Accelerometer Activity Recognition</a:t>
             </a:r>
             <a:endParaRPr b="0" lang="en-US" sz="5400" spc="-1" strike="noStrike">
-              <a:solidFill>
-                <a:srgbClr val="000000"/>
-              </a:solidFill>
-              <a:latin typeface="Trebuchet MS"/>
-            </a:endParaRPr>
-          </a:p>
-        </p:txBody>
-      </p:sp>
-      <p:sp>
-        <p:nvSpPr>
-          <p:cNvPr id="116" name="TextShape 2"/>
-          <p:cNvSpPr txBox="1"/>
+              <a:latin typeface="Arial"/>
+            </a:endParaRPr>
+          </a:p>
+        </p:txBody>
+      </p:sp>
+      <p:sp>
+        <p:nvSpPr>
+          <p:cNvPr id="110" name="CustomShape 2"/>
+          <p:cNvSpPr/>
           <p:nvPr/>
         </p:nvSpPr>
         <p:spPr>
           <a:xfrm>
             <a:off x="1506960" y="4050720"/>
-            <a:ext cx="7766640" cy="1096560"/>
+            <a:ext cx="7765560" cy="1095480"/>
           </a:xfrm>
           <a:prstGeom prst="rect">
             <a:avLst/>
@@ -5543,8 +4953,14 @@
             <a:noFill/>
           </a:ln>
         </p:spPr>
-        <p:txBody>
-          <a:bodyPr/>
+        <p:style>
+          <a:lnRef idx="0"/>
+          <a:fillRef idx="0"/>
+          <a:effectRef idx="0"/>
+          <a:fontRef idx="minor"/>
+        </p:style>
+        <p:txBody>
+          <a:bodyPr lIns="90000" rIns="90000" tIns="45000" bIns="45000"/>
           <a:p>
             <a:pPr algn="r">
               <a:lnSpc>
@@ -5560,26 +4976,9 @@
                   <a:srgbClr val="808080"/>
                 </a:solidFill>
                 <a:latin typeface="Trebuchet MS"/>
+                <a:ea typeface="DejaVu Sans"/>
               </a:rPr>
-              <a:t>Made with </a:t>
-            </a:r>
-            <a:r>
-              <a:rPr b="0" lang="en-US" sz="1800" spc="-1" strike="noStrike">
-                <a:solidFill>
-                  <a:srgbClr val="808080"/>
-                </a:solidFill>
-                <a:latin typeface="Trebuchet MS"/>
-              </a:rPr>
-              <a:t>ThingsBoard and </a:t>
-            </a:r>
-            <a:r>
-              <a:rPr b="0" lang="en-US" sz="1800" spc="-1" strike="noStrike">
-                <a:solidFill>
-                  <a:srgbClr val="808080"/>
-                </a:solidFill>
-                <a:latin typeface="Trebuchet MS"/>
-              </a:rPr>
-              <a:t>Node.js</a:t>
+              <a:t>Made with ThingsBoard and Node.js</a:t>
             </a:r>
             <a:endParaRPr b="0" lang="en-US" sz="1800" spc="-1" strike="noStrike">
               <a:latin typeface="Arial"/>
@@ -5638,14 +5037,14 @@
       </p:grpSpPr>
       <p:sp>
         <p:nvSpPr>
-          <p:cNvPr id="206" name="TextShape 1"/>
-          <p:cNvSpPr txBox="1"/>
+          <p:cNvPr id="200" name="CustomShape 1"/>
+          <p:cNvSpPr/>
           <p:nvPr/>
         </p:nvSpPr>
         <p:spPr>
           <a:xfrm>
             <a:off x="677160" y="609480"/>
-            <a:ext cx="8596440" cy="1320480"/>
+            <a:ext cx="8595360" cy="1319400"/>
           </a:xfrm>
           <a:prstGeom prst="rect">
             <a:avLst/>
@@ -5655,8 +5054,14 @@
             <a:noFill/>
           </a:ln>
         </p:spPr>
-        <p:txBody>
-          <a:bodyPr/>
+        <p:style>
+          <a:lnRef idx="0"/>
+          <a:fillRef idx="0"/>
+          <a:effectRef idx="0"/>
+          <a:fontRef idx="minor"/>
+        </p:style>
+        <p:txBody>
+          <a:bodyPr lIns="90000" rIns="90000" tIns="45000" bIns="45000"/>
           <a:p>
             <a:pPr>
               <a:lnSpc>
@@ -5669,21 +5074,19 @@
                   <a:srgbClr val="3494ba"/>
                 </a:solidFill>
                 <a:latin typeface="Trebuchet MS"/>
+                <a:ea typeface="DejaVu Sans"/>
               </a:rPr>
               <a:t>Technology: ThingsBoard</a:t>
             </a:r>
             <a:endParaRPr b="0" lang="en-US" sz="3600" spc="-1" strike="noStrike">
-              <a:solidFill>
-                <a:srgbClr val="000000"/>
-              </a:solidFill>
-              <a:latin typeface="Trebuchet MS"/>
+              <a:latin typeface="Arial"/>
             </a:endParaRPr>
           </a:p>
         </p:txBody>
       </p:sp>
       <p:pic>
         <p:nvPicPr>
-          <p:cNvPr id="207" name="Immagine 3" descr=""/>
+          <p:cNvPr id="201" name="Immagine 3" descr=""/>
           <p:cNvPicPr/>
           <p:nvPr/>
         </p:nvPicPr>
@@ -5694,7 +5097,7 @@
         <p:spPr>
           <a:xfrm>
             <a:off x="1001160" y="1930320"/>
-            <a:ext cx="2819160" cy="2819160"/>
+            <a:ext cx="2818080" cy="2818080"/>
           </a:xfrm>
           <a:prstGeom prst="rect">
             <a:avLst/>
@@ -5706,14 +5109,14 @@
       </p:pic>
       <p:sp>
         <p:nvSpPr>
-          <p:cNvPr id="208" name="CustomShape 2"/>
+          <p:cNvPr id="202" name="CustomShape 2"/>
           <p:cNvSpPr/>
           <p:nvPr/>
         </p:nvSpPr>
         <p:spPr>
           <a:xfrm>
             <a:off x="4572000" y="1724040"/>
-            <a:ext cx="4701600" cy="4053600"/>
+            <a:ext cx="4700520" cy="4052520"/>
           </a:xfrm>
           <a:prstGeom prst="rect">
             <a:avLst/>
@@ -5732,7 +5135,7 @@
         <p:txBody>
           <a:bodyPr lIns="90000" rIns="90000" tIns="45000" bIns="45000"/>
           <a:p>
-            <a:pPr marL="285840" indent="-285480">
+            <a:pPr marL="285840" indent="-284400">
               <a:lnSpc>
                 <a:spcPct val="100000"/>
               </a:lnSpc>
@@ -5748,6 +5151,7 @@
                   <a:srgbClr val="000000"/>
                 </a:solidFill>
                 <a:latin typeface="Trebuchet MS"/>
+                <a:ea typeface="DejaVu Sans"/>
               </a:rPr>
               <a:t>ThingsBoard is an open-source IoT platform to collect, process, visualize data and manage devices.</a:t>
             </a:r>
@@ -5766,7 +5170,7 @@
             </a:endParaRPr>
           </a:p>
           <a:p>
-            <a:pPr marL="285840" indent="-285480">
+            <a:pPr marL="285840" indent="-284400">
               <a:lnSpc>
                 <a:spcPct val="100000"/>
               </a:lnSpc>
@@ -5782,6 +5186,7 @@
                   <a:srgbClr val="000000"/>
                 </a:solidFill>
                 <a:latin typeface="Trebuchet MS"/>
+                <a:ea typeface="DejaVu Sans"/>
               </a:rPr>
               <a:t>Enables connectivity through standard IoT protocols like CoAP, HTTP, MQTT and supports cloud deployment.</a:t>
             </a:r>
@@ -5800,7 +5205,7 @@
             </a:endParaRPr>
           </a:p>
           <a:p>
-            <a:pPr marL="285840" indent="-285480">
+            <a:pPr marL="285840" indent="-284400">
               <a:lnSpc>
                 <a:spcPct val="100000"/>
               </a:lnSpc>
@@ -5816,6 +5221,7 @@
                   <a:srgbClr val="000000"/>
                 </a:solidFill>
                 <a:latin typeface="Trebuchet MS"/>
+                <a:ea typeface="DejaVu Sans"/>
               </a:rPr>
               <a:t>The pillars of this platform are scalability, fault-tolerance and performance.</a:t>
             </a:r>
@@ -5876,14 +5282,14 @@
       </p:grpSpPr>
       <p:sp>
         <p:nvSpPr>
-          <p:cNvPr id="209" name="TextShape 1"/>
-          <p:cNvSpPr txBox="1"/>
+          <p:cNvPr id="203" name="CustomShape 1"/>
+          <p:cNvSpPr/>
           <p:nvPr/>
         </p:nvSpPr>
         <p:spPr>
           <a:xfrm>
             <a:off x="677160" y="609480"/>
-            <a:ext cx="8596440" cy="1320480"/>
+            <a:ext cx="8595360" cy="1319400"/>
           </a:xfrm>
           <a:prstGeom prst="rect">
             <a:avLst/>
@@ -5893,8 +5299,14 @@
             <a:noFill/>
           </a:ln>
         </p:spPr>
-        <p:txBody>
-          <a:bodyPr>
+        <p:style>
+          <a:lnRef idx="0"/>
+          <a:fillRef idx="0"/>
+          <a:effectRef idx="0"/>
+          <a:fontRef idx="minor"/>
+        </p:style>
+        <p:txBody>
+          <a:bodyPr lIns="90000" rIns="90000" tIns="45000" bIns="45000">
             <a:normAutofit/>
           </a:bodyPr>
           <a:p>
@@ -5909,28 +5321,26 @@
                   <a:srgbClr val="3494ba"/>
                 </a:solidFill>
                 <a:latin typeface="Trebuchet MS"/>
+                <a:ea typeface="DejaVu Sans"/>
               </a:rPr>
               <a:t>References</a:t>
             </a:r>
             <a:endParaRPr b="0" lang="en-US" sz="4400" spc="-1" strike="noStrike">
-              <a:solidFill>
-                <a:srgbClr val="000000"/>
-              </a:solidFill>
-              <a:latin typeface="Trebuchet MS"/>
-            </a:endParaRPr>
-          </a:p>
-        </p:txBody>
-      </p:sp>
-      <p:sp>
-        <p:nvSpPr>
-          <p:cNvPr id="210" name="CustomShape 2"/>
+              <a:latin typeface="Arial"/>
+            </a:endParaRPr>
+          </a:p>
+        </p:txBody>
+      </p:sp>
+      <p:sp>
+        <p:nvSpPr>
+          <p:cNvPr id="204" name="CustomShape 2"/>
           <p:cNvSpPr/>
           <p:nvPr/>
         </p:nvSpPr>
         <p:spPr>
           <a:xfrm>
             <a:off x="694440" y="1619280"/>
-            <a:ext cx="8366760" cy="4664160"/>
+            <a:ext cx="8365680" cy="4663080"/>
           </a:xfrm>
           <a:prstGeom prst="rect">
             <a:avLst/>
@@ -5949,7 +5359,7 @@
         <p:txBody>
           <a:bodyPr wrap="none" lIns="90000" rIns="90000" tIns="45000" bIns="45000"/>
           <a:p>
-            <a:pPr marL="285840" indent="-285480">
+            <a:pPr marL="285840" indent="-284400">
               <a:lnSpc>
                 <a:spcPct val="100000"/>
               </a:lnSpc>
@@ -5965,6 +5375,7 @@
                   <a:srgbClr val="000000"/>
                 </a:solidFill>
                 <a:latin typeface="Trebuchet MS"/>
+                <a:ea typeface="DejaVu Sans"/>
               </a:rPr>
               <a:t>Generic Sensor API: </a:t>
             </a:r>
@@ -5975,6 +5386,7 @@
                 </a:solidFill>
                 <a:uFillTx/>
                 <a:latin typeface="Trebuchet MS"/>
+                <a:ea typeface="DejaVu Sans"/>
                 <a:hlinkClick r:id="rId1"/>
               </a:rPr>
               <a:t>https://w3c.github.io/sensors/</a:t>
@@ -5994,7 +5406,7 @@
             </a:endParaRPr>
           </a:p>
           <a:p>
-            <a:pPr marL="343080" indent="-342720">
+            <a:pPr marL="343080" indent="-341640">
               <a:lnSpc>
                 <a:spcPct val="100000"/>
               </a:lnSpc>
@@ -6010,6 +5422,7 @@
                   <a:srgbClr val="000000"/>
                 </a:solidFill>
                 <a:latin typeface="Trebuchet MS"/>
+                <a:ea typeface="DejaVu Sans"/>
               </a:rPr>
               <a:t>HTML: </a:t>
             </a:r>
@@ -6020,6 +5433,7 @@
                 </a:solidFill>
                 <a:uFillTx/>
                 <a:latin typeface="Trebuchet MS"/>
+                <a:ea typeface="DejaVu Sans"/>
                 <a:hlinkClick r:id="rId2"/>
               </a:rPr>
               <a:t>https://html.spec.whatwg.org/multipage/</a:t>
@@ -6039,7 +5453,7 @@
             </a:endParaRPr>
           </a:p>
           <a:p>
-            <a:pPr marL="343080" indent="-342720">
+            <a:pPr marL="343080" indent="-341640">
               <a:lnSpc>
                 <a:spcPct val="100000"/>
               </a:lnSpc>
@@ -6055,6 +5469,7 @@
                   <a:srgbClr val="000000"/>
                 </a:solidFill>
                 <a:latin typeface="Trebuchet MS"/>
+                <a:ea typeface="DejaVu Sans"/>
               </a:rPr>
               <a:t>JavaScript: </a:t>
             </a:r>
@@ -6065,6 +5480,7 @@
                 </a:solidFill>
                 <a:uFillTx/>
                 <a:latin typeface="Trebuchet MS"/>
+                <a:ea typeface="DejaVu Sans"/>
                 <a:hlinkClick r:id="rId3"/>
               </a:rPr>
               <a:t>https://en.wikipedia.org/wiki/JavaScript</a:t>
@@ -6084,7 +5500,7 @@
             </a:endParaRPr>
           </a:p>
           <a:p>
-            <a:pPr marL="343080" indent="-342720">
+            <a:pPr marL="343080" indent="-341640">
               <a:lnSpc>
                 <a:spcPct val="100000"/>
               </a:lnSpc>
@@ -6100,6 +5516,7 @@
                   <a:srgbClr val="000000"/>
                 </a:solidFill>
                 <a:latin typeface="Trebuchet MS"/>
+                <a:ea typeface="DejaVu Sans"/>
               </a:rPr>
               <a:t>Google Chrome: </a:t>
             </a:r>
@@ -6110,6 +5527,7 @@
                 </a:solidFill>
                 <a:uFillTx/>
                 <a:latin typeface="Trebuchet MS"/>
+                <a:ea typeface="DejaVu Sans"/>
                 <a:hlinkClick r:id="rId4"/>
               </a:rPr>
               <a:t>https://en.wikipedia.org/wiki/Google_Chrome</a:t>
@@ -6129,7 +5547,7 @@
             </a:endParaRPr>
           </a:p>
           <a:p>
-            <a:pPr marL="285840" indent="-285480">
+            <a:pPr marL="285840" indent="-284400">
               <a:lnSpc>
                 <a:spcPct val="100000"/>
               </a:lnSpc>
@@ -6145,6 +5563,7 @@
                   <a:srgbClr val="000000"/>
                 </a:solidFill>
                 <a:latin typeface="Trebuchet MS"/>
+                <a:ea typeface="DejaVu Sans"/>
               </a:rPr>
               <a:t>Node.js: </a:t>
             </a:r>
@@ -6155,6 +5574,7 @@
                 </a:solidFill>
                 <a:uFillTx/>
                 <a:latin typeface="Trebuchet MS"/>
+                <a:ea typeface="DejaVu Sans"/>
                 <a:hlinkClick r:id="rId5"/>
               </a:rPr>
               <a:t>https://nodejs.org/en</a:t>
@@ -6174,7 +5594,7 @@
             </a:endParaRPr>
           </a:p>
           <a:p>
-            <a:pPr marL="285840" indent="-285480">
+            <a:pPr marL="285840" indent="-284400">
               <a:lnSpc>
                 <a:spcPct val="100000"/>
               </a:lnSpc>
@@ -6190,6 +5610,7 @@
                   <a:srgbClr val="000000"/>
                 </a:solidFill>
                 <a:latin typeface="Trebuchet MS"/>
+                <a:ea typeface="DejaVu Sans"/>
               </a:rPr>
               <a:t>MQTT: </a:t>
             </a:r>
@@ -6200,6 +5621,7 @@
                 </a:solidFill>
                 <a:uFillTx/>
                 <a:latin typeface="Trebuchet MS"/>
+                <a:ea typeface="DejaVu Sans"/>
                 <a:hlinkClick r:id="rId6"/>
               </a:rPr>
               <a:t>https://mqtt.org/</a:t>
@@ -6219,7 +5641,7 @@
             </a:endParaRPr>
           </a:p>
           <a:p>
-            <a:pPr marL="285840" indent="-285480">
+            <a:pPr marL="285840" indent="-284400">
               <a:lnSpc>
                 <a:spcPct val="100000"/>
               </a:lnSpc>
@@ -6235,6 +5657,7 @@
                   <a:srgbClr val="000000"/>
                 </a:solidFill>
                 <a:latin typeface="Trebuchet MS"/>
+                <a:ea typeface="DejaVu Sans"/>
               </a:rPr>
               <a:t>Heroku: </a:t>
             </a:r>
@@ -6245,6 +5668,7 @@
                 </a:solidFill>
                 <a:uFillTx/>
                 <a:latin typeface="Trebuchet MS"/>
+                <a:ea typeface="DejaVu Sans"/>
                 <a:hlinkClick r:id="rId7"/>
               </a:rPr>
               <a:t>https://www.heroku.com/</a:t>
@@ -6264,7 +5688,7 @@
             </a:endParaRPr>
           </a:p>
           <a:p>
-            <a:pPr marL="285840" indent="-285480">
+            <a:pPr marL="285840" indent="-284400">
               <a:lnSpc>
                 <a:spcPct val="100000"/>
               </a:lnSpc>
@@ -6280,6 +5704,7 @@
                   <a:srgbClr val="000000"/>
                 </a:solidFill>
                 <a:latin typeface="Trebuchet MS"/>
+                <a:ea typeface="DejaVu Sans"/>
               </a:rPr>
               <a:t>ThingsBoard: </a:t>
             </a:r>
@@ -6290,6 +5715,7 @@
                 </a:solidFill>
                 <a:uFillTx/>
                 <a:latin typeface="Trebuchet MS"/>
+                <a:ea typeface="DejaVu Sans"/>
               </a:rPr>
               <a:t>https://thingsboard.io</a:t>
             </a:r>
@@ -6350,14 +5776,14 @@
       </p:grpSpPr>
       <p:sp>
         <p:nvSpPr>
-          <p:cNvPr id="211" name="TextShape 1"/>
-          <p:cNvSpPr txBox="1"/>
+          <p:cNvPr id="205" name="CustomShape 1"/>
+          <p:cNvSpPr/>
           <p:nvPr/>
         </p:nvSpPr>
         <p:spPr>
           <a:xfrm>
             <a:off x="791640" y="2333520"/>
-            <a:ext cx="8596440" cy="1320480"/>
+            <a:ext cx="8595360" cy="1319400"/>
           </a:xfrm>
           <a:prstGeom prst="rect">
             <a:avLst/>
@@ -6367,8 +5793,14 @@
             <a:noFill/>
           </a:ln>
         </p:spPr>
-        <p:txBody>
-          <a:bodyPr>
+        <p:style>
+          <a:lnRef idx="0"/>
+          <a:fillRef idx="0"/>
+          <a:effectRef idx="0"/>
+          <a:fontRef idx="minor"/>
+        </p:style>
+        <p:txBody>
+          <a:bodyPr lIns="90000" rIns="90000" tIns="45000" bIns="45000">
             <a:normAutofit/>
           </a:bodyPr>
           <a:p>
@@ -6383,14 +5815,12 @@
                   <a:srgbClr val="3494ba"/>
                 </a:solidFill>
                 <a:latin typeface="Trebuchet MS"/>
+                <a:ea typeface="DejaVu Sans"/>
               </a:rPr>
               <a:t>Thank you for you attention!</a:t>
             </a:r>
             <a:endParaRPr b="0" lang="en-US" sz="5400" spc="-1" strike="noStrike">
-              <a:solidFill>
-                <a:srgbClr val="000000"/>
-              </a:solidFill>
-              <a:latin typeface="Trebuchet MS"/>
+              <a:latin typeface="Arial"/>
             </a:endParaRPr>
           </a:p>
         </p:txBody>
@@ -6446,14 +5876,14 @@
       </p:grpSpPr>
       <p:sp>
         <p:nvSpPr>
-          <p:cNvPr id="117" name="TextShape 1"/>
-          <p:cNvSpPr txBox="1"/>
+          <p:cNvPr id="111" name="CustomShape 1"/>
+          <p:cNvSpPr/>
           <p:nvPr/>
         </p:nvSpPr>
         <p:spPr>
           <a:xfrm>
             <a:off x="677160" y="609480"/>
-            <a:ext cx="8596440" cy="1320480"/>
+            <a:ext cx="8595360" cy="1319400"/>
           </a:xfrm>
           <a:prstGeom prst="rect">
             <a:avLst/>
@@ -6463,8 +5893,14 @@
             <a:noFill/>
           </a:ln>
         </p:spPr>
-        <p:txBody>
-          <a:bodyPr/>
+        <p:style>
+          <a:lnRef idx="0"/>
+          <a:fillRef idx="0"/>
+          <a:effectRef idx="0"/>
+          <a:fontRef idx="minor"/>
+        </p:style>
+        <p:txBody>
+          <a:bodyPr lIns="90000" rIns="90000" tIns="45000" bIns="45000"/>
           <a:p>
             <a:pPr>
               <a:lnSpc>
@@ -6477,37 +5913,26 @@
                   <a:srgbClr val="3494ba"/>
                 </a:solidFill>
                 <a:latin typeface="Trebuchet MS"/>
+                <a:ea typeface="DejaVu Sans"/>
               </a:rPr>
-              <a:t>Main </a:t>
-            </a:r>
-            <a:r>
-              <a:rPr b="0" lang="en-US" sz="3600" spc="-1" strike="noStrike">
-                <a:solidFill>
-                  <a:srgbClr val="3494ba"/>
-                </a:solidFill>
-                <a:latin typeface="Trebuchet MS"/>
-              </a:rPr>
-              <a:t>idea</a:t>
+              <a:t>Main idea</a:t>
             </a:r>
             <a:endParaRPr b="0" lang="en-US" sz="3600" spc="-1" strike="noStrike">
-              <a:solidFill>
-                <a:srgbClr val="000000"/>
-              </a:solidFill>
-              <a:latin typeface="Trebuchet MS"/>
-            </a:endParaRPr>
-          </a:p>
-        </p:txBody>
-      </p:sp>
-      <p:sp>
-        <p:nvSpPr>
-          <p:cNvPr id="118" name="CustomShape 2"/>
+              <a:latin typeface="Arial"/>
+            </a:endParaRPr>
+          </a:p>
+        </p:txBody>
+      </p:sp>
+      <p:sp>
+        <p:nvSpPr>
+          <p:cNvPr id="112" name="CustomShape 2"/>
           <p:cNvSpPr/>
           <p:nvPr/>
         </p:nvSpPr>
         <p:spPr>
           <a:xfrm>
             <a:off x="457200" y="1463040"/>
-            <a:ext cx="9252000" cy="5302440"/>
+            <a:ext cx="9250920" cy="5301360"/>
           </a:xfrm>
           <a:prstGeom prst="rect">
             <a:avLst/>
@@ -6526,7 +5951,7 @@
         <p:txBody>
           <a:bodyPr lIns="90000" rIns="90000" tIns="45000" bIns="45000"/>
           <a:p>
-            <a:pPr marL="285840" indent="-285480">
+            <a:pPr marL="285840" indent="-284400">
               <a:lnSpc>
                 <a:spcPct val="100000"/>
               </a:lnSpc>
@@ -6542,6 +5967,7 @@
                   <a:srgbClr val="000000"/>
                 </a:solidFill>
                 <a:latin typeface="Trebuchet MS"/>
+                <a:ea typeface="DejaVu Sans"/>
               </a:rPr>
               <a:t>We want to build a web application that collects data from the accelerometer in a mobile phone and does some activity recognition (it will be possible to see if the user is standing still, is walking or if he’s running).</a:t>
             </a:r>
@@ -6560,7 +5986,7 @@
             </a:endParaRPr>
           </a:p>
           <a:p>
-            <a:pPr marL="285840" indent="-285480">
+            <a:pPr marL="285840" indent="-284400">
               <a:lnSpc>
                 <a:spcPct val="100000"/>
               </a:lnSpc>
@@ -6576,6 +6002,7 @@
                   <a:srgbClr val="000000"/>
                 </a:solidFill>
                 <a:latin typeface="Trebuchet MS"/>
+                <a:ea typeface="DejaVu Sans"/>
               </a:rPr>
               <a:t>Cloud-based deployment: activity recognition is done in the cloud platform when new data arrives.</a:t>
             </a:r>
@@ -6595,6 +6022,7 @@
                   <a:srgbClr val="000000"/>
                 </a:solidFill>
                 <a:latin typeface="Trebuchet MS"/>
+                <a:ea typeface="DejaVu Sans"/>
               </a:rPr>
               <a:t>    </a:t>
             </a:r>
@@ -6604,6 +6032,7 @@
                   <a:srgbClr val="000000"/>
                 </a:solidFill>
                 <a:latin typeface="Trebuchet MS"/>
+                <a:ea typeface="DejaVu Sans"/>
               </a:rPr>
               <a:t>The data is visualized  in the dashboard we used for the previous</a:t>
             </a:r>
@@ -6623,6 +6052,7 @@
                   <a:srgbClr val="000000"/>
                 </a:solidFill>
                 <a:latin typeface="Trebuchet MS"/>
+                <a:ea typeface="DejaVu Sans"/>
               </a:rPr>
               <a:t>    </a:t>
             </a:r>
@@ -6632,6 +6062,7 @@
                   <a:srgbClr val="000000"/>
                 </a:solidFill>
                 <a:latin typeface="Trebuchet MS"/>
+                <a:ea typeface="DejaVu Sans"/>
               </a:rPr>
               <a:t>assignments, where we’ll see the latest values collected and the activity  </a:t>
             </a:r>
@@ -6651,6 +6082,7 @@
                   <a:srgbClr val="000000"/>
                 </a:solidFill>
                 <a:latin typeface="Trebuchet MS"/>
+                <a:ea typeface="DejaVu Sans"/>
               </a:rPr>
               <a:t>    </a:t>
             </a:r>
@@ -6660,6 +6092,7 @@
                   <a:srgbClr val="000000"/>
                 </a:solidFill>
                 <a:latin typeface="Trebuchet MS"/>
+                <a:ea typeface="DejaVu Sans"/>
               </a:rPr>
               <a:t>detected, together with the history of the values collected in the last hour </a:t>
             </a:r>
@@ -6679,6 +6112,7 @@
                   <a:srgbClr val="000000"/>
                 </a:solidFill>
                 <a:latin typeface="Trebuchet MS"/>
+                <a:ea typeface="DejaVu Sans"/>
               </a:rPr>
               <a:t>    </a:t>
             </a:r>
@@ -6688,6 +6122,7 @@
                   <a:srgbClr val="000000"/>
                 </a:solidFill>
                 <a:latin typeface="Trebuchet MS"/>
+                <a:ea typeface="DejaVu Sans"/>
               </a:rPr>
               <a:t>and the resulting activity.</a:t>
             </a:r>
@@ -6706,7 +6141,7 @@
             </a:endParaRPr>
           </a:p>
           <a:p>
-            <a:pPr marL="285840" indent="-285480">
+            <a:pPr marL="285840" indent="-284400">
               <a:lnSpc>
                 <a:spcPct val="100000"/>
               </a:lnSpc>
@@ -6722,6 +6157,7 @@
                   <a:srgbClr val="000000"/>
                 </a:solidFill>
                 <a:latin typeface="Trebuchet MS"/>
+                <a:ea typeface="DejaVu Sans"/>
               </a:rPr>
               <a:t>Edge-based deployment: activity recognition is done in the mobile phone, when new values are read from the accelerometer, and then the data is sent to the cloud platform.</a:t>
             </a:r>
@@ -6741,6 +6177,7 @@
                   <a:srgbClr val="000000"/>
                 </a:solidFill>
                 <a:latin typeface="Trebuchet MS"/>
+                <a:ea typeface="DejaVu Sans"/>
               </a:rPr>
               <a:t>    </a:t>
             </a:r>
@@ -6750,6 +6187,7 @@
                   <a:srgbClr val="000000"/>
                 </a:solidFill>
                 <a:latin typeface="Trebuchet MS"/>
+                <a:ea typeface="DejaVu Sans"/>
               </a:rPr>
               <a:t>The activity detected will be visualized in real time on the page displayed to </a:t>
             </a:r>
@@ -6769,6 +6207,7 @@
                   <a:srgbClr val="000000"/>
                 </a:solidFill>
                 <a:latin typeface="Trebuchet MS"/>
+                <a:ea typeface="DejaVu Sans"/>
               </a:rPr>
               <a:t>    </a:t>
             </a:r>
@@ -6778,6 +6217,7 @@
                   <a:srgbClr val="000000"/>
                 </a:solidFill>
                 <a:latin typeface="Trebuchet MS"/>
+                <a:ea typeface="DejaVu Sans"/>
               </a:rPr>
               <a:t>the user, and it will also be possible to look at the activities collected during </a:t>
             </a:r>
@@ -6797,6 +6237,7 @@
                   <a:srgbClr val="000000"/>
                 </a:solidFill>
                 <a:latin typeface="Trebuchet MS"/>
+                <a:ea typeface="DejaVu Sans"/>
               </a:rPr>
               <a:t>    </a:t>
             </a:r>
@@ -6806,6 +6247,7 @@
                   <a:srgbClr val="000000"/>
                 </a:solidFill>
                 <a:latin typeface="Trebuchet MS"/>
+                <a:ea typeface="DejaVu Sans"/>
               </a:rPr>
               <a:t>the last hour.</a:t>
             </a:r>
@@ -6835,6 +6277,7 @@
                   <a:srgbClr val="000000"/>
                 </a:solidFill>
                 <a:latin typeface="Trebuchet MS"/>
+                <a:ea typeface="DejaVu Sans"/>
               </a:rPr>
               <a:t> </a:t>
             </a:r>
@@ -6895,7 +6338,7 @@
       </p:grpSpPr>
       <p:pic>
         <p:nvPicPr>
-          <p:cNvPr id="119" name="Immagine 42" descr=""/>
+          <p:cNvPr id="113" name="Immagine 42" descr=""/>
           <p:cNvPicPr/>
           <p:nvPr/>
         </p:nvPicPr>
@@ -6906,7 +6349,7 @@
         <p:spPr>
           <a:xfrm>
             <a:off x="6411960" y="4284000"/>
-            <a:ext cx="599400" cy="599400"/>
+            <a:ext cx="598320" cy="598320"/>
           </a:xfrm>
           <a:prstGeom prst="rect">
             <a:avLst/>
@@ -6918,14 +6361,14 @@
       </p:pic>
       <p:sp>
         <p:nvSpPr>
-          <p:cNvPr id="120" name="CustomShape 1"/>
+          <p:cNvPr id="114" name="CustomShape 1"/>
           <p:cNvSpPr/>
           <p:nvPr/>
         </p:nvSpPr>
         <p:spPr>
           <a:xfrm>
             <a:off x="6382440" y="4229280"/>
-            <a:ext cx="658800" cy="695880"/>
+            <a:ext cx="657720" cy="694800"/>
           </a:xfrm>
           <a:prstGeom prst="ellipse">
             <a:avLst/>
@@ -6955,14 +6398,14 @@
       </p:sp>
       <p:sp>
         <p:nvSpPr>
-          <p:cNvPr id="121" name="CustomShape 2"/>
+          <p:cNvPr id="115" name="CustomShape 2"/>
           <p:cNvSpPr/>
           <p:nvPr/>
         </p:nvSpPr>
         <p:spPr>
           <a:xfrm>
             <a:off x="6750360" y="4724280"/>
-            <a:ext cx="1114200" cy="1283400"/>
+            <a:ext cx="1113120" cy="1282320"/>
           </a:xfrm>
           <a:prstGeom prst="roundRect">
             <a:avLst>
@@ -6996,14 +6439,14 @@
       </p:sp>
       <p:sp>
         <p:nvSpPr>
-          <p:cNvPr id="122" name="CustomShape 3"/>
+          <p:cNvPr id="116" name="CustomShape 3"/>
           <p:cNvSpPr/>
           <p:nvPr/>
         </p:nvSpPr>
         <p:spPr>
           <a:xfrm>
             <a:off x="9235440" y="4205880"/>
-            <a:ext cx="2743200" cy="369000"/>
+            <a:ext cx="2742120" cy="367920"/>
           </a:xfrm>
           <a:prstGeom prst="roundRect">
             <a:avLst>
@@ -7039,14 +6482,14 @@
       </p:sp>
       <p:sp>
         <p:nvSpPr>
-          <p:cNvPr id="123" name="CustomShape 4"/>
+          <p:cNvPr id="117" name="CustomShape 4"/>
           <p:cNvSpPr/>
           <p:nvPr/>
         </p:nvSpPr>
         <p:spPr>
           <a:xfrm>
             <a:off x="5852160" y="3885120"/>
-            <a:ext cx="1692720" cy="273600"/>
+            <a:ext cx="1691640" cy="272520"/>
           </a:xfrm>
           <a:prstGeom prst="roundRect">
             <a:avLst>
@@ -7080,14 +6523,14 @@
       </p:sp>
       <p:sp>
         <p:nvSpPr>
-          <p:cNvPr id="124" name="CustomShape 5"/>
+          <p:cNvPr id="118" name="CustomShape 5"/>
           <p:cNvSpPr/>
           <p:nvPr/>
         </p:nvSpPr>
         <p:spPr>
           <a:xfrm>
             <a:off x="1238400" y="6228000"/>
-            <a:ext cx="1755360" cy="333720"/>
+            <a:ext cx="1754280" cy="332640"/>
           </a:xfrm>
           <a:prstGeom prst="roundRect">
             <a:avLst>
@@ -7132,6 +6575,7 @@
                   <a:srgbClr val="ffffff"/>
                 </a:solidFill>
                 <a:latin typeface="Trebuchet MS"/>
+                <a:ea typeface="DejaVu Sans"/>
               </a:rPr>
               <a:t>A</a:t>
             </a:r>
@@ -7143,14 +6587,14 @@
       </p:sp>
       <p:sp>
         <p:nvSpPr>
-          <p:cNvPr id="125" name="CustomShape 6"/>
+          <p:cNvPr id="119" name="CustomShape 6"/>
           <p:cNvSpPr/>
           <p:nvPr/>
         </p:nvSpPr>
         <p:spPr>
           <a:xfrm>
             <a:off x="5893560" y="6152040"/>
-            <a:ext cx="2688120" cy="409680"/>
+            <a:ext cx="2687040" cy="408600"/>
           </a:xfrm>
           <a:prstGeom prst="roundRect">
             <a:avLst>
@@ -7184,7 +6628,7 @@
       </p:sp>
       <p:pic>
         <p:nvPicPr>
-          <p:cNvPr id="126" name="Immagine 21" descr=""/>
+          <p:cNvPr id="120" name="Immagine 21" descr=""/>
           <p:cNvPicPr/>
           <p:nvPr/>
         </p:nvPicPr>
@@ -7195,7 +6639,7 @@
         <p:spPr>
           <a:xfrm>
             <a:off x="6527880" y="378720"/>
-            <a:ext cx="4734000" cy="3441240"/>
+            <a:ext cx="4732920" cy="3440160"/>
           </a:xfrm>
           <a:prstGeom prst="rect">
             <a:avLst/>
@@ -7207,7 +6651,7 @@
       </p:pic>
       <p:pic>
         <p:nvPicPr>
-          <p:cNvPr id="127" name="Immagine 22" descr=""/>
+          <p:cNvPr id="121" name="Immagine 22" descr=""/>
           <p:cNvPicPr/>
           <p:nvPr/>
         </p:nvPicPr>
@@ -7218,7 +6662,7 @@
         <p:spPr>
           <a:xfrm>
             <a:off x="8308800" y="1503000"/>
-            <a:ext cx="1485720" cy="1485720"/>
+            <a:ext cx="1484640" cy="1484640"/>
           </a:xfrm>
           <a:prstGeom prst="rect">
             <a:avLst/>
@@ -7230,14 +6674,14 @@
       </p:pic>
       <p:sp>
         <p:nvSpPr>
-          <p:cNvPr id="128" name="CustomShape 7"/>
+          <p:cNvPr id="122" name="CustomShape 7"/>
           <p:cNvSpPr/>
           <p:nvPr/>
         </p:nvSpPr>
         <p:spPr>
           <a:xfrm>
             <a:off x="5760720" y="3841560"/>
-            <a:ext cx="1843920" cy="364680"/>
+            <a:ext cx="1842840" cy="363600"/>
           </a:xfrm>
           <a:prstGeom prst="rect">
             <a:avLst/>
@@ -7267,6 +6711,7 @@
                   <a:srgbClr val="000000"/>
                 </a:solidFill>
                 <a:latin typeface="Trebuchet MS"/>
+                <a:ea typeface="DejaVu Sans"/>
               </a:rPr>
               <a:t>MQTT Channel</a:t>
             </a:r>
@@ -7278,7 +6723,7 @@
       </p:sp>
       <p:pic>
         <p:nvPicPr>
-          <p:cNvPr id="129" name="Immagine 26" descr=""/>
+          <p:cNvPr id="123" name="Immagine 26" descr=""/>
           <p:cNvPicPr/>
           <p:nvPr/>
         </p:nvPicPr>
@@ -7289,7 +6734,7 @@
         <p:spPr>
           <a:xfrm>
             <a:off x="9051480" y="2939040"/>
-            <a:ext cx="3043440" cy="1217160"/>
+            <a:ext cx="3042360" cy="1216080"/>
           </a:xfrm>
           <a:prstGeom prst="rect">
             <a:avLst/>
@@ -7301,14 +6746,14 @@
       </p:pic>
       <p:sp>
         <p:nvSpPr>
-          <p:cNvPr id="130" name="CustomShape 8"/>
+          <p:cNvPr id="124" name="CustomShape 8"/>
           <p:cNvSpPr/>
           <p:nvPr/>
         </p:nvSpPr>
         <p:spPr>
           <a:xfrm>
             <a:off x="9147240" y="4207320"/>
-            <a:ext cx="2922840" cy="364680"/>
+            <a:ext cx="2921760" cy="363600"/>
           </a:xfrm>
           <a:prstGeom prst="rect">
             <a:avLst/>
@@ -7338,6 +6783,7 @@
                   <a:srgbClr val="000000"/>
                 </a:solidFill>
                 <a:latin typeface="Trebuchet MS"/>
+                <a:ea typeface="DejaVu Sans"/>
               </a:rPr>
               <a:t>ThingsBoard Dashboard</a:t>
             </a:r>
@@ -7349,14 +6795,14 @@
       </p:sp>
       <p:sp>
         <p:nvSpPr>
-          <p:cNvPr id="131" name="CustomShape 9"/>
+          <p:cNvPr id="125" name="CustomShape 9"/>
           <p:cNvSpPr/>
           <p:nvPr/>
         </p:nvSpPr>
         <p:spPr>
           <a:xfrm>
             <a:off x="8411400" y="690480"/>
-            <a:ext cx="3108960" cy="285840"/>
+            <a:ext cx="3107880" cy="284760"/>
           </a:xfrm>
           <a:prstGeom prst="roundRect">
             <a:avLst>
@@ -7390,14 +6836,14 @@
       </p:sp>
       <p:sp>
         <p:nvSpPr>
-          <p:cNvPr id="132" name="CustomShape 10"/>
+          <p:cNvPr id="126" name="CustomShape 10"/>
           <p:cNvSpPr/>
           <p:nvPr/>
         </p:nvSpPr>
         <p:spPr>
           <a:xfrm>
             <a:off x="8411400" y="625680"/>
-            <a:ext cx="3384360" cy="364680"/>
+            <a:ext cx="3383280" cy="363600"/>
           </a:xfrm>
           <a:prstGeom prst="rect">
             <a:avLst/>
@@ -7427,6 +6873,7 @@
                   <a:srgbClr val="000000"/>
                 </a:solidFill>
                 <a:latin typeface="Trebuchet MS"/>
+                <a:ea typeface="DejaVu Sans"/>
               </a:rPr>
               <a:t>ThingsBoard IoT Platform</a:t>
             </a:r>
@@ -7438,7 +6885,7 @@
       </p:sp>
       <p:pic>
         <p:nvPicPr>
-          <p:cNvPr id="133" name="Immagine 30" descr=""/>
+          <p:cNvPr id="127" name="Immagine 30" descr=""/>
           <p:cNvPicPr/>
           <p:nvPr/>
         </p:nvPicPr>
@@ -7449,7 +6896,7 @@
         <p:spPr>
           <a:xfrm>
             <a:off x="486720" y="3245400"/>
-            <a:ext cx="604080" cy="604080"/>
+            <a:ext cx="603000" cy="603000"/>
           </a:xfrm>
           <a:prstGeom prst="rect">
             <a:avLst/>
@@ -7461,14 +6908,14 @@
       </p:pic>
       <p:sp>
         <p:nvSpPr>
-          <p:cNvPr id="134" name="CustomShape 11"/>
+          <p:cNvPr id="128" name="CustomShape 11"/>
           <p:cNvSpPr/>
           <p:nvPr/>
         </p:nvSpPr>
         <p:spPr>
           <a:xfrm rot="3228600">
-            <a:off x="694080" y="4245480"/>
-            <a:ext cx="978120" cy="200520"/>
+            <a:off x="694440" y="4244760"/>
+            <a:ext cx="977040" cy="199440"/>
           </a:xfrm>
           <a:prstGeom prst="rightArrow">
             <a:avLst>
@@ -7502,14 +6949,14 @@
       </p:sp>
       <p:sp>
         <p:nvSpPr>
-          <p:cNvPr id="135" name="TextShape 12"/>
-          <p:cNvSpPr txBox="1"/>
+          <p:cNvPr id="129" name="CustomShape 12"/>
+          <p:cNvSpPr/>
           <p:nvPr/>
         </p:nvSpPr>
         <p:spPr>
           <a:xfrm>
             <a:off x="-250560" y="113040"/>
-            <a:ext cx="9771120" cy="577440"/>
+            <a:ext cx="9770040" cy="576360"/>
           </a:xfrm>
           <a:prstGeom prst="rect">
             <a:avLst/>
@@ -7519,8 +6966,14 @@
             <a:noFill/>
           </a:ln>
         </p:spPr>
-        <p:txBody>
-          <a:bodyPr/>
+        <p:style>
+          <a:lnRef idx="0"/>
+          <a:fillRef idx="0"/>
+          <a:effectRef idx="0"/>
+          <a:fontRef idx="minor"/>
+        </p:style>
+        <p:txBody>
+          <a:bodyPr lIns="90000" rIns="90000" tIns="45000" bIns="45000"/>
           <a:p>
             <a:pPr algn="ctr">
               <a:lnSpc>
@@ -7533,21 +6986,19 @@
                   <a:srgbClr val="3494ba"/>
                 </a:solidFill>
                 <a:latin typeface="Trebuchet MS"/>
+                <a:ea typeface="DejaVu Sans"/>
               </a:rPr>
               <a:t>Cloud-based Architecture</a:t>
             </a:r>
             <a:endParaRPr b="0" lang="en-US" sz="4400" spc="-1" strike="noStrike">
-              <a:solidFill>
-                <a:srgbClr val="000000"/>
-              </a:solidFill>
-              <a:latin typeface="Trebuchet MS"/>
+              <a:latin typeface="Arial"/>
             </a:endParaRPr>
           </a:p>
         </p:txBody>
       </p:sp>
       <p:pic>
         <p:nvPicPr>
-          <p:cNvPr id="136" name="Immagine 37" descr=""/>
+          <p:cNvPr id="130" name="Immagine 37" descr=""/>
           <p:cNvPicPr/>
           <p:nvPr/>
         </p:nvPicPr>
@@ -7559,7 +7010,7 @@
         <p:spPr>
           <a:xfrm>
             <a:off x="6897960" y="4900320"/>
-            <a:ext cx="818640" cy="954360"/>
+            <a:ext cx="817560" cy="953280"/>
           </a:xfrm>
           <a:prstGeom prst="rect">
             <a:avLst/>
@@ -7571,14 +7022,14 @@
       </p:pic>
       <p:sp>
         <p:nvSpPr>
-          <p:cNvPr id="137" name="CustomShape 13"/>
+          <p:cNvPr id="131" name="CustomShape 13"/>
           <p:cNvSpPr/>
           <p:nvPr/>
         </p:nvSpPr>
         <p:spPr>
           <a:xfrm>
             <a:off x="5852160" y="6152040"/>
-            <a:ext cx="2805480" cy="364680"/>
+            <a:ext cx="2804400" cy="363600"/>
           </a:xfrm>
           <a:prstGeom prst="rect">
             <a:avLst/>
@@ -7608,8 +7059,9 @@
                   <a:srgbClr val="000000"/>
                 </a:solidFill>
                 <a:latin typeface="Trebuchet MS"/>
+                <a:ea typeface="DejaVu Sans"/>
               </a:rPr>
-              <a:t>Node JS app on Heroku</a:t>
+              <a:t>Node.js app on Heroku</a:t>
             </a:r>
             <a:endParaRPr b="0" lang="en-US" sz="1800" spc="-1" strike="noStrike">
               <a:latin typeface="Arial"/>
@@ -7619,14 +7071,14 @@
       </p:sp>
       <p:sp>
         <p:nvSpPr>
-          <p:cNvPr id="138" name="CustomShape 14"/>
+          <p:cNvPr id="132" name="CustomShape 14"/>
           <p:cNvSpPr/>
           <p:nvPr/>
         </p:nvSpPr>
         <p:spPr>
           <a:xfrm rot="10800000">
-            <a:off x="7876080" y="4458600"/>
-            <a:ext cx="280440" cy="1283400"/>
+            <a:off x="7868880" y="4482720"/>
+            <a:ext cx="279360" cy="1282320"/>
           </a:xfrm>
           <a:prstGeom prst="downArrow">
             <a:avLst>
@@ -7661,14 +7113,14 @@
       </p:sp>
       <p:sp>
         <p:nvSpPr>
-          <p:cNvPr id="139" name="CustomShape 15"/>
+          <p:cNvPr id="133" name="CustomShape 15"/>
           <p:cNvSpPr/>
           <p:nvPr/>
         </p:nvSpPr>
         <p:spPr>
           <a:xfrm>
             <a:off x="8951040" y="5564880"/>
-            <a:ext cx="843120" cy="347760"/>
+            <a:ext cx="842040" cy="346680"/>
           </a:xfrm>
           <a:prstGeom prst="roundRect">
             <a:avLst>
@@ -7702,14 +7154,14 @@
       </p:sp>
       <p:sp>
         <p:nvSpPr>
-          <p:cNvPr id="140" name="CustomShape 16"/>
+          <p:cNvPr id="134" name="CustomShape 16"/>
           <p:cNvSpPr/>
           <p:nvPr/>
         </p:nvSpPr>
         <p:spPr>
           <a:xfrm>
             <a:off x="8917920" y="5564880"/>
-            <a:ext cx="909720" cy="364680"/>
+            <a:ext cx="908640" cy="363600"/>
           </a:xfrm>
           <a:prstGeom prst="rect">
             <a:avLst/>
@@ -7739,6 +7191,7 @@
                   <a:srgbClr val="000000"/>
                 </a:solidFill>
                 <a:latin typeface="Trebuchet MS"/>
+                <a:ea typeface="DejaVu Sans"/>
               </a:rPr>
               <a:t>HTTPS</a:t>
             </a:r>
@@ -7750,14 +7203,14 @@
       </p:sp>
       <p:sp>
         <p:nvSpPr>
-          <p:cNvPr id="141" name="CustomShape 17"/>
+          <p:cNvPr id="135" name="CustomShape 17"/>
           <p:cNvSpPr/>
           <p:nvPr/>
         </p:nvSpPr>
         <p:spPr>
           <a:xfrm rot="14709000">
-            <a:off x="8476200" y="4289400"/>
-            <a:ext cx="312840" cy="1285560"/>
+            <a:off x="8475840" y="4290480"/>
+            <a:ext cx="311760" cy="1284480"/>
           </a:xfrm>
           <a:prstGeom prst="downArrow">
             <a:avLst>
@@ -7792,7 +7245,7 @@
       </p:sp>
       <p:pic>
         <p:nvPicPr>
-          <p:cNvPr id="142" name="Immagine 52" descr=""/>
+          <p:cNvPr id="136" name="Immagine 52" descr=""/>
           <p:cNvPicPr/>
           <p:nvPr/>
         </p:nvPicPr>
@@ -7803,7 +7256,7 @@
         <p:spPr>
           <a:xfrm>
             <a:off x="7394400" y="2238840"/>
-            <a:ext cx="790200" cy="790200"/>
+            <a:ext cx="789120" cy="789120"/>
           </a:xfrm>
           <a:prstGeom prst="rect">
             <a:avLst/>
@@ -7815,14 +7268,14 @@
       </p:pic>
       <p:sp>
         <p:nvSpPr>
-          <p:cNvPr id="143" name="CustomShape 18"/>
+          <p:cNvPr id="137" name="CustomShape 18"/>
           <p:cNvSpPr/>
           <p:nvPr/>
         </p:nvSpPr>
         <p:spPr>
           <a:xfrm>
             <a:off x="5467320" y="2054520"/>
-            <a:ext cx="2249280" cy="387360"/>
+            <a:ext cx="2248200" cy="386280"/>
           </a:xfrm>
           <a:prstGeom prst="roundRect">
             <a:avLst>
@@ -7856,14 +7309,14 @@
       </p:sp>
       <p:sp>
         <p:nvSpPr>
-          <p:cNvPr id="144" name="CustomShape 19"/>
+          <p:cNvPr id="138" name="CustomShape 19"/>
           <p:cNvSpPr/>
           <p:nvPr/>
         </p:nvSpPr>
         <p:spPr>
           <a:xfrm>
             <a:off x="5364720" y="2054520"/>
-            <a:ext cx="2454840" cy="364680"/>
+            <a:ext cx="2453760" cy="363600"/>
           </a:xfrm>
           <a:prstGeom prst="rect">
             <a:avLst/>
@@ -7893,6 +7346,7 @@
                   <a:srgbClr val="000000"/>
                 </a:solidFill>
                 <a:latin typeface="Trebuchet MS"/>
+                <a:ea typeface="DejaVu Sans"/>
               </a:rPr>
               <a:t>Activity Recognition</a:t>
             </a:r>
@@ -7904,14 +7358,14 @@
       </p:sp>
       <p:sp>
         <p:nvSpPr>
-          <p:cNvPr id="145" name="CustomShape 20"/>
+          <p:cNvPr id="139" name="CustomShape 20"/>
           <p:cNvSpPr/>
           <p:nvPr/>
         </p:nvSpPr>
         <p:spPr>
           <a:xfrm>
             <a:off x="8235000" y="2707200"/>
-            <a:ext cx="715680" cy="467280"/>
+            <a:ext cx="714600" cy="466200"/>
           </a:xfrm>
           <a:custGeom>
             <a:avLst/>
@@ -7931,6 +7385,9 @@
           </a:custGeom>
           <a:noFill/>
           <a:ln>
+            <a:solidFill>
+              <a:srgbClr val="2f91b8"/>
+            </a:solidFill>
             <a:round/>
             <a:tailEnd len="med" type="triangle" w="med"/>
           </a:ln>
@@ -7950,7 +7407,7 @@
       </p:sp>
       <p:pic>
         <p:nvPicPr>
-          <p:cNvPr id="146" name="Immagine 59" descr=""/>
+          <p:cNvPr id="140" name="Immagine 59" descr=""/>
           <p:cNvPicPr/>
           <p:nvPr/>
         </p:nvPicPr>
@@ -7962,7 +7419,7 @@
         <p:spPr>
           <a:xfrm>
             <a:off x="1566360" y="4857120"/>
-            <a:ext cx="1114200" cy="1283400"/>
+            <a:ext cx="1113120" cy="1282320"/>
           </a:xfrm>
           <a:prstGeom prst="rect">
             <a:avLst/>
@@ -7974,14 +7431,14 @@
       </p:pic>
       <p:sp>
         <p:nvSpPr>
-          <p:cNvPr id="147" name="CustomShape 21"/>
+          <p:cNvPr id="141" name="CustomShape 21"/>
           <p:cNvSpPr/>
           <p:nvPr/>
         </p:nvSpPr>
         <p:spPr>
           <a:xfrm>
             <a:off x="1557360" y="4857120"/>
-            <a:ext cx="1125000" cy="1283400"/>
+            <a:ext cx="1123920" cy="1282320"/>
           </a:xfrm>
           <a:prstGeom prst="roundRect">
             <a:avLst>
@@ -8013,14 +7470,14 @@
       </p:sp>
       <p:sp>
         <p:nvSpPr>
-          <p:cNvPr id="148" name="CustomShape 22"/>
+          <p:cNvPr id="142" name="CustomShape 22"/>
           <p:cNvSpPr/>
           <p:nvPr/>
         </p:nvSpPr>
         <p:spPr>
           <a:xfrm>
             <a:off x="1235880" y="6210360"/>
-            <a:ext cx="1843920" cy="364680"/>
+            <a:ext cx="1842840" cy="363600"/>
           </a:xfrm>
           <a:prstGeom prst="rect">
             <a:avLst/>
@@ -8050,6 +7507,7 @@
                   <a:srgbClr val="000000"/>
                 </a:solidFill>
                 <a:latin typeface="Trebuchet MS"/>
+                <a:ea typeface="DejaVu Sans"/>
               </a:rPr>
               <a:t>Android Phone</a:t>
             </a:r>
@@ -8061,7 +7519,7 @@
       </p:sp>
       <p:pic>
         <p:nvPicPr>
-          <p:cNvPr id="149" name="Immagine 63" descr=""/>
+          <p:cNvPr id="143" name="Immagine 63" descr=""/>
           <p:cNvPicPr/>
           <p:nvPr/>
         </p:nvPicPr>
@@ -8072,7 +7530,7 @@
         <p:spPr>
           <a:xfrm>
             <a:off x="2208600" y="4506120"/>
-            <a:ext cx="840240" cy="684000"/>
+            <a:ext cx="839160" cy="682920"/>
           </a:xfrm>
           <a:prstGeom prst="rect">
             <a:avLst/>
@@ -8084,7 +7542,7 @@
       </p:pic>
       <p:pic>
         <p:nvPicPr>
-          <p:cNvPr id="150" name="Immagine 65" descr=""/>
+          <p:cNvPr id="144" name="Immagine 65" descr=""/>
           <p:cNvPicPr/>
           <p:nvPr/>
         </p:nvPicPr>
@@ -8096,7 +7554,7 @@
         <p:spPr>
           <a:xfrm>
             <a:off x="2588760" y="3988800"/>
-            <a:ext cx="604080" cy="607680"/>
+            <a:ext cx="603000" cy="606600"/>
           </a:xfrm>
           <a:prstGeom prst="rect">
             <a:avLst/>
@@ -8108,14 +7566,14 @@
       </p:pic>
       <p:sp>
         <p:nvSpPr>
-          <p:cNvPr id="151" name="CustomShape 23"/>
+          <p:cNvPr id="145" name="CustomShape 23"/>
           <p:cNvSpPr/>
           <p:nvPr/>
         </p:nvSpPr>
         <p:spPr>
           <a:xfrm>
             <a:off x="3217680" y="4046040"/>
-            <a:ext cx="342720" cy="319680"/>
+            <a:ext cx="341640" cy="318600"/>
           </a:xfrm>
           <a:prstGeom prst="mathPlus">
             <a:avLst>
@@ -8147,7 +7605,7 @@
       </p:sp>
       <p:pic>
         <p:nvPicPr>
-          <p:cNvPr id="152" name="Immagine 67" descr=""/>
+          <p:cNvPr id="146" name="Immagine 67" descr=""/>
           <p:cNvPicPr/>
           <p:nvPr/>
         </p:nvPicPr>
@@ -8158,7 +7616,7 @@
         <p:spPr>
           <a:xfrm>
             <a:off x="3663000" y="3988800"/>
-            <a:ext cx="516960" cy="516960"/>
+            <a:ext cx="515880" cy="515880"/>
           </a:xfrm>
           <a:prstGeom prst="rect">
             <a:avLst/>
@@ -8170,14 +7628,14 @@
       </p:pic>
       <p:sp>
         <p:nvSpPr>
-          <p:cNvPr id="153" name="CustomShape 24"/>
+          <p:cNvPr id="147" name="CustomShape 24"/>
           <p:cNvSpPr/>
           <p:nvPr/>
         </p:nvSpPr>
         <p:spPr>
           <a:xfrm>
             <a:off x="3972600" y="5934240"/>
-            <a:ext cx="843120" cy="347760"/>
+            <a:ext cx="842040" cy="346680"/>
           </a:xfrm>
           <a:prstGeom prst="roundRect">
             <a:avLst>
@@ -8211,14 +7669,14 @@
       </p:sp>
       <p:sp>
         <p:nvSpPr>
-          <p:cNvPr id="154" name="CustomShape 25"/>
+          <p:cNvPr id="148" name="CustomShape 25"/>
           <p:cNvSpPr/>
           <p:nvPr/>
         </p:nvSpPr>
         <p:spPr>
           <a:xfrm>
             <a:off x="3939480" y="5913360"/>
-            <a:ext cx="909720" cy="364680"/>
+            <a:ext cx="908640" cy="363600"/>
           </a:xfrm>
           <a:prstGeom prst="rect">
             <a:avLst/>
@@ -8248,6 +7706,7 @@
                   <a:srgbClr val="000000"/>
                 </a:solidFill>
                 <a:latin typeface="Trebuchet MS"/>
+                <a:ea typeface="DejaVu Sans"/>
               </a:rPr>
               <a:t>HTTPS</a:t>
             </a:r>
@@ -8259,14 +7718,14 @@
       </p:sp>
       <p:sp>
         <p:nvSpPr>
-          <p:cNvPr id="155" name="CustomShape 26"/>
+          <p:cNvPr id="149" name="CustomShape 26"/>
           <p:cNvSpPr/>
           <p:nvPr/>
         </p:nvSpPr>
         <p:spPr>
           <a:xfrm rot="16200000">
-            <a:off x="4543560" y="3953160"/>
-            <a:ext cx="182520" cy="3553200"/>
+            <a:off x="4543560" y="3954240"/>
+            <a:ext cx="181440" cy="3552120"/>
           </a:xfrm>
           <a:prstGeom prst="downArrow">
             <a:avLst>
@@ -8301,14 +7760,14 @@
       </p:sp>
       <p:sp>
         <p:nvSpPr>
-          <p:cNvPr id="156" name="CustomShape 27"/>
+          <p:cNvPr id="150" name="CustomShape 27"/>
           <p:cNvSpPr/>
           <p:nvPr/>
         </p:nvSpPr>
         <p:spPr>
           <a:xfrm rot="5400000">
-            <a:off x="4575600" y="3608640"/>
-            <a:ext cx="182520" cy="3553200"/>
+            <a:off x="4576680" y="3608640"/>
+            <a:ext cx="181440" cy="3552120"/>
           </a:xfrm>
           <a:prstGeom prst="downArrow">
             <a:avLst>
@@ -8392,7 +7851,7 @@
       </p:grpSpPr>
       <p:pic>
         <p:nvPicPr>
-          <p:cNvPr id="157" name="Immagine 42" descr=""/>
+          <p:cNvPr id="151" name="Immagine 42" descr=""/>
           <p:cNvPicPr/>
           <p:nvPr/>
         </p:nvPicPr>
@@ -8403,7 +7862,7 @@
         <p:spPr>
           <a:xfrm>
             <a:off x="6411960" y="4284000"/>
-            <a:ext cx="599400" cy="599400"/>
+            <a:ext cx="598320" cy="598320"/>
           </a:xfrm>
           <a:prstGeom prst="rect">
             <a:avLst/>
@@ -8415,14 +7874,14 @@
       </p:pic>
       <p:sp>
         <p:nvSpPr>
-          <p:cNvPr id="158" name="CustomShape 1"/>
+          <p:cNvPr id="152" name="CustomShape 1"/>
           <p:cNvSpPr/>
           <p:nvPr/>
         </p:nvSpPr>
         <p:spPr>
           <a:xfrm>
             <a:off x="6382440" y="4229280"/>
-            <a:ext cx="658800" cy="695880"/>
+            <a:ext cx="657720" cy="694800"/>
           </a:xfrm>
           <a:prstGeom prst="ellipse">
             <a:avLst/>
@@ -8452,14 +7911,14 @@
       </p:sp>
       <p:sp>
         <p:nvSpPr>
-          <p:cNvPr id="159" name="CustomShape 2"/>
+          <p:cNvPr id="153" name="CustomShape 2"/>
           <p:cNvSpPr/>
           <p:nvPr/>
         </p:nvSpPr>
         <p:spPr>
           <a:xfrm>
             <a:off x="6750360" y="4724280"/>
-            <a:ext cx="1114200" cy="1283400"/>
+            <a:ext cx="1113120" cy="1282320"/>
           </a:xfrm>
           <a:prstGeom prst="roundRect">
             <a:avLst>
@@ -8493,14 +7952,14 @@
       </p:sp>
       <p:sp>
         <p:nvSpPr>
-          <p:cNvPr id="160" name="CustomShape 3"/>
+          <p:cNvPr id="154" name="CustomShape 3"/>
           <p:cNvSpPr/>
           <p:nvPr/>
         </p:nvSpPr>
         <p:spPr>
           <a:xfrm>
             <a:off x="9235440" y="4205880"/>
-            <a:ext cx="2743200" cy="369000"/>
+            <a:ext cx="2742120" cy="367920"/>
           </a:xfrm>
           <a:prstGeom prst="roundRect">
             <a:avLst>
@@ -8536,14 +7995,14 @@
       </p:sp>
       <p:sp>
         <p:nvSpPr>
-          <p:cNvPr id="161" name="CustomShape 4"/>
+          <p:cNvPr id="155" name="CustomShape 4"/>
           <p:cNvSpPr/>
           <p:nvPr/>
         </p:nvSpPr>
         <p:spPr>
           <a:xfrm>
             <a:off x="5852160" y="3885120"/>
-            <a:ext cx="1692720" cy="273600"/>
+            <a:ext cx="1691640" cy="272520"/>
           </a:xfrm>
           <a:prstGeom prst="roundRect">
             <a:avLst>
@@ -8577,14 +8036,14 @@
       </p:sp>
       <p:sp>
         <p:nvSpPr>
-          <p:cNvPr id="162" name="CustomShape 5"/>
+          <p:cNvPr id="156" name="CustomShape 5"/>
           <p:cNvSpPr/>
           <p:nvPr/>
         </p:nvSpPr>
         <p:spPr>
           <a:xfrm>
             <a:off x="1238400" y="6228000"/>
-            <a:ext cx="1755360" cy="333720"/>
+            <a:ext cx="1754280" cy="332640"/>
           </a:xfrm>
           <a:prstGeom prst="roundRect">
             <a:avLst>
@@ -8629,6 +8088,7 @@
                   <a:srgbClr val="ffffff"/>
                 </a:solidFill>
                 <a:latin typeface="Trebuchet MS"/>
+                <a:ea typeface="DejaVu Sans"/>
               </a:rPr>
               <a:t>A</a:t>
             </a:r>
@@ -8640,14 +8100,14 @@
       </p:sp>
       <p:sp>
         <p:nvSpPr>
-          <p:cNvPr id="163" name="CustomShape 6"/>
+          <p:cNvPr id="157" name="CustomShape 6"/>
           <p:cNvSpPr/>
           <p:nvPr/>
         </p:nvSpPr>
         <p:spPr>
           <a:xfrm>
             <a:off x="6011280" y="6127560"/>
-            <a:ext cx="2675520" cy="409680"/>
+            <a:ext cx="2674440" cy="408600"/>
           </a:xfrm>
           <a:prstGeom prst="roundRect">
             <a:avLst>
@@ -8681,7 +8141,7 @@
       </p:sp>
       <p:pic>
         <p:nvPicPr>
-          <p:cNvPr id="164" name="Immagine 21" descr=""/>
+          <p:cNvPr id="158" name="Immagine 21" descr=""/>
           <p:cNvPicPr/>
           <p:nvPr/>
         </p:nvPicPr>
@@ -8692,7 +8152,7 @@
         <p:spPr>
           <a:xfrm>
             <a:off x="6527880" y="378720"/>
-            <a:ext cx="4734000" cy="3441240"/>
+            <a:ext cx="4732920" cy="3440160"/>
           </a:xfrm>
           <a:prstGeom prst="rect">
             <a:avLst/>
@@ -8704,7 +8164,7 @@
       </p:pic>
       <p:pic>
         <p:nvPicPr>
-          <p:cNvPr id="165" name="Immagine 22" descr=""/>
+          <p:cNvPr id="159" name="Immagine 22" descr=""/>
           <p:cNvPicPr/>
           <p:nvPr/>
         </p:nvPicPr>
@@ -8715,7 +8175,7 @@
         <p:spPr>
           <a:xfrm>
             <a:off x="8308800" y="1503000"/>
-            <a:ext cx="1485720" cy="1485720"/>
+            <a:ext cx="1484640" cy="1484640"/>
           </a:xfrm>
           <a:prstGeom prst="rect">
             <a:avLst/>
@@ -8727,14 +8187,14 @@
       </p:pic>
       <p:sp>
         <p:nvSpPr>
-          <p:cNvPr id="166" name="CustomShape 7"/>
+          <p:cNvPr id="160" name="CustomShape 7"/>
           <p:cNvSpPr/>
           <p:nvPr/>
         </p:nvSpPr>
         <p:spPr>
           <a:xfrm>
             <a:off x="5760720" y="3841560"/>
-            <a:ext cx="1843920" cy="364680"/>
+            <a:ext cx="1842840" cy="363600"/>
           </a:xfrm>
           <a:prstGeom prst="rect">
             <a:avLst/>
@@ -8764,6 +8224,7 @@
                   <a:srgbClr val="000000"/>
                 </a:solidFill>
                 <a:latin typeface="Trebuchet MS"/>
+                <a:ea typeface="DejaVu Sans"/>
               </a:rPr>
               <a:t>MQTT Channel</a:t>
             </a:r>
@@ -8775,7 +8236,7 @@
       </p:sp>
       <p:pic>
         <p:nvPicPr>
-          <p:cNvPr id="167" name="Immagine 26" descr=""/>
+          <p:cNvPr id="161" name="Immagine 26" descr=""/>
           <p:cNvPicPr/>
           <p:nvPr/>
         </p:nvPicPr>
@@ -8786,7 +8247,7 @@
         <p:spPr>
           <a:xfrm>
             <a:off x="9051480" y="2939040"/>
-            <a:ext cx="3043440" cy="1217160"/>
+            <a:ext cx="3042360" cy="1216080"/>
           </a:xfrm>
           <a:prstGeom prst="rect">
             <a:avLst/>
@@ -8798,14 +8259,14 @@
       </p:pic>
       <p:sp>
         <p:nvSpPr>
-          <p:cNvPr id="168" name="CustomShape 8"/>
+          <p:cNvPr id="162" name="CustomShape 8"/>
           <p:cNvSpPr/>
           <p:nvPr/>
         </p:nvSpPr>
         <p:spPr>
           <a:xfrm>
             <a:off x="9147240" y="4207320"/>
-            <a:ext cx="2922840" cy="364680"/>
+            <a:ext cx="2921760" cy="363600"/>
           </a:xfrm>
           <a:prstGeom prst="rect">
             <a:avLst/>
@@ -8835,6 +8296,7 @@
                   <a:srgbClr val="000000"/>
                 </a:solidFill>
                 <a:latin typeface="Trebuchet MS"/>
+                <a:ea typeface="DejaVu Sans"/>
               </a:rPr>
               <a:t>ThingsBoard Dashboard</a:t>
             </a:r>
@@ -8846,14 +8308,14 @@
       </p:sp>
       <p:sp>
         <p:nvSpPr>
-          <p:cNvPr id="169" name="CustomShape 9"/>
+          <p:cNvPr id="163" name="CustomShape 9"/>
           <p:cNvSpPr/>
           <p:nvPr/>
         </p:nvSpPr>
         <p:spPr>
           <a:xfrm>
             <a:off x="8442360" y="690480"/>
-            <a:ext cx="2987640" cy="285840"/>
+            <a:ext cx="2986560" cy="284760"/>
           </a:xfrm>
           <a:prstGeom prst="roundRect">
             <a:avLst>
@@ -8887,14 +8349,14 @@
       </p:sp>
       <p:sp>
         <p:nvSpPr>
-          <p:cNvPr id="170" name="CustomShape 10"/>
+          <p:cNvPr id="164" name="CustomShape 10"/>
           <p:cNvSpPr/>
           <p:nvPr/>
         </p:nvSpPr>
         <p:spPr>
           <a:xfrm>
             <a:off x="8411400" y="625680"/>
-            <a:ext cx="3110040" cy="364680"/>
+            <a:ext cx="3108960" cy="363600"/>
           </a:xfrm>
           <a:prstGeom prst="rect">
             <a:avLst/>
@@ -8924,6 +8386,7 @@
                   <a:srgbClr val="000000"/>
                 </a:solidFill>
                 <a:latin typeface="Trebuchet MS"/>
+                <a:ea typeface="DejaVu Sans"/>
               </a:rPr>
               <a:t>ThingsBoard IoT Platform</a:t>
             </a:r>
@@ -8935,7 +8398,7 @@
       </p:sp>
       <p:pic>
         <p:nvPicPr>
-          <p:cNvPr id="171" name="Immagine 30" descr=""/>
+          <p:cNvPr id="165" name="Immagine 30" descr=""/>
           <p:cNvPicPr/>
           <p:nvPr/>
         </p:nvPicPr>
@@ -8946,7 +8409,7 @@
         <p:spPr>
           <a:xfrm>
             <a:off x="486720" y="3245400"/>
-            <a:ext cx="604080" cy="604080"/>
+            <a:ext cx="603000" cy="603000"/>
           </a:xfrm>
           <a:prstGeom prst="rect">
             <a:avLst/>
@@ -8958,14 +8421,14 @@
       </p:pic>
       <p:sp>
         <p:nvSpPr>
-          <p:cNvPr id="172" name="CustomShape 11"/>
+          <p:cNvPr id="166" name="CustomShape 11"/>
           <p:cNvSpPr/>
           <p:nvPr/>
         </p:nvSpPr>
         <p:spPr>
           <a:xfrm rot="3228600">
-            <a:off x="694080" y="4245480"/>
-            <a:ext cx="978120" cy="200520"/>
+            <a:off x="694440" y="4244760"/>
+            <a:ext cx="977040" cy="199440"/>
           </a:xfrm>
           <a:prstGeom prst="rightArrow">
             <a:avLst>
@@ -8999,14 +8462,14 @@
       </p:sp>
       <p:sp>
         <p:nvSpPr>
-          <p:cNvPr id="173" name="TextShape 12"/>
-          <p:cNvSpPr txBox="1"/>
+          <p:cNvPr id="167" name="CustomShape 12"/>
+          <p:cNvSpPr/>
           <p:nvPr/>
         </p:nvSpPr>
         <p:spPr>
           <a:xfrm>
             <a:off x="-250560" y="113040"/>
-            <a:ext cx="9771120" cy="577440"/>
+            <a:ext cx="9770040" cy="576360"/>
           </a:xfrm>
           <a:prstGeom prst="rect">
             <a:avLst/>
@@ -9016,8 +8479,14 @@
             <a:noFill/>
           </a:ln>
         </p:spPr>
-        <p:txBody>
-          <a:bodyPr/>
+        <p:style>
+          <a:lnRef idx="0"/>
+          <a:fillRef idx="0"/>
+          <a:effectRef idx="0"/>
+          <a:fontRef idx="minor"/>
+        </p:style>
+        <p:txBody>
+          <a:bodyPr lIns="90000" rIns="90000" tIns="45000" bIns="45000"/>
           <a:p>
             <a:pPr algn="ctr">
               <a:lnSpc>
@@ -9030,21 +8499,19 @@
                   <a:srgbClr val="3494ba"/>
                 </a:solidFill>
                 <a:latin typeface="Trebuchet MS"/>
+                <a:ea typeface="DejaVu Sans"/>
               </a:rPr>
               <a:t>Edge-based Architecture</a:t>
             </a:r>
             <a:endParaRPr b="0" lang="en-US" sz="4400" spc="-1" strike="noStrike">
-              <a:solidFill>
-                <a:srgbClr val="000000"/>
-              </a:solidFill>
-              <a:latin typeface="Trebuchet MS"/>
+              <a:latin typeface="Arial"/>
             </a:endParaRPr>
           </a:p>
         </p:txBody>
       </p:sp>
       <p:pic>
         <p:nvPicPr>
-          <p:cNvPr id="174" name="Immagine 37" descr=""/>
+          <p:cNvPr id="168" name="Immagine 37" descr=""/>
           <p:cNvPicPr/>
           <p:nvPr/>
         </p:nvPicPr>
@@ -9056,7 +8523,7 @@
         <p:spPr>
           <a:xfrm>
             <a:off x="6897960" y="4900320"/>
-            <a:ext cx="818640" cy="954360"/>
+            <a:ext cx="817560" cy="953280"/>
           </a:xfrm>
           <a:prstGeom prst="rect">
             <a:avLst/>
@@ -9068,14 +8535,14 @@
       </p:pic>
       <p:sp>
         <p:nvSpPr>
-          <p:cNvPr id="175" name="CustomShape 13"/>
+          <p:cNvPr id="169" name="CustomShape 13"/>
           <p:cNvSpPr/>
           <p:nvPr/>
         </p:nvSpPr>
         <p:spPr>
           <a:xfrm>
             <a:off x="5943600" y="6127560"/>
-            <a:ext cx="2805480" cy="364680"/>
+            <a:ext cx="2804400" cy="363600"/>
           </a:xfrm>
           <a:prstGeom prst="rect">
             <a:avLst/>
@@ -9105,8 +8572,9 @@
                   <a:srgbClr val="000000"/>
                 </a:solidFill>
                 <a:latin typeface="Trebuchet MS"/>
+                <a:ea typeface="DejaVu Sans"/>
               </a:rPr>
-              <a:t>Node JS app on Heroku</a:t>
+              <a:t>Node.js app on Heroku</a:t>
             </a:r>
             <a:endParaRPr b="0" lang="en-US" sz="1800" spc="-1" strike="noStrike">
               <a:latin typeface="Arial"/>
@@ -9116,14 +8584,14 @@
       </p:sp>
       <p:sp>
         <p:nvSpPr>
-          <p:cNvPr id="176" name="CustomShape 14"/>
+          <p:cNvPr id="170" name="CustomShape 14"/>
           <p:cNvSpPr/>
           <p:nvPr/>
         </p:nvSpPr>
         <p:spPr>
           <a:xfrm rot="10800000">
-            <a:off x="7876080" y="4458600"/>
-            <a:ext cx="280440" cy="1283400"/>
+            <a:off x="7868880" y="4574160"/>
+            <a:ext cx="279360" cy="1282320"/>
           </a:xfrm>
           <a:prstGeom prst="downArrow">
             <a:avLst>
@@ -9158,14 +8626,14 @@
       </p:sp>
       <p:sp>
         <p:nvSpPr>
-          <p:cNvPr id="177" name="CustomShape 15"/>
+          <p:cNvPr id="171" name="CustomShape 15"/>
           <p:cNvSpPr/>
           <p:nvPr/>
         </p:nvSpPr>
         <p:spPr>
           <a:xfrm>
             <a:off x="8951040" y="5564880"/>
-            <a:ext cx="843120" cy="347760"/>
+            <a:ext cx="842040" cy="346680"/>
           </a:xfrm>
           <a:prstGeom prst="roundRect">
             <a:avLst>
@@ -9199,14 +8667,14 @@
       </p:sp>
       <p:sp>
         <p:nvSpPr>
-          <p:cNvPr id="178" name="CustomShape 16"/>
+          <p:cNvPr id="172" name="CustomShape 16"/>
           <p:cNvSpPr/>
           <p:nvPr/>
         </p:nvSpPr>
         <p:spPr>
           <a:xfrm>
             <a:off x="8917920" y="5564880"/>
-            <a:ext cx="909720" cy="364680"/>
+            <a:ext cx="908640" cy="363600"/>
           </a:xfrm>
           <a:prstGeom prst="rect">
             <a:avLst/>
@@ -9236,6 +8704,7 @@
                   <a:srgbClr val="000000"/>
                 </a:solidFill>
                 <a:latin typeface="Trebuchet MS"/>
+                <a:ea typeface="DejaVu Sans"/>
               </a:rPr>
               <a:t>HTTPS</a:t>
             </a:r>
@@ -9247,14 +8716,14 @@
       </p:sp>
       <p:sp>
         <p:nvSpPr>
-          <p:cNvPr id="179" name="CustomShape 17"/>
+          <p:cNvPr id="173" name="CustomShape 17"/>
           <p:cNvSpPr/>
           <p:nvPr/>
         </p:nvSpPr>
         <p:spPr>
           <a:xfrm rot="14709000">
-            <a:off x="8476200" y="4289400"/>
-            <a:ext cx="312840" cy="1285560"/>
+            <a:off x="8475840" y="4290480"/>
+            <a:ext cx="311760" cy="1284480"/>
           </a:xfrm>
           <a:prstGeom prst="downArrow">
             <a:avLst>
@@ -9289,14 +8758,14 @@
       </p:sp>
       <p:sp>
         <p:nvSpPr>
-          <p:cNvPr id="180" name="CustomShape 18"/>
+          <p:cNvPr id="174" name="CustomShape 18"/>
           <p:cNvSpPr/>
           <p:nvPr/>
         </p:nvSpPr>
         <p:spPr>
           <a:xfrm>
             <a:off x="2764800" y="3511080"/>
-            <a:ext cx="2249280" cy="387360"/>
+            <a:ext cx="2248200" cy="386280"/>
           </a:xfrm>
           <a:prstGeom prst="roundRect">
             <a:avLst>
@@ -9330,14 +8799,14 @@
       </p:sp>
       <p:sp>
         <p:nvSpPr>
-          <p:cNvPr id="181" name="CustomShape 19"/>
+          <p:cNvPr id="175" name="CustomShape 19"/>
           <p:cNvSpPr/>
           <p:nvPr/>
         </p:nvSpPr>
         <p:spPr>
           <a:xfrm>
             <a:off x="2662200" y="3501000"/>
-            <a:ext cx="2454840" cy="364680"/>
+            <a:ext cx="2453760" cy="363600"/>
           </a:xfrm>
           <a:prstGeom prst="rect">
             <a:avLst/>
@@ -9367,6 +8836,7 @@
                   <a:srgbClr val="000000"/>
                 </a:solidFill>
                 <a:latin typeface="Trebuchet MS"/>
+                <a:ea typeface="DejaVu Sans"/>
               </a:rPr>
               <a:t>Activity Recognition</a:t>
             </a:r>
@@ -9378,7 +8848,7 @@
       </p:sp>
       <p:pic>
         <p:nvPicPr>
-          <p:cNvPr id="182" name="Immagine 59" descr=""/>
+          <p:cNvPr id="176" name="Immagine 59" descr=""/>
           <p:cNvPicPr/>
           <p:nvPr/>
         </p:nvPicPr>
@@ -9390,7 +8860,7 @@
         <p:spPr>
           <a:xfrm>
             <a:off x="1566360" y="4857120"/>
-            <a:ext cx="1114200" cy="1283400"/>
+            <a:ext cx="1113120" cy="1282320"/>
           </a:xfrm>
           <a:prstGeom prst="rect">
             <a:avLst/>
@@ -9402,14 +8872,14 @@
       </p:pic>
       <p:sp>
         <p:nvSpPr>
-          <p:cNvPr id="183" name="CustomShape 20"/>
+          <p:cNvPr id="177" name="CustomShape 20"/>
           <p:cNvSpPr/>
           <p:nvPr/>
         </p:nvSpPr>
         <p:spPr>
           <a:xfrm>
             <a:off x="1557360" y="4857120"/>
-            <a:ext cx="1125000" cy="1283400"/>
+            <a:ext cx="1123920" cy="1282320"/>
           </a:xfrm>
           <a:prstGeom prst="roundRect">
             <a:avLst>
@@ -9441,14 +8911,14 @@
       </p:sp>
       <p:sp>
         <p:nvSpPr>
-          <p:cNvPr id="184" name="CustomShape 21"/>
+          <p:cNvPr id="178" name="CustomShape 21"/>
           <p:cNvSpPr/>
           <p:nvPr/>
         </p:nvSpPr>
         <p:spPr>
           <a:xfrm>
             <a:off x="1235880" y="6210360"/>
-            <a:ext cx="1843920" cy="364680"/>
+            <a:ext cx="1842840" cy="363600"/>
           </a:xfrm>
           <a:prstGeom prst="rect">
             <a:avLst/>
@@ -9478,6 +8948,7 @@
                   <a:srgbClr val="000000"/>
                 </a:solidFill>
                 <a:latin typeface="Trebuchet MS"/>
+                <a:ea typeface="DejaVu Sans"/>
               </a:rPr>
               <a:t>Android Phone</a:t>
             </a:r>
@@ -9489,7 +8960,7 @@
       </p:sp>
       <p:pic>
         <p:nvPicPr>
-          <p:cNvPr id="185" name="Immagine 63" descr=""/>
+          <p:cNvPr id="179" name="Immagine 63" descr=""/>
           <p:cNvPicPr/>
           <p:nvPr/>
         </p:nvPicPr>
@@ -9500,7 +8971,7 @@
         <p:spPr>
           <a:xfrm>
             <a:off x="2208600" y="4506120"/>
-            <a:ext cx="840240" cy="684000"/>
+            <a:ext cx="839160" cy="682920"/>
           </a:xfrm>
           <a:prstGeom prst="rect">
             <a:avLst/>
@@ -9512,7 +8983,7 @@
       </p:pic>
       <p:pic>
         <p:nvPicPr>
-          <p:cNvPr id="186" name="Immagine 65" descr=""/>
+          <p:cNvPr id="180" name="Immagine 65" descr=""/>
           <p:cNvPicPr/>
           <p:nvPr/>
         </p:nvPicPr>
@@ -9524,7 +8995,7 @@
         <p:spPr>
           <a:xfrm>
             <a:off x="2588760" y="3988800"/>
-            <a:ext cx="604080" cy="607680"/>
+            <a:ext cx="603000" cy="606600"/>
           </a:xfrm>
           <a:prstGeom prst="rect">
             <a:avLst/>
@@ -9536,14 +9007,14 @@
       </p:pic>
       <p:sp>
         <p:nvSpPr>
-          <p:cNvPr id="187" name="CustomShape 22"/>
+          <p:cNvPr id="181" name="CustomShape 22"/>
           <p:cNvSpPr/>
           <p:nvPr/>
         </p:nvSpPr>
         <p:spPr>
           <a:xfrm>
             <a:off x="3230640" y="4061520"/>
-            <a:ext cx="342720" cy="319680"/>
+            <a:ext cx="341640" cy="318600"/>
           </a:xfrm>
           <a:prstGeom prst="mathPlus">
             <a:avLst>
@@ -9575,7 +9046,7 @@
       </p:sp>
       <p:pic>
         <p:nvPicPr>
-          <p:cNvPr id="188" name="Immagine 67" descr=""/>
+          <p:cNvPr id="182" name="Immagine 67" descr=""/>
           <p:cNvPicPr/>
           <p:nvPr/>
         </p:nvPicPr>
@@ -9586,7 +9057,7 @@
         <p:spPr>
           <a:xfrm>
             <a:off x="3663000" y="3988800"/>
-            <a:ext cx="516960" cy="516960"/>
+            <a:ext cx="515880" cy="515880"/>
           </a:xfrm>
           <a:prstGeom prst="rect">
             <a:avLst/>
@@ -9598,14 +9069,14 @@
       </p:pic>
       <p:sp>
         <p:nvSpPr>
-          <p:cNvPr id="189" name="CustomShape 23"/>
+          <p:cNvPr id="183" name="CustomShape 23"/>
           <p:cNvSpPr/>
           <p:nvPr/>
         </p:nvSpPr>
         <p:spPr>
           <a:xfrm>
             <a:off x="3972600" y="5934240"/>
-            <a:ext cx="843120" cy="347760"/>
+            <a:ext cx="842040" cy="346680"/>
           </a:xfrm>
           <a:prstGeom prst="roundRect">
             <a:avLst>
@@ -9639,14 +9110,14 @@
       </p:sp>
       <p:sp>
         <p:nvSpPr>
-          <p:cNvPr id="190" name="CustomShape 24"/>
+          <p:cNvPr id="184" name="CustomShape 24"/>
           <p:cNvSpPr/>
           <p:nvPr/>
         </p:nvSpPr>
         <p:spPr>
           <a:xfrm>
             <a:off x="3939480" y="5913360"/>
-            <a:ext cx="909720" cy="364680"/>
+            <a:ext cx="908640" cy="363600"/>
           </a:xfrm>
           <a:prstGeom prst="rect">
             <a:avLst/>
@@ -9676,6 +9147,7 @@
                   <a:srgbClr val="000000"/>
                 </a:solidFill>
                 <a:latin typeface="Trebuchet MS"/>
+                <a:ea typeface="DejaVu Sans"/>
               </a:rPr>
               <a:t>HTTPS</a:t>
             </a:r>
@@ -9687,14 +9159,14 @@
       </p:sp>
       <p:sp>
         <p:nvSpPr>
-          <p:cNvPr id="191" name="CustomShape 25"/>
+          <p:cNvPr id="185" name="CustomShape 25"/>
           <p:cNvSpPr/>
           <p:nvPr/>
         </p:nvSpPr>
         <p:spPr>
           <a:xfrm rot="16200000">
-            <a:off x="4543560" y="3953160"/>
-            <a:ext cx="182520" cy="3553200"/>
+            <a:off x="4543560" y="3954240"/>
+            <a:ext cx="181440" cy="3552120"/>
           </a:xfrm>
           <a:prstGeom prst="downArrow">
             <a:avLst>
@@ -9729,14 +9201,14 @@
       </p:sp>
       <p:sp>
         <p:nvSpPr>
-          <p:cNvPr id="192" name="CustomShape 26"/>
+          <p:cNvPr id="186" name="CustomShape 26"/>
           <p:cNvSpPr/>
           <p:nvPr/>
         </p:nvSpPr>
         <p:spPr>
           <a:xfrm rot="5400000">
-            <a:off x="4575600" y="3608640"/>
-            <a:ext cx="182520" cy="3553200"/>
+            <a:off x="4576680" y="3608640"/>
+            <a:ext cx="181440" cy="3552120"/>
           </a:xfrm>
           <a:prstGeom prst="downArrow">
             <a:avLst>
@@ -9820,14 +9292,14 @@
       </p:grpSpPr>
       <p:sp>
         <p:nvSpPr>
-          <p:cNvPr id="193" name="TextShape 1"/>
-          <p:cNvSpPr txBox="1"/>
+          <p:cNvPr id="187" name="CustomShape 1"/>
+          <p:cNvSpPr/>
           <p:nvPr/>
         </p:nvSpPr>
         <p:spPr>
           <a:xfrm>
             <a:off x="677160" y="609480"/>
-            <a:ext cx="8596440" cy="1320480"/>
+            <a:ext cx="8595360" cy="1319400"/>
           </a:xfrm>
           <a:prstGeom prst="rect">
             <a:avLst/>
@@ -9837,8 +9309,14 @@
             <a:noFill/>
           </a:ln>
         </p:spPr>
-        <p:txBody>
-          <a:bodyPr/>
+        <p:style>
+          <a:lnRef idx="0"/>
+          <a:fillRef idx="0"/>
+          <a:effectRef idx="0"/>
+          <a:fontRef idx="minor"/>
+        </p:style>
+        <p:txBody>
+          <a:bodyPr lIns="90000" rIns="90000" tIns="45000" bIns="45000"/>
           <a:p>
             <a:pPr>
               <a:lnSpc>
@@ -9851,28 +9329,26 @@
                   <a:srgbClr val="3494ba"/>
                 </a:solidFill>
                 <a:latin typeface="Trebuchet MS"/>
+                <a:ea typeface="DejaVu Sans"/>
               </a:rPr>
               <a:t>Implementation</a:t>
             </a:r>
             <a:endParaRPr b="0" lang="en-US" sz="4400" spc="-1" strike="noStrike">
-              <a:solidFill>
-                <a:srgbClr val="000000"/>
-              </a:solidFill>
-              <a:latin typeface="Trebuchet MS"/>
-            </a:endParaRPr>
-          </a:p>
-        </p:txBody>
-      </p:sp>
-      <p:sp>
-        <p:nvSpPr>
-          <p:cNvPr id="194" name="CustomShape 2"/>
+              <a:latin typeface="Arial"/>
+            </a:endParaRPr>
+          </a:p>
+        </p:txBody>
+      </p:sp>
+      <p:sp>
+        <p:nvSpPr>
+          <p:cNvPr id="188" name="CustomShape 2"/>
           <p:cNvSpPr/>
           <p:nvPr/>
         </p:nvSpPr>
         <p:spPr>
           <a:xfrm>
             <a:off x="781200" y="1596960"/>
-            <a:ext cx="8829360" cy="4968360"/>
+            <a:ext cx="8828280" cy="4967280"/>
           </a:xfrm>
           <a:prstGeom prst="rect">
             <a:avLst/>
@@ -9891,7 +9367,7 @@
         <p:txBody>
           <a:bodyPr lIns="90000" rIns="90000" tIns="45000" bIns="45000"/>
           <a:p>
-            <a:pPr marL="285840" indent="-285480">
+            <a:pPr marL="285840" indent="-284400">
               <a:lnSpc>
                 <a:spcPct val="100000"/>
               </a:lnSpc>
@@ -9907,6 +9383,7 @@
                   <a:srgbClr val="000000"/>
                 </a:solidFill>
                 <a:latin typeface="Trebuchet MS"/>
+                <a:ea typeface="DejaVu Sans"/>
               </a:rPr>
               <a:t>We can have access to the accelerometer data  thanks to the Generic Sensor API. To use them, we need to use Google Chrome as a browser, activating some flags. The client is served an HTML page with some JavaScript that collects data and makes the page responsive. Please note that you can activate these flags only on an Android phone.</a:t>
             </a:r>
@@ -9925,7 +9402,7 @@
             </a:endParaRPr>
           </a:p>
           <a:p>
-            <a:pPr marL="285840" indent="-285480">
+            <a:pPr marL="285840" indent="-284400">
               <a:lnSpc>
                 <a:spcPct val="100000"/>
               </a:lnSpc>
@@ -9941,8 +9418,9 @@
                   <a:srgbClr val="000000"/>
                 </a:solidFill>
                 <a:latin typeface="Trebuchet MS"/>
+                <a:ea typeface="DejaVu Sans"/>
               </a:rPr>
-              <a:t>The web app is built with Node JS, which forwards data to the cloud platform via MQTT. To exchange data from the front-end to the back-end and viceversa we use HTTP methods GET and POST.</a:t>
+              <a:t>The web app is built with Node.js, which forwards data to the cloud platform via MQTT. To exchange data from the front-end to the back-end and viceversa we use HTTP methods GET and POST.</a:t>
             </a:r>
             <a:endParaRPr b="0" lang="en-US" sz="2000" spc="-1" strike="noStrike">
               <a:latin typeface="Arial"/>
@@ -9960,6 +9438,7 @@
                   <a:srgbClr val="000000"/>
                 </a:solidFill>
                 <a:latin typeface="Trebuchet MS"/>
+                <a:ea typeface="DejaVu Sans"/>
               </a:rPr>
               <a:t>    </a:t>
             </a:r>
@@ -9969,6 +9448,7 @@
                   <a:srgbClr val="000000"/>
                 </a:solidFill>
                 <a:latin typeface="Trebuchet MS"/>
+                <a:ea typeface="DejaVu Sans"/>
               </a:rPr>
               <a:t>The deploy is done with Heroku.</a:t>
             </a:r>
@@ -9987,7 +9467,7 @@
             </a:endParaRPr>
           </a:p>
           <a:p>
-            <a:pPr marL="285840" indent="-285480">
+            <a:pPr marL="285840" indent="-284400">
               <a:lnSpc>
                 <a:spcPct val="100000"/>
               </a:lnSpc>
@@ -10003,6 +9483,7 @@
                   <a:srgbClr val="000000"/>
                 </a:solidFill>
                 <a:latin typeface="Trebuchet MS"/>
+                <a:ea typeface="DejaVu Sans"/>
               </a:rPr>
               <a:t>The cloud platform used is ThingsBoard. Thanks to its rule chain we can easily process data in the cloud-based scenario, and the data is visualized on the dashboard.</a:t>
             </a:r>
@@ -10063,14 +9544,14 @@
       </p:grpSpPr>
       <p:sp>
         <p:nvSpPr>
-          <p:cNvPr id="195" name="TextShape 1"/>
-          <p:cNvSpPr txBox="1"/>
+          <p:cNvPr id="189" name="CustomShape 1"/>
+          <p:cNvSpPr/>
           <p:nvPr/>
         </p:nvSpPr>
         <p:spPr>
           <a:xfrm>
             <a:off x="677160" y="609480"/>
-            <a:ext cx="8596440" cy="1320480"/>
+            <a:ext cx="8595360" cy="1319400"/>
           </a:xfrm>
           <a:prstGeom prst="rect">
             <a:avLst/>
@@ -10080,8 +9561,14 @@
             <a:noFill/>
           </a:ln>
         </p:spPr>
-        <p:txBody>
-          <a:bodyPr/>
+        <p:style>
+          <a:lnRef idx="0"/>
+          <a:fillRef idx="0"/>
+          <a:effectRef idx="0"/>
+          <a:fontRef idx="minor"/>
+        </p:style>
+        <p:txBody>
+          <a:bodyPr lIns="90000" rIns="90000" tIns="45000" bIns="45000"/>
           <a:p>
             <a:pPr>
               <a:lnSpc>
@@ -10094,163 +9581,26 @@
                   <a:srgbClr val="3494ba"/>
                 </a:solidFill>
                 <a:latin typeface="Trebuchet MS"/>
+                <a:ea typeface="DejaVu Sans"/>
               </a:rPr>
-              <a:t>T</a:t>
-            </a:r>
-            <a:r>
-              <a:rPr b="0" lang="en-US" sz="3600" spc="-1" strike="noStrike">
-                <a:solidFill>
-                  <a:srgbClr val="3494ba"/>
-                </a:solidFill>
-                <a:latin typeface="Trebuchet MS"/>
-              </a:rPr>
-              <a:t>e</a:t>
-            </a:r>
-            <a:r>
-              <a:rPr b="0" lang="en-US" sz="3600" spc="-1" strike="noStrike">
-                <a:solidFill>
-                  <a:srgbClr val="3494ba"/>
-                </a:solidFill>
-                <a:latin typeface="Trebuchet MS"/>
-              </a:rPr>
-              <a:t>c</a:t>
-            </a:r>
-            <a:r>
-              <a:rPr b="0" lang="en-US" sz="3600" spc="-1" strike="noStrike">
-                <a:solidFill>
-                  <a:srgbClr val="3494ba"/>
-                </a:solidFill>
-                <a:latin typeface="Trebuchet MS"/>
-              </a:rPr>
-              <a:t>h</a:t>
-            </a:r>
-            <a:r>
-              <a:rPr b="0" lang="en-US" sz="3600" spc="-1" strike="noStrike">
-                <a:solidFill>
-                  <a:srgbClr val="3494ba"/>
-                </a:solidFill>
-                <a:latin typeface="Trebuchet MS"/>
-              </a:rPr>
-              <a:t>n</a:t>
-            </a:r>
-            <a:r>
-              <a:rPr b="0" lang="en-US" sz="3600" spc="-1" strike="noStrike">
-                <a:solidFill>
-                  <a:srgbClr val="3494ba"/>
-                </a:solidFill>
-                <a:latin typeface="Trebuchet MS"/>
-              </a:rPr>
-              <a:t>ol</a:t>
-            </a:r>
-            <a:r>
-              <a:rPr b="0" lang="en-US" sz="3600" spc="-1" strike="noStrike">
-                <a:solidFill>
-                  <a:srgbClr val="3494ba"/>
-                </a:solidFill>
-                <a:latin typeface="Trebuchet MS"/>
-              </a:rPr>
-              <a:t>o</a:t>
-            </a:r>
-            <a:r>
-              <a:rPr b="0" lang="en-US" sz="3600" spc="-1" strike="noStrike">
-                <a:solidFill>
-                  <a:srgbClr val="3494ba"/>
-                </a:solidFill>
-                <a:latin typeface="Trebuchet MS"/>
-              </a:rPr>
-              <a:t>g</a:t>
-            </a:r>
-            <a:r>
-              <a:rPr b="0" lang="en-US" sz="3600" spc="-1" strike="noStrike">
-                <a:solidFill>
-                  <a:srgbClr val="3494ba"/>
-                </a:solidFill>
-                <a:latin typeface="Trebuchet MS"/>
-              </a:rPr>
-              <a:t>y: </a:t>
-            </a:r>
-            <a:r>
-              <a:rPr b="0" lang="en-US" sz="3600" spc="-1" strike="noStrike">
-                <a:solidFill>
-                  <a:srgbClr val="3494ba"/>
-                </a:solidFill>
-                <a:latin typeface="Trebuchet MS"/>
-              </a:rPr>
-              <a:t>cl</a:t>
-            </a:r>
-            <a:r>
-              <a:rPr b="0" lang="en-US" sz="3600" spc="-1" strike="noStrike">
-                <a:solidFill>
-                  <a:srgbClr val="3494ba"/>
-                </a:solidFill>
-                <a:latin typeface="Trebuchet MS"/>
-              </a:rPr>
-              <a:t>ie</a:t>
-            </a:r>
-            <a:r>
-              <a:rPr b="0" lang="en-US" sz="3600" spc="-1" strike="noStrike">
-                <a:solidFill>
-                  <a:srgbClr val="3494ba"/>
-                </a:solidFill>
-                <a:latin typeface="Trebuchet MS"/>
-              </a:rPr>
-              <a:t>n</a:t>
-            </a:r>
-            <a:r>
-              <a:rPr b="0" lang="en-US" sz="3600" spc="-1" strike="noStrike">
-                <a:solidFill>
-                  <a:srgbClr val="3494ba"/>
-                </a:solidFill>
-                <a:latin typeface="Trebuchet MS"/>
-              </a:rPr>
-              <a:t>t-</a:t>
-            </a:r>
-            <a:r>
-              <a:rPr b="0" lang="en-US" sz="3600" spc="-1" strike="noStrike">
-                <a:solidFill>
-                  <a:srgbClr val="3494ba"/>
-                </a:solidFill>
-                <a:latin typeface="Trebuchet MS"/>
-              </a:rPr>
-              <a:t>si</a:t>
-            </a:r>
-            <a:r>
-              <a:rPr b="0" lang="en-US" sz="3600" spc="-1" strike="noStrike">
-                <a:solidFill>
-                  <a:srgbClr val="3494ba"/>
-                </a:solidFill>
-                <a:latin typeface="Trebuchet MS"/>
-              </a:rPr>
-              <a:t>d</a:t>
-            </a:r>
-            <a:r>
-              <a:rPr b="0" lang="en-US" sz="3600" spc="-1" strike="noStrike">
-                <a:solidFill>
-                  <a:srgbClr val="3494ba"/>
-                </a:solidFill>
-                <a:latin typeface="Trebuchet MS"/>
-              </a:rPr>
-              <a:t>e</a:t>
+              <a:t>Technology: client-side</a:t>
             </a:r>
             <a:endParaRPr b="0" lang="en-US" sz="3600" spc="-1" strike="noStrike">
-              <a:solidFill>
-                <a:srgbClr val="000000"/>
-              </a:solidFill>
-              <a:latin typeface="Trebuchet MS"/>
-            </a:endParaRPr>
-          </a:p>
-        </p:txBody>
-      </p:sp>
-      <p:sp>
-        <p:nvSpPr>
-          <p:cNvPr id="196" name="CustomShape 2"/>
+              <a:latin typeface="Arial"/>
+            </a:endParaRPr>
+          </a:p>
+        </p:txBody>
+      </p:sp>
+      <p:sp>
+        <p:nvSpPr>
+          <p:cNvPr id="190" name="CustomShape 2"/>
           <p:cNvSpPr/>
           <p:nvPr/>
         </p:nvSpPr>
         <p:spPr>
           <a:xfrm>
             <a:off x="857160" y="1714680"/>
-            <a:ext cx="8524440" cy="4296600"/>
+            <a:ext cx="8523360" cy="4295520"/>
           </a:xfrm>
           <a:prstGeom prst="rect">
             <a:avLst/>
@@ -10269,7 +9619,7 @@
         <p:txBody>
           <a:bodyPr lIns="90000" rIns="90000" tIns="45000" bIns="45000"/>
           <a:p>
-            <a:pPr marL="285840" indent="-285480">
+            <a:pPr marL="285840" indent="-284400">
               <a:lnSpc>
                 <a:spcPct val="100000"/>
               </a:lnSpc>
@@ -10285,6 +9635,7 @@
                   <a:srgbClr val="3494ba"/>
                 </a:solidFill>
                 <a:latin typeface="Trebuchet MS"/>
+                <a:ea typeface="DejaVu Sans"/>
               </a:rPr>
               <a:t>Generic Sensor API</a:t>
             </a:r>
@@ -10294,6 +9645,7 @@
                   <a:srgbClr val="000000"/>
                 </a:solidFill>
                 <a:latin typeface="Trebuchet MS"/>
+                <a:ea typeface="DejaVu Sans"/>
               </a:rPr>
               <a:t>: is a framework promoted by the W3C to expose data collected through sensors in a consistent way, especially on mobile phones.</a:t>
             </a:r>
@@ -10312,7 +9664,7 @@
             </a:endParaRPr>
           </a:p>
           <a:p>
-            <a:pPr marL="285840" indent="-285480">
+            <a:pPr marL="285840" indent="-284400">
               <a:lnSpc>
                 <a:spcPct val="100000"/>
               </a:lnSpc>
@@ -10328,6 +9680,7 @@
                   <a:srgbClr val="3494ba"/>
                 </a:solidFill>
                 <a:latin typeface="Trebuchet MS"/>
+                <a:ea typeface="DejaVu Sans"/>
               </a:rPr>
               <a:t>Google Chrome</a:t>
             </a:r>
@@ -10337,6 +9690,7 @@
                   <a:srgbClr val="000000"/>
                 </a:solidFill>
                 <a:latin typeface="Trebuchet MS"/>
+                <a:ea typeface="DejaVu Sans"/>
               </a:rPr>
               <a:t>: a web browser developed by Google. It’s currently the most used browser.</a:t>
             </a:r>
@@ -10355,7 +9709,7 @@
             </a:endParaRPr>
           </a:p>
           <a:p>
-            <a:pPr marL="285840" indent="-285480">
+            <a:pPr marL="285840" indent="-284400">
               <a:lnSpc>
                 <a:spcPct val="100000"/>
               </a:lnSpc>
@@ -10371,6 +9725,7 @@
                   <a:srgbClr val="3494ba"/>
                 </a:solidFill>
                 <a:latin typeface="Trebuchet MS"/>
+                <a:ea typeface="DejaVu Sans"/>
               </a:rPr>
               <a:t>HTML</a:t>
             </a:r>
@@ -10380,6 +9735,7 @@
                   <a:srgbClr val="000000"/>
                 </a:solidFill>
                 <a:latin typeface="Trebuchet MS"/>
+                <a:ea typeface="DejaVu Sans"/>
               </a:rPr>
               <a:t>: is a markup language, the standard used to define documents to be displayed by web browsers. Often used with CSS for styling and with JavaScript to enhance functionalities.</a:t>
             </a:r>
@@ -10398,7 +9754,7 @@
             </a:endParaRPr>
           </a:p>
           <a:p>
-            <a:pPr marL="285840" indent="-285480">
+            <a:pPr marL="285840" indent="-284400">
               <a:lnSpc>
                 <a:spcPct val="100000"/>
               </a:lnSpc>
@@ -10414,6 +9770,7 @@
                   <a:srgbClr val="3494ba"/>
                 </a:solidFill>
                 <a:latin typeface="Trebuchet MS"/>
+                <a:ea typeface="DejaVu Sans"/>
               </a:rPr>
               <a:t>JavaScript</a:t>
             </a:r>
@@ -10423,6 +9780,7 @@
                   <a:srgbClr val="000000"/>
                 </a:solidFill>
                 <a:latin typeface="Trebuchet MS"/>
+                <a:ea typeface="DejaVu Sans"/>
               </a:rPr>
               <a:t>: is an object oriented and event oriented programming language. It’s very versatile, and is used in the majority of web application to program the client-side.</a:t>
             </a:r>
@@ -10483,14 +9841,14 @@
       </p:grpSpPr>
       <p:sp>
         <p:nvSpPr>
-          <p:cNvPr id="197" name="TextShape 1"/>
-          <p:cNvSpPr txBox="1"/>
+          <p:cNvPr id="191" name="CustomShape 1"/>
+          <p:cNvSpPr/>
           <p:nvPr/>
         </p:nvSpPr>
         <p:spPr>
           <a:xfrm>
             <a:off x="543960" y="258480"/>
-            <a:ext cx="8596440" cy="1320480"/>
+            <a:ext cx="8595360" cy="1319400"/>
           </a:xfrm>
           <a:prstGeom prst="rect">
             <a:avLst/>
@@ -10500,8 +9858,14 @@
             <a:noFill/>
           </a:ln>
         </p:spPr>
-        <p:txBody>
-          <a:bodyPr/>
+        <p:style>
+          <a:lnRef idx="0"/>
+          <a:fillRef idx="0"/>
+          <a:effectRef idx="0"/>
+          <a:fontRef idx="minor"/>
+        </p:style>
+        <p:txBody>
+          <a:bodyPr lIns="90000" rIns="90000" tIns="45000" bIns="45000"/>
           <a:p>
             <a:pPr>
               <a:lnSpc>
@@ -10514,64 +9878,26 @@
                   <a:srgbClr val="3494ba"/>
                 </a:solidFill>
                 <a:latin typeface="Trebuchet MS"/>
+                <a:ea typeface="DejaVu Sans"/>
               </a:rPr>
-              <a:t>Techn</a:t>
-            </a:r>
-            <a:r>
-              <a:rPr b="0" lang="en-US" sz="3600" spc="-1" strike="noStrike">
-                <a:solidFill>
-                  <a:srgbClr val="3494ba"/>
-                </a:solidFill>
-                <a:latin typeface="Trebuchet MS"/>
-              </a:rPr>
-              <a:t>ology: </a:t>
-            </a:r>
-            <a:r>
-              <a:rPr b="0" lang="en-US" sz="3600" spc="-1" strike="noStrike">
-                <a:solidFill>
-                  <a:srgbClr val="3494ba"/>
-                </a:solidFill>
-                <a:latin typeface="Trebuchet MS"/>
-              </a:rPr>
-              <a:t>MQTT </a:t>
-            </a:r>
-            <a:r>
-              <a:rPr b="0" lang="en-US" sz="3600" spc="-1" strike="noStrike">
-                <a:solidFill>
-                  <a:srgbClr val="3494ba"/>
-                </a:solidFill>
-                <a:latin typeface="Trebuchet MS"/>
-              </a:rPr>
-              <a:t>Proto</a:t>
-            </a:r>
-            <a:r>
-              <a:rPr b="0" lang="en-US" sz="3600" spc="-1" strike="noStrike">
-                <a:solidFill>
-                  <a:srgbClr val="3494ba"/>
-                </a:solidFill>
-                <a:latin typeface="Trebuchet MS"/>
-              </a:rPr>
-              <a:t>col</a:t>
+              <a:t>Technology: MQTT Protocol</a:t>
             </a:r>
             <a:endParaRPr b="0" lang="en-US" sz="3600" spc="-1" strike="noStrike">
-              <a:solidFill>
-                <a:srgbClr val="000000"/>
-              </a:solidFill>
-              <a:latin typeface="Trebuchet MS"/>
-            </a:endParaRPr>
-          </a:p>
-        </p:txBody>
-      </p:sp>
-      <p:sp>
-        <p:nvSpPr>
-          <p:cNvPr id="198" name="CustomShape 2"/>
+              <a:latin typeface="Arial"/>
+            </a:endParaRPr>
+          </a:p>
+        </p:txBody>
+      </p:sp>
+      <p:sp>
+        <p:nvSpPr>
+          <p:cNvPr id="192" name="CustomShape 2"/>
           <p:cNvSpPr/>
           <p:nvPr/>
         </p:nvSpPr>
         <p:spPr>
           <a:xfrm>
             <a:off x="258840" y="918720"/>
-            <a:ext cx="9775440" cy="1461960"/>
+            <a:ext cx="9774360" cy="1460880"/>
           </a:xfrm>
           <a:prstGeom prst="rect">
             <a:avLst/>
@@ -10590,7 +9916,7 @@
         <p:txBody>
           <a:bodyPr wrap="none" lIns="90000" rIns="90000" tIns="45000" bIns="45000"/>
           <a:p>
-            <a:pPr marL="285840" indent="-285480">
+            <a:pPr marL="285840" indent="-284400">
               <a:lnSpc>
                 <a:spcPct val="100000"/>
               </a:lnSpc>
@@ -10606,6 +9932,7 @@
                   <a:srgbClr val="000000"/>
                 </a:solidFill>
                 <a:latin typeface="Trebuchet MS"/>
+                <a:ea typeface="DejaVu Sans"/>
               </a:rPr>
               <a:t>MQTT is a machine-to-machine connectivity protocol, designed to be lightweight </a:t>
             </a:r>
@@ -10625,6 +9952,7 @@
                   <a:srgbClr val="000000"/>
                 </a:solidFill>
                 <a:latin typeface="Trebuchet MS"/>
+                <a:ea typeface="DejaVu Sans"/>
               </a:rPr>
               <a:t>	</a:t>
             </a:r>
@@ -10634,6 +9962,7 @@
                   <a:srgbClr val="000000"/>
                 </a:solidFill>
                 <a:latin typeface="Trebuchet MS"/>
+                <a:ea typeface="DejaVu Sans"/>
               </a:rPr>
               <a:t>and work well even in situations where little resources are provided.</a:t>
             </a:r>
@@ -10653,6 +9982,7 @@
                   <a:srgbClr val="000000"/>
                 </a:solidFill>
                 <a:latin typeface="Trebuchet MS"/>
+                <a:ea typeface="DejaVu Sans"/>
               </a:rPr>
               <a:t>	</a:t>
             </a:r>
@@ -10662,6 +9992,7 @@
                   <a:srgbClr val="000000"/>
                 </a:solidFill>
                 <a:latin typeface="Trebuchet MS"/>
+                <a:ea typeface="DejaVu Sans"/>
               </a:rPr>
               <a:t>Because of this, it’s ideal for sensor communication.</a:t>
             </a:r>
@@ -10680,7 +10011,7 @@
             </a:endParaRPr>
           </a:p>
           <a:p>
-            <a:pPr marL="285840" indent="-285480">
+            <a:pPr marL="285840" indent="-284400">
               <a:lnSpc>
                 <a:spcPct val="100000"/>
               </a:lnSpc>
@@ -10696,6 +10027,7 @@
                   <a:srgbClr val="000000"/>
                 </a:solidFill>
                 <a:latin typeface="Trebuchet MS"/>
+                <a:ea typeface="DejaVu Sans"/>
               </a:rPr>
               <a:t>It’s based on the publish subscriber paradigm </a:t>
             </a:r>
@@ -10707,7 +10039,7 @@
       </p:sp>
       <p:pic>
         <p:nvPicPr>
-          <p:cNvPr id="199" name="Immagine 4" descr=""/>
+          <p:cNvPr id="193" name="Immagine 4" descr=""/>
           <p:cNvPicPr/>
           <p:nvPr/>
         </p:nvPicPr>
@@ -10718,7 +10050,7 @@
         <p:spPr>
           <a:xfrm>
             <a:off x="1610640" y="2535840"/>
-            <a:ext cx="6694920" cy="3852000"/>
+            <a:ext cx="6693840" cy="3850920"/>
           </a:xfrm>
           <a:prstGeom prst="rect">
             <a:avLst/>
@@ -10781,14 +10113,14 @@
       </p:grpSpPr>
       <p:sp>
         <p:nvSpPr>
-          <p:cNvPr id="200" name="TextShape 1"/>
-          <p:cNvSpPr txBox="1"/>
+          <p:cNvPr id="194" name="CustomShape 1"/>
+          <p:cNvSpPr/>
           <p:nvPr/>
         </p:nvSpPr>
         <p:spPr>
           <a:xfrm>
             <a:off x="371520" y="333360"/>
-            <a:ext cx="8596440" cy="1320480"/>
+            <a:ext cx="8595360" cy="1319400"/>
           </a:xfrm>
           <a:prstGeom prst="rect">
             <a:avLst/>
@@ -10798,8 +10130,14 @@
             <a:noFill/>
           </a:ln>
         </p:spPr>
-        <p:txBody>
-          <a:bodyPr>
+        <p:style>
+          <a:lnRef idx="0"/>
+          <a:fillRef idx="0"/>
+          <a:effectRef idx="0"/>
+          <a:fontRef idx="minor"/>
+        </p:style>
+        <p:txBody>
+          <a:bodyPr lIns="90000" rIns="90000" tIns="45000" bIns="45000">
             <a:normAutofit/>
           </a:bodyPr>
           <a:p>
@@ -10814,21 +10152,19 @@
                   <a:srgbClr val="3494ba"/>
                 </a:solidFill>
                 <a:latin typeface="Trebuchet MS"/>
+                <a:ea typeface="DejaVu Sans"/>
               </a:rPr>
               <a:t>Technology: Node.js</a:t>
             </a:r>
             <a:endParaRPr b="0" lang="en-US" sz="4400" spc="-1" strike="noStrike">
-              <a:solidFill>
-                <a:srgbClr val="000000"/>
-              </a:solidFill>
-              <a:latin typeface="Trebuchet MS"/>
+              <a:latin typeface="Arial"/>
             </a:endParaRPr>
           </a:p>
         </p:txBody>
       </p:sp>
       <p:pic>
         <p:nvPicPr>
-          <p:cNvPr id="201" name="Immagine 3" descr=""/>
+          <p:cNvPr id="195" name="Immagine 3" descr=""/>
           <p:cNvPicPr/>
           <p:nvPr/>
         </p:nvPicPr>
@@ -10839,7 +10175,7 @@
         <p:spPr>
           <a:xfrm>
             <a:off x="5585760" y="1828800"/>
-            <a:ext cx="4344120" cy="2657160"/>
+            <a:ext cx="4343040" cy="2656080"/>
           </a:xfrm>
           <a:prstGeom prst="rect">
             <a:avLst/>
@@ -10851,14 +10187,14 @@
       </p:pic>
       <p:sp>
         <p:nvSpPr>
-          <p:cNvPr id="202" name="CustomShape 2"/>
+          <p:cNvPr id="196" name="CustomShape 2"/>
           <p:cNvSpPr/>
           <p:nvPr/>
         </p:nvSpPr>
         <p:spPr>
           <a:xfrm>
             <a:off x="371520" y="1485720"/>
-            <a:ext cx="4733640" cy="4205160"/>
+            <a:ext cx="4732560" cy="4204080"/>
           </a:xfrm>
           <a:prstGeom prst="rect">
             <a:avLst/>
@@ -10877,7 +10213,7 @@
         <p:txBody>
           <a:bodyPr lIns="90000" rIns="90000" tIns="45000" bIns="45000"/>
           <a:p>
-            <a:pPr marL="285840" indent="-285480">
+            <a:pPr marL="285840" indent="-284400">
               <a:lnSpc>
                 <a:spcPct val="100000"/>
               </a:lnSpc>
@@ -10893,6 +10229,7 @@
                   <a:srgbClr val="000000"/>
                 </a:solidFill>
                 <a:latin typeface="Trebuchet MS"/>
+                <a:ea typeface="DejaVu Sans"/>
               </a:rPr>
               <a:t>Node.js is a JavaScript runtime environment that uses V8 JavaScript Engine (which makes it very smooth and powerful).</a:t>
             </a:r>
@@ -10921,7 +10258,7 @@
             </a:endParaRPr>
           </a:p>
           <a:p>
-            <a:pPr marL="285840" indent="-285480">
+            <a:pPr marL="285840" indent="-284400">
               <a:lnSpc>
                 <a:spcPct val="100000"/>
               </a:lnSpc>
@@ -10937,6 +10274,7 @@
                   <a:srgbClr val="000000"/>
                 </a:solidFill>
                 <a:latin typeface="Trebuchet MS"/>
+                <a:ea typeface="DejaVu Sans"/>
               </a:rPr>
               <a:t>It’s run in a single process, without creating a new thread for every connection. In general, it’s thought for an asynchronous and event-driven programming style.</a:t>
             </a:r>
@@ -10965,7 +10303,7 @@
             </a:endParaRPr>
           </a:p>
           <a:p>
-            <a:pPr marL="285840" indent="-285480">
+            <a:pPr marL="285840" indent="-284400">
               <a:lnSpc>
                 <a:spcPct val="100000"/>
               </a:lnSpc>
@@ -10981,6 +10319,7 @@
                   <a:srgbClr val="000000"/>
                 </a:solidFill>
                 <a:latin typeface="Trebuchet MS"/>
+                <a:ea typeface="DejaVu Sans"/>
               </a:rPr>
               <a:t>It’s very popular, and has a huge amount of frameworks and libraries.</a:t>
             </a:r>
@@ -11041,14 +10380,14 @@
       </p:grpSpPr>
       <p:sp>
         <p:nvSpPr>
-          <p:cNvPr id="203" name="TextShape 1"/>
-          <p:cNvSpPr txBox="1"/>
+          <p:cNvPr id="197" name="CustomShape 1"/>
+          <p:cNvSpPr/>
           <p:nvPr/>
         </p:nvSpPr>
         <p:spPr>
           <a:xfrm>
             <a:off x="677160" y="609480"/>
-            <a:ext cx="8596440" cy="1320480"/>
+            <a:ext cx="8595360" cy="1319400"/>
           </a:xfrm>
           <a:prstGeom prst="rect">
             <a:avLst/>
@@ -11058,8 +10397,14 @@
             <a:noFill/>
           </a:ln>
         </p:spPr>
-        <p:txBody>
-          <a:bodyPr/>
+        <p:style>
+          <a:lnRef idx="0"/>
+          <a:fillRef idx="0"/>
+          <a:effectRef idx="0"/>
+          <a:fontRef idx="minor"/>
+        </p:style>
+        <p:txBody>
+          <a:bodyPr lIns="90000" rIns="90000" tIns="45000" bIns="45000"/>
           <a:p>
             <a:pPr>
               <a:lnSpc>
@@ -11072,21 +10417,19 @@
                   <a:srgbClr val="3494ba"/>
                 </a:solidFill>
                 <a:latin typeface="Trebuchet MS"/>
+                <a:ea typeface="DejaVu Sans"/>
               </a:rPr>
               <a:t>Technology: Heroku</a:t>
             </a:r>
             <a:endParaRPr b="0" lang="en-US" sz="3600" spc="-1" strike="noStrike">
-              <a:solidFill>
-                <a:srgbClr val="000000"/>
-              </a:solidFill>
-              <a:latin typeface="Trebuchet MS"/>
+              <a:latin typeface="Arial"/>
             </a:endParaRPr>
           </a:p>
         </p:txBody>
       </p:sp>
       <p:pic>
         <p:nvPicPr>
-          <p:cNvPr id="204" name="Immagine 3" descr=""/>
+          <p:cNvPr id="198" name="Immagine 3" descr=""/>
           <p:cNvPicPr/>
           <p:nvPr/>
         </p:nvPicPr>
@@ -11097,7 +10440,7 @@
         <p:spPr>
           <a:xfrm>
             <a:off x="7071120" y="1562040"/>
-            <a:ext cx="2507040" cy="3498480"/>
+            <a:ext cx="2505960" cy="3497400"/>
           </a:xfrm>
           <a:prstGeom prst="rect">
             <a:avLst/>
@@ -11109,14 +10452,14 @@
       </p:pic>
       <p:sp>
         <p:nvSpPr>
-          <p:cNvPr id="205" name="CustomShape 2"/>
+          <p:cNvPr id="199" name="CustomShape 2"/>
           <p:cNvSpPr/>
           <p:nvPr/>
         </p:nvSpPr>
         <p:spPr>
           <a:xfrm>
             <a:off x="800280" y="1676520"/>
-            <a:ext cx="5590800" cy="4478760"/>
+            <a:ext cx="5589720" cy="4477680"/>
           </a:xfrm>
           <a:prstGeom prst="rect">
             <a:avLst/>
@@ -11135,7 +10478,7 @@
         <p:txBody>
           <a:bodyPr lIns="90000" rIns="90000" tIns="45000" bIns="45000"/>
           <a:p>
-            <a:pPr marL="285840" indent="-285480">
+            <a:pPr marL="285840" indent="-284400">
               <a:lnSpc>
                 <a:spcPct val="100000"/>
               </a:lnSpc>
@@ -11151,6 +10494,7 @@
                   <a:srgbClr val="000000"/>
                 </a:solidFill>
                 <a:latin typeface="Trebuchet MS"/>
+                <a:ea typeface="DejaVu Sans"/>
               </a:rPr>
               <a:t>Heroku is a cloud platform where you can deploy your applications. It has been in development since 2007, and supports many programming languages, such as Ruby, Scala, Go, NodeJS, Clojure, Python, PHP and Java.</a:t>
             </a:r>
@@ -11169,7 +10513,7 @@
             </a:endParaRPr>
           </a:p>
           <a:p>
-            <a:pPr marL="285840" indent="-285480">
+            <a:pPr marL="285840" indent="-284400">
               <a:lnSpc>
                 <a:spcPct val="100000"/>
               </a:lnSpc>
@@ -11185,6 +10529,7 @@
                   <a:srgbClr val="000000"/>
                 </a:solidFill>
                 <a:latin typeface="Trebuchet MS"/>
+                <a:ea typeface="DejaVu Sans"/>
               </a:rPr>
               <a:t>It has different payment plans, but for our purposes the free plan is more than enough. </a:t>
             </a:r>

--- a/Accelerometer Activity Recognition.pptx
+++ b/Accelerometer Activity Recognition.pptx
@@ -76,7 +76,7 @@
         <p:spPr>
           <a:xfrm>
             <a:off x="677160" y="609480"/>
-            <a:ext cx="8595360" cy="1319400"/>
+            <a:ext cx="8595000" cy="1319040"/>
           </a:xfrm>
           <a:prstGeom prst="rect">
             <a:avLst/>
@@ -187,7 +187,7 @@
         <p:spPr>
           <a:xfrm>
             <a:off x="677160" y="609480"/>
-            <a:ext cx="8595360" cy="1319400"/>
+            <a:ext cx="8595000" cy="1319040"/>
           </a:xfrm>
           <a:prstGeom prst="rect">
             <a:avLst/>
@@ -358,7 +358,7 @@
         <p:spPr>
           <a:xfrm>
             <a:off x="677160" y="609480"/>
-            <a:ext cx="8595360" cy="1319400"/>
+            <a:ext cx="8595000" cy="1319040"/>
           </a:xfrm>
           <a:prstGeom prst="rect">
             <a:avLst/>
@@ -611,7 +611,7 @@
         <p:spPr>
           <a:xfrm>
             <a:off x="677160" y="609480"/>
-            <a:ext cx="8595360" cy="1319400"/>
+            <a:ext cx="8595000" cy="1319040"/>
           </a:xfrm>
           <a:prstGeom prst="rect">
             <a:avLst/>
@@ -691,7 +691,7 @@
         <p:spPr>
           <a:xfrm>
             <a:off x="677160" y="609480"/>
-            <a:ext cx="8595360" cy="1319400"/>
+            <a:ext cx="8595000" cy="1319040"/>
           </a:xfrm>
           <a:prstGeom prst="rect">
             <a:avLst/>
@@ -772,7 +772,7 @@
         <p:spPr>
           <a:xfrm>
             <a:off x="677160" y="609480"/>
-            <a:ext cx="8595360" cy="1319400"/>
+            <a:ext cx="8595000" cy="1319040"/>
           </a:xfrm>
           <a:prstGeom prst="rect">
             <a:avLst/>
@@ -883,7 +883,7 @@
         <p:spPr>
           <a:xfrm>
             <a:off x="677160" y="609480"/>
-            <a:ext cx="8595360" cy="1319400"/>
+            <a:ext cx="8595000" cy="1319040"/>
           </a:xfrm>
           <a:prstGeom prst="rect">
             <a:avLst/>
@@ -934,7 +934,7 @@
         <p:spPr>
           <a:xfrm>
             <a:off x="677160" y="609480"/>
-            <a:ext cx="8595360" cy="6117120"/>
+            <a:ext cx="8595000" cy="6115680"/>
           </a:xfrm>
           <a:prstGeom prst="rect">
             <a:avLst/>
@@ -985,7 +985,7 @@
         <p:spPr>
           <a:xfrm>
             <a:off x="677160" y="609480"/>
-            <a:ext cx="8595360" cy="1319400"/>
+            <a:ext cx="8595000" cy="1319040"/>
           </a:xfrm>
           <a:prstGeom prst="rect">
             <a:avLst/>
@@ -1126,7 +1126,7 @@
         <p:spPr>
           <a:xfrm>
             <a:off x="677160" y="609480"/>
-            <a:ext cx="8595360" cy="1319400"/>
+            <a:ext cx="8595000" cy="1319040"/>
           </a:xfrm>
           <a:prstGeom prst="rect">
             <a:avLst/>
@@ -1206,7 +1206,7 @@
         <p:spPr>
           <a:xfrm>
             <a:off x="677160" y="609480"/>
-            <a:ext cx="8595360" cy="1319400"/>
+            <a:ext cx="8595000" cy="1319040"/>
           </a:xfrm>
           <a:prstGeom prst="rect">
             <a:avLst/>
@@ -1347,7 +1347,7 @@
         <p:spPr>
           <a:xfrm>
             <a:off x="677160" y="609480"/>
-            <a:ext cx="8595360" cy="1319400"/>
+            <a:ext cx="8595000" cy="1319040"/>
           </a:xfrm>
           <a:prstGeom prst="rect">
             <a:avLst/>
@@ -1488,7 +1488,7 @@
         <p:spPr>
           <a:xfrm>
             <a:off x="677160" y="609480"/>
-            <a:ext cx="8595360" cy="1319400"/>
+            <a:ext cx="8595000" cy="1319040"/>
           </a:xfrm>
           <a:prstGeom prst="rect">
             <a:avLst/>
@@ -1599,7 +1599,7 @@
         <p:spPr>
           <a:xfrm>
             <a:off x="677160" y="609480"/>
-            <a:ext cx="8595360" cy="1319400"/>
+            <a:ext cx="8595000" cy="1319040"/>
           </a:xfrm>
           <a:prstGeom prst="rect">
             <a:avLst/>
@@ -1770,7 +1770,7 @@
         <p:spPr>
           <a:xfrm>
             <a:off x="677160" y="609480"/>
-            <a:ext cx="8595360" cy="1319400"/>
+            <a:ext cx="8595000" cy="1319040"/>
           </a:xfrm>
           <a:prstGeom prst="rect">
             <a:avLst/>
@@ -2001,7 +2001,7 @@
         <p:spPr>
           <a:xfrm>
             <a:off x="677160" y="609480"/>
-            <a:ext cx="8595360" cy="1319400"/>
+            <a:ext cx="8595000" cy="1319040"/>
           </a:xfrm>
           <a:prstGeom prst="rect">
             <a:avLst/>
@@ -2082,7 +2082,7 @@
         <p:spPr>
           <a:xfrm>
             <a:off x="677160" y="609480"/>
-            <a:ext cx="8595360" cy="1319400"/>
+            <a:ext cx="8595000" cy="1319040"/>
           </a:xfrm>
           <a:prstGeom prst="rect">
             <a:avLst/>
@@ -2193,7 +2193,7 @@
         <p:spPr>
           <a:xfrm>
             <a:off x="677160" y="609480"/>
-            <a:ext cx="8595360" cy="1319400"/>
+            <a:ext cx="8595000" cy="1319040"/>
           </a:xfrm>
           <a:prstGeom prst="rect">
             <a:avLst/>
@@ -2244,7 +2244,7 @@
         <p:spPr>
           <a:xfrm>
             <a:off x="677160" y="609480"/>
-            <a:ext cx="8595360" cy="6117120"/>
+            <a:ext cx="8595000" cy="6115680"/>
           </a:xfrm>
           <a:prstGeom prst="rect">
             <a:avLst/>
@@ -2295,7 +2295,7 @@
         <p:spPr>
           <a:xfrm>
             <a:off x="677160" y="609480"/>
-            <a:ext cx="8595360" cy="1319400"/>
+            <a:ext cx="8595000" cy="1319040"/>
           </a:xfrm>
           <a:prstGeom prst="rect">
             <a:avLst/>
@@ -2436,7 +2436,7 @@
         <p:spPr>
           <a:xfrm>
             <a:off x="677160" y="609480"/>
-            <a:ext cx="8595360" cy="1319400"/>
+            <a:ext cx="8595000" cy="1319040"/>
           </a:xfrm>
           <a:prstGeom prst="rect">
             <a:avLst/>
@@ -2577,7 +2577,7 @@
         <p:spPr>
           <a:xfrm>
             <a:off x="677160" y="609480"/>
-            <a:ext cx="8595360" cy="1319400"/>
+            <a:ext cx="8595000" cy="1319040"/>
           </a:xfrm>
           <a:prstGeom prst="rect">
             <a:avLst/>
@@ -2721,9 +2721,9 @@
         <p:grpSpPr>
           <a:xfrm>
             <a:off x="0" y="-8640"/>
-            <a:ext cx="12190680" cy="6866640"/>
+            <a:ext cx="12190320" cy="6866640"/>
             <a:chOff x="0" y="-8640"/>
-            <a:chExt cx="12190680" cy="6866640"/>
+            <a:chExt cx="12190320" cy="6866640"/>
           </a:xfrm>
         </p:grpSpPr>
         <p:sp>
@@ -2807,7 +2807,7 @@
           <p:spPr>
             <a:xfrm>
               <a:off x="9181440" y="-8640"/>
-              <a:ext cx="3006000" cy="6865200"/>
+              <a:ext cx="3005640" cy="6864840"/>
             </a:xfrm>
             <a:custGeom>
               <a:avLst/>
@@ -2873,7 +2873,7 @@
           <p:spPr>
             <a:xfrm>
               <a:off x="9603360" y="-8640"/>
-              <a:ext cx="2586960" cy="6865200"/>
+              <a:ext cx="2586600" cy="6864840"/>
             </a:xfrm>
             <a:custGeom>
               <a:avLst/>
@@ -2939,7 +2939,7 @@
           <p:spPr>
             <a:xfrm>
               <a:off x="8932320" y="3048120"/>
-              <a:ext cx="3258360" cy="3808440"/>
+              <a:ext cx="3258000" cy="3808080"/>
             </a:xfrm>
             <a:prstGeom prst="triangle">
               <a:avLst>
@@ -2984,7 +2984,7 @@
           <p:spPr>
             <a:xfrm>
               <a:off x="9334440" y="-8640"/>
-              <a:ext cx="2853000" cy="6865200"/>
+              <a:ext cx="2852640" cy="6864840"/>
             </a:xfrm>
             <a:custGeom>
               <a:avLst/>
@@ -3051,7 +3051,7 @@
           <p:spPr>
             <a:xfrm>
               <a:off x="10898640" y="-8640"/>
-              <a:ext cx="1288800" cy="6865200"/>
+              <a:ext cx="1288440" cy="6864840"/>
             </a:xfrm>
             <a:custGeom>
               <a:avLst/>
@@ -3119,7 +3119,7 @@
           <p:spPr>
             <a:xfrm>
               <a:off x="10938960" y="-8640"/>
-              <a:ext cx="1248480" cy="6865200"/>
+              <a:ext cx="1248120" cy="6864840"/>
             </a:xfrm>
             <a:custGeom>
               <a:avLst/>
@@ -3185,7 +3185,7 @@
           <p:spPr>
             <a:xfrm>
               <a:off x="10371600" y="3589920"/>
-              <a:ext cx="1815840" cy="3266640"/>
+              <a:ext cx="1815480" cy="3266280"/>
             </a:xfrm>
             <a:prstGeom prst="triangle">
               <a:avLst>
@@ -3230,7 +3230,7 @@
           <p:spPr>
             <a:xfrm>
               <a:off x="0" y="4013280"/>
-              <a:ext cx="447120" cy="2843280"/>
+              <a:ext cx="446760" cy="2842920"/>
             </a:xfrm>
             <a:prstGeom prst="triangle">
               <a:avLst>
@@ -3275,10 +3275,10 @@
         </p:nvGrpSpPr>
         <p:grpSpPr>
           <a:xfrm>
-            <a:off x="1440" y="-8640"/>
-            <a:ext cx="12189240" cy="6866640"/>
-            <a:chOff x="1440" y="-8640"/>
-            <a:chExt cx="12189240" cy="6866640"/>
+            <a:off x="1800" y="-8640"/>
+            <a:ext cx="12188520" cy="6866640"/>
+            <a:chOff x="1800" y="-8640"/>
+            <a:chExt cx="12188520" cy="6866640"/>
           </a:xfrm>
         </p:grpSpPr>
         <p:sp>
@@ -3362,7 +3362,7 @@
           <p:spPr>
             <a:xfrm>
               <a:off x="9181440" y="-8640"/>
-              <a:ext cx="3006000" cy="6865200"/>
+              <a:ext cx="3005640" cy="6864840"/>
             </a:xfrm>
             <a:custGeom>
               <a:avLst/>
@@ -3428,7 +3428,7 @@
           <p:spPr>
             <a:xfrm>
               <a:off x="9603360" y="-8640"/>
-              <a:ext cx="2586960" cy="6865200"/>
+              <a:ext cx="2586600" cy="6864840"/>
             </a:xfrm>
             <a:custGeom>
               <a:avLst/>
@@ -3494,7 +3494,7 @@
           <p:spPr>
             <a:xfrm>
               <a:off x="8932320" y="3048120"/>
-              <a:ext cx="3258360" cy="3808440"/>
+              <a:ext cx="3258000" cy="3808080"/>
             </a:xfrm>
             <a:prstGeom prst="triangle">
               <a:avLst>
@@ -3539,7 +3539,7 @@
           <p:spPr>
             <a:xfrm>
               <a:off x="9334440" y="-8640"/>
-              <a:ext cx="2853000" cy="6865200"/>
+              <a:ext cx="2852640" cy="6864840"/>
             </a:xfrm>
             <a:custGeom>
               <a:avLst/>
@@ -3606,7 +3606,7 @@
           <p:spPr>
             <a:xfrm>
               <a:off x="10898640" y="-8640"/>
-              <a:ext cx="1288800" cy="6865200"/>
+              <a:ext cx="1288440" cy="6864840"/>
             </a:xfrm>
             <a:custGeom>
               <a:avLst/>
@@ -3674,7 +3674,7 @@
           <p:spPr>
             <a:xfrm>
               <a:off x="10938960" y="-8640"/>
-              <a:ext cx="1248480" cy="6865200"/>
+              <a:ext cx="1248120" cy="6864840"/>
             </a:xfrm>
             <a:custGeom>
               <a:avLst/>
@@ -3740,7 +3740,7 @@
           <p:spPr>
             <a:xfrm>
               <a:off x="10371600" y="3589920"/>
-              <a:ext cx="1815840" cy="3266640"/>
+              <a:ext cx="1815480" cy="3266280"/>
             </a:xfrm>
             <a:prstGeom prst="triangle">
               <a:avLst>
@@ -3784,8 +3784,8 @@
           </p:nvSpPr>
           <p:spPr>
             <a:xfrm rot="10800000">
-              <a:off x="1440" y="1440"/>
-              <a:ext cx="841320" cy="5664600"/>
+              <a:off x="1800" y="1800"/>
+              <a:ext cx="840960" cy="5664240"/>
             </a:xfrm>
             <a:prstGeom prst="triangle">
               <a:avLst>
@@ -4089,9 +4089,9 @@
         <p:grpSpPr>
           <a:xfrm>
             <a:off x="0" y="-8640"/>
-            <a:ext cx="12190680" cy="6866640"/>
+            <a:ext cx="12190320" cy="6866640"/>
             <a:chOff x="0" y="-8640"/>
-            <a:chExt cx="12190680" cy="6866640"/>
+            <a:chExt cx="12190320" cy="6866640"/>
           </a:xfrm>
         </p:grpSpPr>
         <p:sp>
@@ -4175,7 +4175,7 @@
           <p:spPr>
             <a:xfrm>
               <a:off x="9181440" y="-8640"/>
-              <a:ext cx="3006000" cy="6865200"/>
+              <a:ext cx="3005640" cy="6864840"/>
             </a:xfrm>
             <a:custGeom>
               <a:avLst/>
@@ -4241,7 +4241,7 @@
           <p:spPr>
             <a:xfrm>
               <a:off x="9603360" y="-8640"/>
-              <a:ext cx="2586960" cy="6865200"/>
+              <a:ext cx="2586600" cy="6864840"/>
             </a:xfrm>
             <a:custGeom>
               <a:avLst/>
@@ -4307,7 +4307,7 @@
           <p:spPr>
             <a:xfrm>
               <a:off x="8932320" y="3048120"/>
-              <a:ext cx="3258360" cy="3808440"/>
+              <a:ext cx="3258000" cy="3808080"/>
             </a:xfrm>
             <a:prstGeom prst="triangle">
               <a:avLst>
@@ -4352,7 +4352,7 @@
           <p:spPr>
             <a:xfrm>
               <a:off x="9334440" y="-8640"/>
-              <a:ext cx="2853000" cy="6865200"/>
+              <a:ext cx="2852640" cy="6864840"/>
             </a:xfrm>
             <a:custGeom>
               <a:avLst/>
@@ -4419,7 +4419,7 @@
           <p:spPr>
             <a:xfrm>
               <a:off x="10898640" y="-8640"/>
-              <a:ext cx="1288800" cy="6865200"/>
+              <a:ext cx="1288440" cy="6864840"/>
             </a:xfrm>
             <a:custGeom>
               <a:avLst/>
@@ -4487,7 +4487,7 @@
           <p:spPr>
             <a:xfrm>
               <a:off x="10938960" y="-8640"/>
-              <a:ext cx="1248480" cy="6865200"/>
+              <a:ext cx="1248120" cy="6864840"/>
             </a:xfrm>
             <a:custGeom>
               <a:avLst/>
@@ -4553,7 +4553,7 @@
           <p:spPr>
             <a:xfrm>
               <a:off x="10371600" y="3589920"/>
-              <a:ext cx="1815840" cy="3266640"/>
+              <a:ext cx="1815480" cy="3266280"/>
             </a:xfrm>
             <a:prstGeom prst="triangle">
               <a:avLst>
@@ -4598,7 +4598,7 @@
           <p:spPr>
             <a:xfrm>
               <a:off x="0" y="4013280"/>
-              <a:ext cx="447120" cy="2843280"/>
+              <a:ext cx="446760" cy="2842920"/>
             </a:xfrm>
             <a:prstGeom prst="triangle">
               <a:avLst>
@@ -4648,7 +4648,7 @@
         <p:spPr>
           <a:xfrm>
             <a:off x="677160" y="609480"/>
-            <a:ext cx="8595360" cy="1319400"/>
+            <a:ext cx="8595000" cy="1319040"/>
           </a:xfrm>
           <a:prstGeom prst="rect">
             <a:avLst/>
@@ -4894,7 +4894,7 @@
         <p:spPr>
           <a:xfrm>
             <a:off x="1506960" y="2404440"/>
-            <a:ext cx="7765560" cy="1644840"/>
+            <a:ext cx="7765200" cy="1644480"/>
           </a:xfrm>
           <a:prstGeom prst="rect">
             <a:avLst/>
@@ -4943,7 +4943,7 @@
         <p:spPr>
           <a:xfrm>
             <a:off x="1506960" y="4050720"/>
-            <a:ext cx="7765560" cy="1095480"/>
+            <a:ext cx="7765200" cy="1095120"/>
           </a:xfrm>
           <a:prstGeom prst="rect">
             <a:avLst/>
@@ -5044,7 +5044,7 @@
         <p:spPr>
           <a:xfrm>
             <a:off x="677160" y="609480"/>
-            <a:ext cx="8595360" cy="1319400"/>
+            <a:ext cx="8595000" cy="1319040"/>
           </a:xfrm>
           <a:prstGeom prst="rect">
             <a:avLst/>
@@ -5097,7 +5097,7 @@
         <p:spPr>
           <a:xfrm>
             <a:off x="1001160" y="1930320"/>
-            <a:ext cx="2818080" cy="2818080"/>
+            <a:ext cx="2817720" cy="2817720"/>
           </a:xfrm>
           <a:prstGeom prst="rect">
             <a:avLst/>
@@ -5116,7 +5116,7 @@
         <p:spPr>
           <a:xfrm>
             <a:off x="4572000" y="1724040"/>
-            <a:ext cx="4700520" cy="4052520"/>
+            <a:ext cx="4700160" cy="4052160"/>
           </a:xfrm>
           <a:prstGeom prst="rect">
             <a:avLst/>
@@ -5135,7 +5135,7 @@
         <p:txBody>
           <a:bodyPr lIns="90000" rIns="90000" tIns="45000" bIns="45000"/>
           <a:p>
-            <a:pPr marL="285840" indent="-284400">
+            <a:pPr marL="285840" indent="-284040">
               <a:lnSpc>
                 <a:spcPct val="100000"/>
               </a:lnSpc>
@@ -5170,7 +5170,7 @@
             </a:endParaRPr>
           </a:p>
           <a:p>
-            <a:pPr marL="285840" indent="-284400">
+            <a:pPr marL="285840" indent="-284040">
               <a:lnSpc>
                 <a:spcPct val="100000"/>
               </a:lnSpc>
@@ -5205,7 +5205,7 @@
             </a:endParaRPr>
           </a:p>
           <a:p>
-            <a:pPr marL="285840" indent="-284400">
+            <a:pPr marL="285840" indent="-284040">
               <a:lnSpc>
                 <a:spcPct val="100000"/>
               </a:lnSpc>
@@ -5289,7 +5289,7 @@
         <p:spPr>
           <a:xfrm>
             <a:off x="677160" y="609480"/>
-            <a:ext cx="8595360" cy="1319400"/>
+            <a:ext cx="8595000" cy="1319040"/>
           </a:xfrm>
           <a:prstGeom prst="rect">
             <a:avLst/>
@@ -5340,7 +5340,7 @@
         <p:spPr>
           <a:xfrm>
             <a:off x="694440" y="1619280"/>
-            <a:ext cx="8365680" cy="4663080"/>
+            <a:ext cx="8365320" cy="4662720"/>
           </a:xfrm>
           <a:prstGeom prst="rect">
             <a:avLst/>
@@ -5359,7 +5359,7 @@
         <p:txBody>
           <a:bodyPr wrap="none" lIns="90000" rIns="90000" tIns="45000" bIns="45000"/>
           <a:p>
-            <a:pPr marL="285840" indent="-284400">
+            <a:pPr marL="285840" indent="-284040">
               <a:lnSpc>
                 <a:spcPct val="100000"/>
               </a:lnSpc>
@@ -5406,7 +5406,7 @@
             </a:endParaRPr>
           </a:p>
           <a:p>
-            <a:pPr marL="343080" indent="-341640">
+            <a:pPr marL="343080" indent="-341280">
               <a:lnSpc>
                 <a:spcPct val="100000"/>
               </a:lnSpc>
@@ -5453,7 +5453,7 @@
             </a:endParaRPr>
           </a:p>
           <a:p>
-            <a:pPr marL="343080" indent="-341640">
+            <a:pPr marL="343080" indent="-341280">
               <a:lnSpc>
                 <a:spcPct val="100000"/>
               </a:lnSpc>
@@ -5500,7 +5500,7 @@
             </a:endParaRPr>
           </a:p>
           <a:p>
-            <a:pPr marL="343080" indent="-341640">
+            <a:pPr marL="343080" indent="-341280">
               <a:lnSpc>
                 <a:spcPct val="100000"/>
               </a:lnSpc>
@@ -5547,7 +5547,7 @@
             </a:endParaRPr>
           </a:p>
           <a:p>
-            <a:pPr marL="285840" indent="-284400">
+            <a:pPr marL="285840" indent="-284040">
               <a:lnSpc>
                 <a:spcPct val="100000"/>
               </a:lnSpc>
@@ -5594,7 +5594,7 @@
             </a:endParaRPr>
           </a:p>
           <a:p>
-            <a:pPr marL="285840" indent="-284400">
+            <a:pPr marL="285840" indent="-284040">
               <a:lnSpc>
                 <a:spcPct val="100000"/>
               </a:lnSpc>
@@ -5641,7 +5641,7 @@
             </a:endParaRPr>
           </a:p>
           <a:p>
-            <a:pPr marL="285840" indent="-284400">
+            <a:pPr marL="285840" indent="-284040">
               <a:lnSpc>
                 <a:spcPct val="100000"/>
               </a:lnSpc>
@@ -5688,7 +5688,7 @@
             </a:endParaRPr>
           </a:p>
           <a:p>
-            <a:pPr marL="285840" indent="-284400">
+            <a:pPr marL="285840" indent="-284040">
               <a:lnSpc>
                 <a:spcPct val="100000"/>
               </a:lnSpc>
@@ -5783,7 +5783,7 @@
         <p:spPr>
           <a:xfrm>
             <a:off x="791640" y="2333520"/>
-            <a:ext cx="8595360" cy="1319400"/>
+            <a:ext cx="8595000" cy="1319040"/>
           </a:xfrm>
           <a:prstGeom prst="rect">
             <a:avLst/>
@@ -5883,7 +5883,7 @@
         <p:spPr>
           <a:xfrm>
             <a:off x="677160" y="609480"/>
-            <a:ext cx="8595360" cy="1319400"/>
+            <a:ext cx="8595000" cy="1319040"/>
           </a:xfrm>
           <a:prstGeom prst="rect">
             <a:avLst/>
@@ -5932,7 +5932,7 @@
         <p:spPr>
           <a:xfrm>
             <a:off x="457200" y="1463040"/>
-            <a:ext cx="9250920" cy="5301360"/>
+            <a:ext cx="9250560" cy="5301000"/>
           </a:xfrm>
           <a:prstGeom prst="rect">
             <a:avLst/>
@@ -5951,7 +5951,7 @@
         <p:txBody>
           <a:bodyPr lIns="90000" rIns="90000" tIns="45000" bIns="45000"/>
           <a:p>
-            <a:pPr marL="285840" indent="-284400">
+            <a:pPr marL="285840" indent="-284040">
               <a:lnSpc>
                 <a:spcPct val="100000"/>
               </a:lnSpc>
@@ -5986,7 +5986,7 @@
             </a:endParaRPr>
           </a:p>
           <a:p>
-            <a:pPr marL="285840" indent="-284400">
+            <a:pPr marL="285840" indent="-284040">
               <a:lnSpc>
                 <a:spcPct val="100000"/>
               </a:lnSpc>
@@ -6141,7 +6141,7 @@
             </a:endParaRPr>
           </a:p>
           <a:p>
-            <a:pPr marL="285840" indent="-284400">
+            <a:pPr marL="285840" indent="-284040">
               <a:lnSpc>
                 <a:spcPct val="100000"/>
               </a:lnSpc>
@@ -6349,7 +6349,7 @@
         <p:spPr>
           <a:xfrm>
             <a:off x="6411960" y="4284000"/>
-            <a:ext cx="598320" cy="598320"/>
+            <a:ext cx="597960" cy="597960"/>
           </a:xfrm>
           <a:prstGeom prst="rect">
             <a:avLst/>
@@ -6368,7 +6368,7 @@
         <p:spPr>
           <a:xfrm>
             <a:off x="6382440" y="4229280"/>
-            <a:ext cx="657720" cy="694800"/>
+            <a:ext cx="657360" cy="694440"/>
           </a:xfrm>
           <a:prstGeom prst="ellipse">
             <a:avLst/>
@@ -6405,7 +6405,7 @@
         <p:spPr>
           <a:xfrm>
             <a:off x="6750360" y="4724280"/>
-            <a:ext cx="1113120" cy="1282320"/>
+            <a:ext cx="1112760" cy="1281960"/>
           </a:xfrm>
           <a:prstGeom prst="roundRect">
             <a:avLst>
@@ -6446,7 +6446,7 @@
         <p:spPr>
           <a:xfrm>
             <a:off x="9235440" y="4205880"/>
-            <a:ext cx="2742120" cy="367920"/>
+            <a:ext cx="2741760" cy="367560"/>
           </a:xfrm>
           <a:prstGeom prst="roundRect">
             <a:avLst>
@@ -6489,7 +6489,7 @@
         <p:spPr>
           <a:xfrm>
             <a:off x="5852160" y="3885120"/>
-            <a:ext cx="1691640" cy="272520"/>
+            <a:ext cx="1691280" cy="272160"/>
           </a:xfrm>
           <a:prstGeom prst="roundRect">
             <a:avLst>
@@ -6530,7 +6530,7 @@
         <p:spPr>
           <a:xfrm>
             <a:off x="1238400" y="6228000"/>
-            <a:ext cx="1754280" cy="332640"/>
+            <a:ext cx="1753920" cy="332280"/>
           </a:xfrm>
           <a:prstGeom prst="roundRect">
             <a:avLst>
@@ -6594,7 +6594,7 @@
         <p:spPr>
           <a:xfrm>
             <a:off x="5893560" y="6152040"/>
-            <a:ext cx="2687040" cy="408600"/>
+            <a:ext cx="2686680" cy="408240"/>
           </a:xfrm>
           <a:prstGeom prst="roundRect">
             <a:avLst>
@@ -6639,7 +6639,7 @@
         <p:spPr>
           <a:xfrm>
             <a:off x="6527880" y="378720"/>
-            <a:ext cx="4732920" cy="3440160"/>
+            <a:ext cx="4732560" cy="3439800"/>
           </a:xfrm>
           <a:prstGeom prst="rect">
             <a:avLst/>
@@ -6662,7 +6662,7 @@
         <p:spPr>
           <a:xfrm>
             <a:off x="8308800" y="1503000"/>
-            <a:ext cx="1484640" cy="1484640"/>
+            <a:ext cx="1484280" cy="1484280"/>
           </a:xfrm>
           <a:prstGeom prst="rect">
             <a:avLst/>
@@ -6681,7 +6681,7 @@
         <p:spPr>
           <a:xfrm>
             <a:off x="5760720" y="3841560"/>
-            <a:ext cx="1842840" cy="363600"/>
+            <a:ext cx="1842480" cy="363240"/>
           </a:xfrm>
           <a:prstGeom prst="rect">
             <a:avLst/>
@@ -6734,7 +6734,7 @@
         <p:spPr>
           <a:xfrm>
             <a:off x="9051480" y="2939040"/>
-            <a:ext cx="3042360" cy="1216080"/>
+            <a:ext cx="3042000" cy="1215720"/>
           </a:xfrm>
           <a:prstGeom prst="rect">
             <a:avLst/>
@@ -6753,7 +6753,7 @@
         <p:spPr>
           <a:xfrm>
             <a:off x="9147240" y="4207320"/>
-            <a:ext cx="2921760" cy="363600"/>
+            <a:ext cx="2921400" cy="363240"/>
           </a:xfrm>
           <a:prstGeom prst="rect">
             <a:avLst/>
@@ -6802,7 +6802,7 @@
         <p:spPr>
           <a:xfrm>
             <a:off x="8411400" y="690480"/>
-            <a:ext cx="3107880" cy="284760"/>
+            <a:ext cx="3107520" cy="284400"/>
           </a:xfrm>
           <a:prstGeom prst="roundRect">
             <a:avLst>
@@ -6843,7 +6843,7 @@
         <p:spPr>
           <a:xfrm>
             <a:off x="8411400" y="625680"/>
-            <a:ext cx="3383280" cy="363600"/>
+            <a:ext cx="3382920" cy="363240"/>
           </a:xfrm>
           <a:prstGeom prst="rect">
             <a:avLst/>
@@ -6896,7 +6896,7 @@
         <p:spPr>
           <a:xfrm>
             <a:off x="486720" y="3245400"/>
-            <a:ext cx="603000" cy="603000"/>
+            <a:ext cx="602640" cy="602640"/>
           </a:xfrm>
           <a:prstGeom prst="rect">
             <a:avLst/>
@@ -6914,8 +6914,8 @@
         </p:nvSpPr>
         <p:spPr>
           <a:xfrm rot="3228600">
-            <a:off x="694440" y="4244760"/>
-            <a:ext cx="977040" cy="199440"/>
+            <a:off x="694440" y="4244400"/>
+            <a:ext cx="976680" cy="199080"/>
           </a:xfrm>
           <a:prstGeom prst="rightArrow">
             <a:avLst>
@@ -6956,7 +6956,7 @@
         <p:spPr>
           <a:xfrm>
             <a:off x="-250560" y="113040"/>
-            <a:ext cx="9770040" cy="576360"/>
+            <a:ext cx="9769680" cy="576000"/>
           </a:xfrm>
           <a:prstGeom prst="rect">
             <a:avLst/>
@@ -7010,7 +7010,7 @@
         <p:spPr>
           <a:xfrm>
             <a:off x="6897960" y="4900320"/>
-            <a:ext cx="817560" cy="953280"/>
+            <a:ext cx="817200" cy="952920"/>
           </a:xfrm>
           <a:prstGeom prst="rect">
             <a:avLst/>
@@ -7029,7 +7029,7 @@
         <p:spPr>
           <a:xfrm>
             <a:off x="5852160" y="6152040"/>
-            <a:ext cx="2804400" cy="363600"/>
+            <a:ext cx="2804040" cy="363240"/>
           </a:xfrm>
           <a:prstGeom prst="rect">
             <a:avLst/>
@@ -7077,8 +7077,8 @@
         </p:nvSpPr>
         <p:spPr>
           <a:xfrm rot="10800000">
-            <a:off x="7868880" y="4482720"/>
-            <a:ext cx="279360" cy="1282320"/>
+            <a:off x="7869240" y="4665240"/>
+            <a:ext cx="279000" cy="1281960"/>
           </a:xfrm>
           <a:prstGeom prst="downArrow">
             <a:avLst>
@@ -7120,7 +7120,7 @@
         <p:spPr>
           <a:xfrm>
             <a:off x="8951040" y="5564880"/>
-            <a:ext cx="842040" cy="346680"/>
+            <a:ext cx="841680" cy="346320"/>
           </a:xfrm>
           <a:prstGeom prst="roundRect">
             <a:avLst>
@@ -7161,7 +7161,7 @@
         <p:spPr>
           <a:xfrm>
             <a:off x="8917920" y="5564880"/>
-            <a:ext cx="908640" cy="363600"/>
+            <a:ext cx="908280" cy="363240"/>
           </a:xfrm>
           <a:prstGeom prst="rect">
             <a:avLst/>
@@ -7209,8 +7209,8 @@
         </p:nvSpPr>
         <p:spPr>
           <a:xfrm rot="14709000">
-            <a:off x="8475840" y="4290480"/>
-            <a:ext cx="311760" cy="1284480"/>
+            <a:off x="8475840" y="4290840"/>
+            <a:ext cx="311400" cy="1284120"/>
           </a:xfrm>
           <a:prstGeom prst="downArrow">
             <a:avLst>
@@ -7256,7 +7256,7 @@
         <p:spPr>
           <a:xfrm>
             <a:off x="7394400" y="2238840"/>
-            <a:ext cx="789120" cy="789120"/>
+            <a:ext cx="788760" cy="788760"/>
           </a:xfrm>
           <a:prstGeom prst="rect">
             <a:avLst/>
@@ -7275,7 +7275,7 @@
         <p:spPr>
           <a:xfrm>
             <a:off x="5467320" y="2054520"/>
-            <a:ext cx="2248200" cy="386280"/>
+            <a:ext cx="2247840" cy="385920"/>
           </a:xfrm>
           <a:prstGeom prst="roundRect">
             <a:avLst>
@@ -7316,7 +7316,7 @@
         <p:spPr>
           <a:xfrm>
             <a:off x="5364720" y="2054520"/>
-            <a:ext cx="2453760" cy="363600"/>
+            <a:ext cx="2453400" cy="363240"/>
           </a:xfrm>
           <a:prstGeom prst="rect">
             <a:avLst/>
@@ -7365,7 +7365,7 @@
         <p:spPr>
           <a:xfrm>
             <a:off x="8235000" y="2707200"/>
-            <a:ext cx="714600" cy="466200"/>
+            <a:ext cx="714240" cy="465840"/>
           </a:xfrm>
           <a:custGeom>
             <a:avLst/>
@@ -7419,7 +7419,7 @@
         <p:spPr>
           <a:xfrm>
             <a:off x="1566360" y="4857120"/>
-            <a:ext cx="1113120" cy="1282320"/>
+            <a:ext cx="1112760" cy="1281960"/>
           </a:xfrm>
           <a:prstGeom prst="rect">
             <a:avLst/>
@@ -7438,7 +7438,7 @@
         <p:spPr>
           <a:xfrm>
             <a:off x="1557360" y="4857120"/>
-            <a:ext cx="1123920" cy="1282320"/>
+            <a:ext cx="1123560" cy="1281960"/>
           </a:xfrm>
           <a:prstGeom prst="roundRect">
             <a:avLst>
@@ -7477,7 +7477,7 @@
         <p:spPr>
           <a:xfrm>
             <a:off x="1235880" y="6210360"/>
-            <a:ext cx="1842840" cy="363600"/>
+            <a:ext cx="1842480" cy="363240"/>
           </a:xfrm>
           <a:prstGeom prst="rect">
             <a:avLst/>
@@ -7530,7 +7530,7 @@
         <p:spPr>
           <a:xfrm>
             <a:off x="2208600" y="4506120"/>
-            <a:ext cx="839160" cy="682920"/>
+            <a:ext cx="838800" cy="682560"/>
           </a:xfrm>
           <a:prstGeom prst="rect">
             <a:avLst/>
@@ -7554,7 +7554,7 @@
         <p:spPr>
           <a:xfrm>
             <a:off x="2588760" y="3988800"/>
-            <a:ext cx="603000" cy="606600"/>
+            <a:ext cx="602640" cy="606240"/>
           </a:xfrm>
           <a:prstGeom prst="rect">
             <a:avLst/>
@@ -7573,7 +7573,7 @@
         <p:spPr>
           <a:xfrm>
             <a:off x="3217680" y="4046040"/>
-            <a:ext cx="341640" cy="318600"/>
+            <a:ext cx="341280" cy="318240"/>
           </a:xfrm>
           <a:prstGeom prst="mathPlus">
             <a:avLst>
@@ -7616,7 +7616,7 @@
         <p:spPr>
           <a:xfrm>
             <a:off x="3663000" y="3988800"/>
-            <a:ext cx="515880" cy="515880"/>
+            <a:ext cx="515520" cy="515520"/>
           </a:xfrm>
           <a:prstGeom prst="rect">
             <a:avLst/>
@@ -7635,7 +7635,7 @@
         <p:spPr>
           <a:xfrm>
             <a:off x="3972600" y="5934240"/>
-            <a:ext cx="842040" cy="346680"/>
+            <a:ext cx="841680" cy="346320"/>
           </a:xfrm>
           <a:prstGeom prst="roundRect">
             <a:avLst>
@@ -7676,7 +7676,7 @@
         <p:spPr>
           <a:xfrm>
             <a:off x="3939480" y="5913360"/>
-            <a:ext cx="908640" cy="363600"/>
+            <a:ext cx="908280" cy="363240"/>
           </a:xfrm>
           <a:prstGeom prst="rect">
             <a:avLst/>
@@ -7724,8 +7724,8 @@
         </p:nvSpPr>
         <p:spPr>
           <a:xfrm rot="16200000">
-            <a:off x="4543560" y="3954240"/>
-            <a:ext cx="181440" cy="3552120"/>
+            <a:off x="4543560" y="3954600"/>
+            <a:ext cx="181080" cy="3551760"/>
           </a:xfrm>
           <a:prstGeom prst="downArrow">
             <a:avLst>
@@ -7766,8 +7766,8 @@
         </p:nvSpPr>
         <p:spPr>
           <a:xfrm rot="5400000">
-            <a:off x="4576680" y="3608640"/>
-            <a:ext cx="181440" cy="3552120"/>
+            <a:off x="4577040" y="3608640"/>
+            <a:ext cx="181080" cy="3551760"/>
           </a:xfrm>
           <a:prstGeom prst="downArrow">
             <a:avLst>
@@ -7862,7 +7862,7 @@
         <p:spPr>
           <a:xfrm>
             <a:off x="6411960" y="4284000"/>
-            <a:ext cx="598320" cy="598320"/>
+            <a:ext cx="597960" cy="597960"/>
           </a:xfrm>
           <a:prstGeom prst="rect">
             <a:avLst/>
@@ -7881,7 +7881,7 @@
         <p:spPr>
           <a:xfrm>
             <a:off x="6382440" y="4229280"/>
-            <a:ext cx="657720" cy="694800"/>
+            <a:ext cx="657360" cy="694440"/>
           </a:xfrm>
           <a:prstGeom prst="ellipse">
             <a:avLst/>
@@ -7918,7 +7918,7 @@
         <p:spPr>
           <a:xfrm>
             <a:off x="6750360" y="4724280"/>
-            <a:ext cx="1113120" cy="1282320"/>
+            <a:ext cx="1112760" cy="1281960"/>
           </a:xfrm>
           <a:prstGeom prst="roundRect">
             <a:avLst>
@@ -7959,7 +7959,7 @@
         <p:spPr>
           <a:xfrm>
             <a:off x="9235440" y="4205880"/>
-            <a:ext cx="2742120" cy="367920"/>
+            <a:ext cx="2741760" cy="367560"/>
           </a:xfrm>
           <a:prstGeom prst="roundRect">
             <a:avLst>
@@ -8002,7 +8002,7 @@
         <p:spPr>
           <a:xfrm>
             <a:off x="5852160" y="3885120"/>
-            <a:ext cx="1691640" cy="272520"/>
+            <a:ext cx="1691280" cy="272160"/>
           </a:xfrm>
           <a:prstGeom prst="roundRect">
             <a:avLst>
@@ -8043,7 +8043,7 @@
         <p:spPr>
           <a:xfrm>
             <a:off x="1238400" y="6228000"/>
-            <a:ext cx="1754280" cy="332640"/>
+            <a:ext cx="1753920" cy="332280"/>
           </a:xfrm>
           <a:prstGeom prst="roundRect">
             <a:avLst>
@@ -8107,7 +8107,7 @@
         <p:spPr>
           <a:xfrm>
             <a:off x="6011280" y="6127560"/>
-            <a:ext cx="2674440" cy="408600"/>
+            <a:ext cx="2674080" cy="408240"/>
           </a:xfrm>
           <a:prstGeom prst="roundRect">
             <a:avLst>
@@ -8152,7 +8152,7 @@
         <p:spPr>
           <a:xfrm>
             <a:off x="6527880" y="378720"/>
-            <a:ext cx="4732920" cy="3440160"/>
+            <a:ext cx="4732560" cy="3439800"/>
           </a:xfrm>
           <a:prstGeom prst="rect">
             <a:avLst/>
@@ -8175,7 +8175,7 @@
         <p:spPr>
           <a:xfrm>
             <a:off x="8308800" y="1503000"/>
-            <a:ext cx="1484640" cy="1484640"/>
+            <a:ext cx="1484280" cy="1484280"/>
           </a:xfrm>
           <a:prstGeom prst="rect">
             <a:avLst/>
@@ -8194,7 +8194,7 @@
         <p:spPr>
           <a:xfrm>
             <a:off x="5760720" y="3841560"/>
-            <a:ext cx="1842840" cy="363600"/>
+            <a:ext cx="1842480" cy="363240"/>
           </a:xfrm>
           <a:prstGeom prst="rect">
             <a:avLst/>
@@ -8247,7 +8247,7 @@
         <p:spPr>
           <a:xfrm>
             <a:off x="9051480" y="2939040"/>
-            <a:ext cx="3042360" cy="1216080"/>
+            <a:ext cx="3042000" cy="1215720"/>
           </a:xfrm>
           <a:prstGeom prst="rect">
             <a:avLst/>
@@ -8266,7 +8266,7 @@
         <p:spPr>
           <a:xfrm>
             <a:off x="9147240" y="4207320"/>
-            <a:ext cx="2921760" cy="363600"/>
+            <a:ext cx="2921400" cy="363240"/>
           </a:xfrm>
           <a:prstGeom prst="rect">
             <a:avLst/>
@@ -8315,7 +8315,7 @@
         <p:spPr>
           <a:xfrm>
             <a:off x="8442360" y="690480"/>
-            <a:ext cx="2986560" cy="284760"/>
+            <a:ext cx="2986200" cy="284400"/>
           </a:xfrm>
           <a:prstGeom prst="roundRect">
             <a:avLst>
@@ -8356,7 +8356,7 @@
         <p:spPr>
           <a:xfrm>
             <a:off x="8411400" y="625680"/>
-            <a:ext cx="3108960" cy="363600"/>
+            <a:ext cx="3108600" cy="363240"/>
           </a:xfrm>
           <a:prstGeom prst="rect">
             <a:avLst/>
@@ -8409,7 +8409,7 @@
         <p:spPr>
           <a:xfrm>
             <a:off x="486720" y="3245400"/>
-            <a:ext cx="603000" cy="603000"/>
+            <a:ext cx="602640" cy="602640"/>
           </a:xfrm>
           <a:prstGeom prst="rect">
             <a:avLst/>
@@ -8427,8 +8427,8 @@
         </p:nvSpPr>
         <p:spPr>
           <a:xfrm rot="3228600">
-            <a:off x="694440" y="4244760"/>
-            <a:ext cx="977040" cy="199440"/>
+            <a:off x="694440" y="4244400"/>
+            <a:ext cx="976680" cy="199080"/>
           </a:xfrm>
           <a:prstGeom prst="rightArrow">
             <a:avLst>
@@ -8469,7 +8469,7 @@
         <p:spPr>
           <a:xfrm>
             <a:off x="-250560" y="113040"/>
-            <a:ext cx="9770040" cy="576360"/>
+            <a:ext cx="9769680" cy="576000"/>
           </a:xfrm>
           <a:prstGeom prst="rect">
             <a:avLst/>
@@ -8523,7 +8523,7 @@
         <p:spPr>
           <a:xfrm>
             <a:off x="6897960" y="4900320"/>
-            <a:ext cx="817560" cy="953280"/>
+            <a:ext cx="817200" cy="952920"/>
           </a:xfrm>
           <a:prstGeom prst="rect">
             <a:avLst/>
@@ -8542,7 +8542,7 @@
         <p:spPr>
           <a:xfrm>
             <a:off x="5943600" y="6127560"/>
-            <a:ext cx="2804400" cy="363600"/>
+            <a:ext cx="2804040" cy="363240"/>
           </a:xfrm>
           <a:prstGeom prst="rect">
             <a:avLst/>
@@ -8590,8 +8590,8 @@
         </p:nvSpPr>
         <p:spPr>
           <a:xfrm rot="10800000">
-            <a:off x="7868880" y="4574160"/>
-            <a:ext cx="279360" cy="1282320"/>
+            <a:off x="7955280" y="4574520"/>
+            <a:ext cx="279000" cy="1281960"/>
           </a:xfrm>
           <a:prstGeom prst="downArrow">
             <a:avLst>
@@ -8633,7 +8633,7 @@
         <p:spPr>
           <a:xfrm>
             <a:off x="8951040" y="5564880"/>
-            <a:ext cx="842040" cy="346680"/>
+            <a:ext cx="841680" cy="346320"/>
           </a:xfrm>
           <a:prstGeom prst="roundRect">
             <a:avLst>
@@ -8674,7 +8674,7 @@
         <p:spPr>
           <a:xfrm>
             <a:off x="8917920" y="5564880"/>
-            <a:ext cx="908640" cy="363600"/>
+            <a:ext cx="908280" cy="363240"/>
           </a:xfrm>
           <a:prstGeom prst="rect">
             <a:avLst/>
@@ -8722,8 +8722,8 @@
         </p:nvSpPr>
         <p:spPr>
           <a:xfrm rot="14709000">
-            <a:off x="8475840" y="4290480"/>
-            <a:ext cx="311760" cy="1284480"/>
+            <a:off x="8475840" y="4290840"/>
+            <a:ext cx="311400" cy="1284120"/>
           </a:xfrm>
           <a:prstGeom prst="downArrow">
             <a:avLst>
@@ -8765,7 +8765,7 @@
         <p:spPr>
           <a:xfrm>
             <a:off x="2764800" y="3511080"/>
-            <a:ext cx="2248200" cy="386280"/>
+            <a:ext cx="2247840" cy="385920"/>
           </a:xfrm>
           <a:prstGeom prst="roundRect">
             <a:avLst>
@@ -8806,7 +8806,7 @@
         <p:spPr>
           <a:xfrm>
             <a:off x="2662200" y="3501000"/>
-            <a:ext cx="2453760" cy="363600"/>
+            <a:ext cx="2453400" cy="363240"/>
           </a:xfrm>
           <a:prstGeom prst="rect">
             <a:avLst/>
@@ -8860,7 +8860,7 @@
         <p:spPr>
           <a:xfrm>
             <a:off x="1566360" y="4857120"/>
-            <a:ext cx="1113120" cy="1282320"/>
+            <a:ext cx="1112760" cy="1281960"/>
           </a:xfrm>
           <a:prstGeom prst="rect">
             <a:avLst/>
@@ -8879,7 +8879,7 @@
         <p:spPr>
           <a:xfrm>
             <a:off x="1557360" y="4857120"/>
-            <a:ext cx="1123920" cy="1282320"/>
+            <a:ext cx="1123560" cy="1281960"/>
           </a:xfrm>
           <a:prstGeom prst="roundRect">
             <a:avLst>
@@ -8918,7 +8918,7 @@
         <p:spPr>
           <a:xfrm>
             <a:off x="1235880" y="6210360"/>
-            <a:ext cx="1842840" cy="363600"/>
+            <a:ext cx="1842480" cy="363240"/>
           </a:xfrm>
           <a:prstGeom prst="rect">
             <a:avLst/>
@@ -8971,7 +8971,7 @@
         <p:spPr>
           <a:xfrm>
             <a:off x="2208600" y="4506120"/>
-            <a:ext cx="839160" cy="682920"/>
+            <a:ext cx="838800" cy="682560"/>
           </a:xfrm>
           <a:prstGeom prst="rect">
             <a:avLst/>
@@ -8995,7 +8995,7 @@
         <p:spPr>
           <a:xfrm>
             <a:off x="2588760" y="3988800"/>
-            <a:ext cx="603000" cy="606600"/>
+            <a:ext cx="602640" cy="606240"/>
           </a:xfrm>
           <a:prstGeom prst="rect">
             <a:avLst/>
@@ -9014,7 +9014,7 @@
         <p:spPr>
           <a:xfrm>
             <a:off x="3230640" y="4061520"/>
-            <a:ext cx="341640" cy="318600"/>
+            <a:ext cx="341280" cy="318240"/>
           </a:xfrm>
           <a:prstGeom prst="mathPlus">
             <a:avLst>
@@ -9057,7 +9057,7 @@
         <p:spPr>
           <a:xfrm>
             <a:off x="3663000" y="3988800"/>
-            <a:ext cx="515880" cy="515880"/>
+            <a:ext cx="515520" cy="515520"/>
           </a:xfrm>
           <a:prstGeom prst="rect">
             <a:avLst/>
@@ -9076,7 +9076,7 @@
         <p:spPr>
           <a:xfrm>
             <a:off x="3972600" y="5934240"/>
-            <a:ext cx="842040" cy="346680"/>
+            <a:ext cx="841680" cy="346320"/>
           </a:xfrm>
           <a:prstGeom prst="roundRect">
             <a:avLst>
@@ -9117,7 +9117,7 @@
         <p:spPr>
           <a:xfrm>
             <a:off x="3939480" y="5913360"/>
-            <a:ext cx="908640" cy="363600"/>
+            <a:ext cx="908280" cy="363240"/>
           </a:xfrm>
           <a:prstGeom prst="rect">
             <a:avLst/>
@@ -9165,8 +9165,8 @@
         </p:nvSpPr>
         <p:spPr>
           <a:xfrm rot="16200000">
-            <a:off x="4543560" y="3954240"/>
-            <a:ext cx="181440" cy="3552120"/>
+            <a:off x="4543560" y="3954600"/>
+            <a:ext cx="181080" cy="3551760"/>
           </a:xfrm>
           <a:prstGeom prst="downArrow">
             <a:avLst>
@@ -9207,8 +9207,8 @@
         </p:nvSpPr>
         <p:spPr>
           <a:xfrm rot="5400000">
-            <a:off x="4576680" y="3608640"/>
-            <a:ext cx="181440" cy="3552120"/>
+            <a:off x="4577040" y="3608640"/>
+            <a:ext cx="181080" cy="3551760"/>
           </a:xfrm>
           <a:prstGeom prst="downArrow">
             <a:avLst>
@@ -9299,7 +9299,7 @@
         <p:spPr>
           <a:xfrm>
             <a:off x="677160" y="609480"/>
-            <a:ext cx="8595360" cy="1319400"/>
+            <a:ext cx="8595000" cy="1319040"/>
           </a:xfrm>
           <a:prstGeom prst="rect">
             <a:avLst/>
@@ -9348,7 +9348,7 @@
         <p:spPr>
           <a:xfrm>
             <a:off x="781200" y="1596960"/>
-            <a:ext cx="8828280" cy="4967280"/>
+            <a:ext cx="8827920" cy="4966920"/>
           </a:xfrm>
           <a:prstGeom prst="rect">
             <a:avLst/>
@@ -9367,7 +9367,7 @@
         <p:txBody>
           <a:bodyPr lIns="90000" rIns="90000" tIns="45000" bIns="45000"/>
           <a:p>
-            <a:pPr marL="285840" indent="-284400">
+            <a:pPr marL="285840" indent="-284040">
               <a:lnSpc>
                 <a:spcPct val="100000"/>
               </a:lnSpc>
@@ -9402,7 +9402,7 @@
             </a:endParaRPr>
           </a:p>
           <a:p>
-            <a:pPr marL="285840" indent="-284400">
+            <a:pPr marL="285840" indent="-284040">
               <a:lnSpc>
                 <a:spcPct val="100000"/>
               </a:lnSpc>
@@ -9467,7 +9467,7 @@
             </a:endParaRPr>
           </a:p>
           <a:p>
-            <a:pPr marL="285840" indent="-284400">
+            <a:pPr marL="285840" indent="-284040">
               <a:lnSpc>
                 <a:spcPct val="100000"/>
               </a:lnSpc>
@@ -9551,7 +9551,7 @@
         <p:spPr>
           <a:xfrm>
             <a:off x="677160" y="609480"/>
-            <a:ext cx="8595360" cy="1319400"/>
+            <a:ext cx="8595000" cy="1319040"/>
           </a:xfrm>
           <a:prstGeom prst="rect">
             <a:avLst/>
@@ -9600,7 +9600,7 @@
         <p:spPr>
           <a:xfrm>
             <a:off x="857160" y="1714680"/>
-            <a:ext cx="8523360" cy="4295520"/>
+            <a:ext cx="8523000" cy="4295160"/>
           </a:xfrm>
           <a:prstGeom prst="rect">
             <a:avLst/>
@@ -9619,7 +9619,7 @@
         <p:txBody>
           <a:bodyPr lIns="90000" rIns="90000" tIns="45000" bIns="45000"/>
           <a:p>
-            <a:pPr marL="285840" indent="-284400">
+            <a:pPr marL="285840" indent="-284040">
               <a:lnSpc>
                 <a:spcPct val="100000"/>
               </a:lnSpc>
@@ -9664,7 +9664,7 @@
             </a:endParaRPr>
           </a:p>
           <a:p>
-            <a:pPr marL="285840" indent="-284400">
+            <a:pPr marL="285840" indent="-284040">
               <a:lnSpc>
                 <a:spcPct val="100000"/>
               </a:lnSpc>
@@ -9709,7 +9709,7 @@
             </a:endParaRPr>
           </a:p>
           <a:p>
-            <a:pPr marL="285840" indent="-284400">
+            <a:pPr marL="285840" indent="-284040">
               <a:lnSpc>
                 <a:spcPct val="100000"/>
               </a:lnSpc>
@@ -9754,7 +9754,7 @@
             </a:endParaRPr>
           </a:p>
           <a:p>
-            <a:pPr marL="285840" indent="-284400">
+            <a:pPr marL="285840" indent="-284040">
               <a:lnSpc>
                 <a:spcPct val="100000"/>
               </a:lnSpc>
@@ -9848,7 +9848,7 @@
         <p:spPr>
           <a:xfrm>
             <a:off x="543960" y="258480"/>
-            <a:ext cx="8595360" cy="1319400"/>
+            <a:ext cx="8595000" cy="1319040"/>
           </a:xfrm>
           <a:prstGeom prst="rect">
             <a:avLst/>
@@ -9897,7 +9897,7 @@
         <p:spPr>
           <a:xfrm>
             <a:off x="258840" y="918720"/>
-            <a:ext cx="9774360" cy="1460880"/>
+            <a:ext cx="9774000" cy="1460520"/>
           </a:xfrm>
           <a:prstGeom prst="rect">
             <a:avLst/>
@@ -9916,7 +9916,7 @@
         <p:txBody>
           <a:bodyPr wrap="none" lIns="90000" rIns="90000" tIns="45000" bIns="45000"/>
           <a:p>
-            <a:pPr marL="285840" indent="-284400">
+            <a:pPr marL="285840" indent="-284040">
               <a:lnSpc>
                 <a:spcPct val="100000"/>
               </a:lnSpc>
@@ -10011,7 +10011,7 @@
             </a:endParaRPr>
           </a:p>
           <a:p>
-            <a:pPr marL="285840" indent="-284400">
+            <a:pPr marL="285840" indent="-284040">
               <a:lnSpc>
                 <a:spcPct val="100000"/>
               </a:lnSpc>
@@ -10050,7 +10050,7 @@
         <p:spPr>
           <a:xfrm>
             <a:off x="1610640" y="2535840"/>
-            <a:ext cx="6693840" cy="3850920"/>
+            <a:ext cx="6693480" cy="3850560"/>
           </a:xfrm>
           <a:prstGeom prst="rect">
             <a:avLst/>
@@ -10120,7 +10120,7 @@
         <p:spPr>
           <a:xfrm>
             <a:off x="371520" y="333360"/>
-            <a:ext cx="8595360" cy="1319400"/>
+            <a:ext cx="8595000" cy="1319040"/>
           </a:xfrm>
           <a:prstGeom prst="rect">
             <a:avLst/>
@@ -10175,7 +10175,7 @@
         <p:spPr>
           <a:xfrm>
             <a:off x="5585760" y="1828800"/>
-            <a:ext cx="4343040" cy="2656080"/>
+            <a:ext cx="4342680" cy="2655720"/>
           </a:xfrm>
           <a:prstGeom prst="rect">
             <a:avLst/>
@@ -10194,7 +10194,7 @@
         <p:spPr>
           <a:xfrm>
             <a:off x="371520" y="1485720"/>
-            <a:ext cx="4732560" cy="4204080"/>
+            <a:ext cx="4732200" cy="4203720"/>
           </a:xfrm>
           <a:prstGeom prst="rect">
             <a:avLst/>
@@ -10213,7 +10213,7 @@
         <p:txBody>
           <a:bodyPr lIns="90000" rIns="90000" tIns="45000" bIns="45000"/>
           <a:p>
-            <a:pPr marL="285840" indent="-284400">
+            <a:pPr marL="285840" indent="-284040">
               <a:lnSpc>
                 <a:spcPct val="100000"/>
               </a:lnSpc>
@@ -10258,7 +10258,7 @@
             </a:endParaRPr>
           </a:p>
           <a:p>
-            <a:pPr marL="285840" indent="-284400">
+            <a:pPr marL="285840" indent="-284040">
               <a:lnSpc>
                 <a:spcPct val="100000"/>
               </a:lnSpc>
@@ -10303,7 +10303,7 @@
             </a:endParaRPr>
           </a:p>
           <a:p>
-            <a:pPr marL="285840" indent="-284400">
+            <a:pPr marL="285840" indent="-284040">
               <a:lnSpc>
                 <a:spcPct val="100000"/>
               </a:lnSpc>
@@ -10387,7 +10387,7 @@
         <p:spPr>
           <a:xfrm>
             <a:off x="677160" y="609480"/>
-            <a:ext cx="8595360" cy="1319400"/>
+            <a:ext cx="8595000" cy="1319040"/>
           </a:xfrm>
           <a:prstGeom prst="rect">
             <a:avLst/>
@@ -10440,7 +10440,7 @@
         <p:spPr>
           <a:xfrm>
             <a:off x="7071120" y="1562040"/>
-            <a:ext cx="2505960" cy="3497400"/>
+            <a:ext cx="2505600" cy="3497040"/>
           </a:xfrm>
           <a:prstGeom prst="rect">
             <a:avLst/>
@@ -10459,7 +10459,7 @@
         <p:spPr>
           <a:xfrm>
             <a:off x="800280" y="1676520"/>
-            <a:ext cx="5589720" cy="4477680"/>
+            <a:ext cx="5589360" cy="4477320"/>
           </a:xfrm>
           <a:prstGeom prst="rect">
             <a:avLst/>
@@ -10478,7 +10478,7 @@
         <p:txBody>
           <a:bodyPr lIns="90000" rIns="90000" tIns="45000" bIns="45000"/>
           <a:p>
-            <a:pPr marL="285840" indent="-284400">
+            <a:pPr marL="285840" indent="-284040">
               <a:lnSpc>
                 <a:spcPct val="100000"/>
               </a:lnSpc>
@@ -10513,7 +10513,7 @@
             </a:endParaRPr>
           </a:p>
           <a:p>
-            <a:pPr marL="285840" indent="-284400">
+            <a:pPr marL="285840" indent="-284040">
               <a:lnSpc>
                 <a:spcPct val="100000"/>
               </a:lnSpc>
